--- a/documentacion/Presentaciones PT1/EDTvarion1.pptx
+++ b/documentacion/Presentaciones PT1/EDTvarion1.pptx
@@ -1174,12 +1174,12 @@
         <a:lstStyle/>
         <a:p>
           <a:r>
-            <a:rPr lang="es-CL" dirty="0" smtClean="0"/>
+            <a:rPr lang="es-CL" smtClean="0"/>
             <a:t>Proyecto </a:t>
           </a:r>
           <a:r>
-            <a:rPr lang="es-CL" dirty="0" err="1" smtClean="0"/>
-            <a:t>BlindSteps</a:t>
+            <a:rPr lang="es-CL" smtClean="0"/>
+            <a:t>BlindSteep</a:t>
           </a:r>
           <a:endParaRPr lang="es-CL" dirty="0"/>
         </a:p>
@@ -1560,6 +1560,13 @@
         </dgm:presLayoutVars>
       </dgm:prSet>
       <dgm:spPr/>
+      <dgm:t>
+        <a:bodyPr/>
+        <a:lstStyle/>
+        <a:p>
+          <a:endParaRPr lang="es-ES"/>
+        </a:p>
+      </dgm:t>
     </dgm:pt>
     <dgm:pt modelId="{F2FD308B-F5DA-46E0-9474-B4E03BAB118E}" type="pres">
       <dgm:prSet presAssocID="{7E50C87A-0B3E-4760-93B4-8A48B5576445}" presName="hierRoot1" presStyleCnt="0">
@@ -1591,6 +1598,13 @@
     <dgm:pt modelId="{55AE658B-C3AD-4E79-8E64-D07EFD86E966}" type="pres">
       <dgm:prSet presAssocID="{7E50C87A-0B3E-4760-93B4-8A48B5576445}" presName="rootConnector1" presStyleLbl="node1" presStyleIdx="0" presStyleCnt="0"/>
       <dgm:spPr/>
+      <dgm:t>
+        <a:bodyPr/>
+        <a:lstStyle/>
+        <a:p>
+          <a:endParaRPr lang="es-ES"/>
+        </a:p>
+      </dgm:t>
     </dgm:pt>
     <dgm:pt modelId="{2D9A9618-1065-4F7B-873F-2FAAD3DF11FB}" type="pres">
       <dgm:prSet presAssocID="{7E50C87A-0B3E-4760-93B4-8A48B5576445}" presName="hierChild2" presStyleCnt="0"/>
@@ -1599,6 +1613,13 @@
     <dgm:pt modelId="{183BE953-B502-4590-B966-D8AD95E3805F}" type="pres">
       <dgm:prSet presAssocID="{1425B758-DEA2-4F01-AC4D-636715D3C9B5}" presName="Name37" presStyleLbl="parChTrans1D2" presStyleIdx="0" presStyleCnt="1"/>
       <dgm:spPr/>
+      <dgm:t>
+        <a:bodyPr/>
+        <a:lstStyle/>
+        <a:p>
+          <a:endParaRPr lang="es-ES"/>
+        </a:p>
+      </dgm:t>
     </dgm:pt>
     <dgm:pt modelId="{27B9D44E-BAA9-4C4C-BA6A-F6787C5095B4}" type="pres">
       <dgm:prSet presAssocID="{945C1132-7D97-4BD8-88F7-13903564E474}" presName="hierRoot2" presStyleCnt="0">
@@ -1630,6 +1651,13 @@
     <dgm:pt modelId="{7DA1E3A6-4FE3-434D-BA52-F655E9C04179}" type="pres">
       <dgm:prSet presAssocID="{945C1132-7D97-4BD8-88F7-13903564E474}" presName="rootConnector" presStyleLbl="node2" presStyleIdx="0" presStyleCnt="1"/>
       <dgm:spPr/>
+      <dgm:t>
+        <a:bodyPr/>
+        <a:lstStyle/>
+        <a:p>
+          <a:endParaRPr lang="es-ES"/>
+        </a:p>
+      </dgm:t>
     </dgm:pt>
     <dgm:pt modelId="{A775CE1C-4BC9-41EF-A322-A2E8B142D336}" type="pres">
       <dgm:prSet presAssocID="{945C1132-7D97-4BD8-88F7-13903564E474}" presName="hierChild4" presStyleCnt="0"/>
@@ -1638,6 +1666,13 @@
     <dgm:pt modelId="{558B13C0-44CE-455C-A7BC-F0C478F2D27C}" type="pres">
       <dgm:prSet presAssocID="{59D8EB2A-7DEB-41DA-BA04-307C522BC04E}" presName="Name37" presStyleLbl="parChTrans1D3" presStyleIdx="0" presStyleCnt="4"/>
       <dgm:spPr/>
+      <dgm:t>
+        <a:bodyPr/>
+        <a:lstStyle/>
+        <a:p>
+          <a:endParaRPr lang="es-ES"/>
+        </a:p>
+      </dgm:t>
     </dgm:pt>
     <dgm:pt modelId="{7B74120E-73A2-4D52-88BB-DE4E37FEA07B}" type="pres">
       <dgm:prSet presAssocID="{FDB73E2E-8229-4B81-84F7-4EAEDD7BC039}" presName="hierRoot2" presStyleCnt="0">
@@ -1669,6 +1704,13 @@
     <dgm:pt modelId="{346FFFED-8797-4654-89BD-D482C3E3A1E2}" type="pres">
       <dgm:prSet presAssocID="{FDB73E2E-8229-4B81-84F7-4EAEDD7BC039}" presName="rootConnector" presStyleLbl="node3" presStyleIdx="0" presStyleCnt="4"/>
       <dgm:spPr/>
+      <dgm:t>
+        <a:bodyPr/>
+        <a:lstStyle/>
+        <a:p>
+          <a:endParaRPr lang="es-ES"/>
+        </a:p>
+      </dgm:t>
     </dgm:pt>
     <dgm:pt modelId="{DF383101-B89D-42DC-B253-CCD1C9DF6094}" type="pres">
       <dgm:prSet presAssocID="{FDB73E2E-8229-4B81-84F7-4EAEDD7BC039}" presName="hierChild4" presStyleCnt="0"/>
@@ -1677,6 +1719,13 @@
     <dgm:pt modelId="{4B677F4A-12F5-4B24-AE26-AE34028223AD}" type="pres">
       <dgm:prSet presAssocID="{E4EE1ACF-B6B1-425F-94E6-AE3F79195B67}" presName="Name37" presStyleLbl="parChTrans1D4" presStyleIdx="0" presStyleCnt="12"/>
       <dgm:spPr/>
+      <dgm:t>
+        <a:bodyPr/>
+        <a:lstStyle/>
+        <a:p>
+          <a:endParaRPr lang="es-ES"/>
+        </a:p>
+      </dgm:t>
     </dgm:pt>
     <dgm:pt modelId="{C52138FE-446C-4CEB-A53C-8B1518D6EF1F}" type="pres">
       <dgm:prSet presAssocID="{F3A70688-F928-4D9D-8394-8134C6AA0C33}" presName="hierRoot2" presStyleCnt="0">
@@ -1708,6 +1757,13 @@
     <dgm:pt modelId="{144CD013-A843-40F6-A872-52E5478EE316}" type="pres">
       <dgm:prSet presAssocID="{F3A70688-F928-4D9D-8394-8134C6AA0C33}" presName="rootConnector" presStyleLbl="node4" presStyleIdx="0" presStyleCnt="12"/>
       <dgm:spPr/>
+      <dgm:t>
+        <a:bodyPr/>
+        <a:lstStyle/>
+        <a:p>
+          <a:endParaRPr lang="es-ES"/>
+        </a:p>
+      </dgm:t>
     </dgm:pt>
     <dgm:pt modelId="{532DCD11-85A6-4913-9865-9849DD262805}" type="pres">
       <dgm:prSet presAssocID="{F3A70688-F928-4D9D-8394-8134C6AA0C33}" presName="hierChild4" presStyleCnt="0"/>
@@ -1716,6 +1772,13 @@
     <dgm:pt modelId="{151CCD83-50F0-4110-9497-26115DDCA3B9}" type="pres">
       <dgm:prSet presAssocID="{C0BC0CAA-3853-48F1-90DA-4864E6D1BFA8}" presName="Name37" presStyleLbl="parChTrans1D4" presStyleIdx="1" presStyleCnt="12"/>
       <dgm:spPr/>
+      <dgm:t>
+        <a:bodyPr/>
+        <a:lstStyle/>
+        <a:p>
+          <a:endParaRPr lang="es-ES"/>
+        </a:p>
+      </dgm:t>
     </dgm:pt>
     <dgm:pt modelId="{7B9054EA-2E59-4E9E-BB9E-D0BCECC7AF7C}" type="pres">
       <dgm:prSet presAssocID="{7F8F49D0-FDDA-498F-83B9-EF4D2E07CA2C}" presName="hierRoot2" presStyleCnt="0">
@@ -1736,10 +1799,24 @@
         </dgm:presLayoutVars>
       </dgm:prSet>
       <dgm:spPr/>
+      <dgm:t>
+        <a:bodyPr/>
+        <a:lstStyle/>
+        <a:p>
+          <a:endParaRPr lang="es-ES"/>
+        </a:p>
+      </dgm:t>
     </dgm:pt>
     <dgm:pt modelId="{6B68C190-3281-4247-B685-48A9B6F877C6}" type="pres">
       <dgm:prSet presAssocID="{7F8F49D0-FDDA-498F-83B9-EF4D2E07CA2C}" presName="rootConnector" presStyleLbl="node4" presStyleIdx="1" presStyleCnt="12"/>
       <dgm:spPr/>
+      <dgm:t>
+        <a:bodyPr/>
+        <a:lstStyle/>
+        <a:p>
+          <a:endParaRPr lang="es-ES"/>
+        </a:p>
+      </dgm:t>
     </dgm:pt>
     <dgm:pt modelId="{3A8AB1FA-45BC-4BC6-9FF9-927EE8F89BE7}" type="pres">
       <dgm:prSet presAssocID="{7F8F49D0-FDDA-498F-83B9-EF4D2E07CA2C}" presName="hierChild4" presStyleCnt="0"/>
@@ -1752,6 +1829,13 @@
     <dgm:pt modelId="{A2157778-9B6B-4982-8B6E-EDE7217709E6}" type="pres">
       <dgm:prSet presAssocID="{1013B2A1-85F1-4D13-B71F-E935BF8DF3FF}" presName="Name37" presStyleLbl="parChTrans1D4" presStyleIdx="2" presStyleCnt="12"/>
       <dgm:spPr/>
+      <dgm:t>
+        <a:bodyPr/>
+        <a:lstStyle/>
+        <a:p>
+          <a:endParaRPr lang="es-ES"/>
+        </a:p>
+      </dgm:t>
     </dgm:pt>
     <dgm:pt modelId="{C7947CEA-B014-4925-86F4-8FF1351F6D95}" type="pres">
       <dgm:prSet presAssocID="{38D44E36-A249-4AE2-8871-0AA28B7DF9BA}" presName="hierRoot2" presStyleCnt="0">
@@ -1783,6 +1867,13 @@
     <dgm:pt modelId="{E5F258B3-2DD6-4C50-A25B-AC85303E5AC9}" type="pres">
       <dgm:prSet presAssocID="{38D44E36-A249-4AE2-8871-0AA28B7DF9BA}" presName="rootConnector" presStyleLbl="node4" presStyleIdx="2" presStyleCnt="12"/>
       <dgm:spPr/>
+      <dgm:t>
+        <a:bodyPr/>
+        <a:lstStyle/>
+        <a:p>
+          <a:endParaRPr lang="es-ES"/>
+        </a:p>
+      </dgm:t>
     </dgm:pt>
     <dgm:pt modelId="{31BE66B6-60A3-46C1-A2A6-E3D3BEB139C8}" type="pres">
       <dgm:prSet presAssocID="{38D44E36-A249-4AE2-8871-0AA28B7DF9BA}" presName="hierChild4" presStyleCnt="0"/>
@@ -1799,6 +1890,13 @@
     <dgm:pt modelId="{78B49EE1-A953-4CA9-91A6-0ACF8DC7C457}" type="pres">
       <dgm:prSet presAssocID="{BDE7C457-3173-4C27-A90E-D80C63101430}" presName="Name37" presStyleLbl="parChTrans1D4" presStyleIdx="3" presStyleCnt="12"/>
       <dgm:spPr/>
+      <dgm:t>
+        <a:bodyPr/>
+        <a:lstStyle/>
+        <a:p>
+          <a:endParaRPr lang="es-ES"/>
+        </a:p>
+      </dgm:t>
     </dgm:pt>
     <dgm:pt modelId="{3270D517-48C4-42EC-82DF-20AD30D97CEA}" type="pres">
       <dgm:prSet presAssocID="{71C4292B-DED4-46A5-8A85-FFE464DD7BEB}" presName="hierRoot2" presStyleCnt="0">
@@ -1819,10 +1917,24 @@
         </dgm:presLayoutVars>
       </dgm:prSet>
       <dgm:spPr/>
+      <dgm:t>
+        <a:bodyPr/>
+        <a:lstStyle/>
+        <a:p>
+          <a:endParaRPr lang="es-ES"/>
+        </a:p>
+      </dgm:t>
     </dgm:pt>
     <dgm:pt modelId="{FE5BCD6D-0222-490A-95AD-1A751FABD263}" type="pres">
       <dgm:prSet presAssocID="{71C4292B-DED4-46A5-8A85-FFE464DD7BEB}" presName="rootConnector" presStyleLbl="node4" presStyleIdx="3" presStyleCnt="12"/>
       <dgm:spPr/>
+      <dgm:t>
+        <a:bodyPr/>
+        <a:lstStyle/>
+        <a:p>
+          <a:endParaRPr lang="es-ES"/>
+        </a:p>
+      </dgm:t>
     </dgm:pt>
     <dgm:pt modelId="{2EF9E086-EC2E-425D-9543-FA0E2571C937}" type="pres">
       <dgm:prSet presAssocID="{71C4292B-DED4-46A5-8A85-FFE464DD7BEB}" presName="hierChild4" presStyleCnt="0"/>
@@ -1831,6 +1943,13 @@
     <dgm:pt modelId="{88C8B171-F56F-4AA2-BCF0-072AC142BCC0}" type="pres">
       <dgm:prSet presAssocID="{E2602E78-02E0-41E4-A2DD-C8FE37C49879}" presName="Name37" presStyleLbl="parChTrans1D4" presStyleIdx="4" presStyleCnt="12"/>
       <dgm:spPr/>
+      <dgm:t>
+        <a:bodyPr/>
+        <a:lstStyle/>
+        <a:p>
+          <a:endParaRPr lang="es-ES"/>
+        </a:p>
+      </dgm:t>
     </dgm:pt>
     <dgm:pt modelId="{A64A9339-9013-4175-BF01-3B0ADAA168EE}" type="pres">
       <dgm:prSet presAssocID="{326352C7-E7FD-431F-8DFF-EEE72A36D37E}" presName="hierRoot2" presStyleCnt="0">
@@ -1862,6 +1981,13 @@
     <dgm:pt modelId="{9A3217EE-ED24-4EA4-8D67-B32DB9390903}" type="pres">
       <dgm:prSet presAssocID="{326352C7-E7FD-431F-8DFF-EEE72A36D37E}" presName="rootConnector" presStyleLbl="node4" presStyleIdx="4" presStyleCnt="12"/>
       <dgm:spPr/>
+      <dgm:t>
+        <a:bodyPr/>
+        <a:lstStyle/>
+        <a:p>
+          <a:endParaRPr lang="es-ES"/>
+        </a:p>
+      </dgm:t>
     </dgm:pt>
     <dgm:pt modelId="{07161A43-C766-4A0A-B59F-02947D977381}" type="pres">
       <dgm:prSet presAssocID="{326352C7-E7FD-431F-8DFF-EEE72A36D37E}" presName="hierChild4" presStyleCnt="0"/>
@@ -1874,6 +2000,13 @@
     <dgm:pt modelId="{461759D0-3931-4088-8AD1-5183E0C0F29B}" type="pres">
       <dgm:prSet presAssocID="{34F69F19-BDC0-414E-8EA1-5C137762A583}" presName="Name37" presStyleLbl="parChTrans1D4" presStyleIdx="5" presStyleCnt="12"/>
       <dgm:spPr/>
+      <dgm:t>
+        <a:bodyPr/>
+        <a:lstStyle/>
+        <a:p>
+          <a:endParaRPr lang="es-ES"/>
+        </a:p>
+      </dgm:t>
     </dgm:pt>
     <dgm:pt modelId="{3E1149FF-EF20-45EC-B9EF-02F831827A06}" type="pres">
       <dgm:prSet presAssocID="{26A0E1D5-D193-462B-96B0-D6085BFFB12C}" presName="hierRoot2" presStyleCnt="0">
@@ -1894,10 +2027,24 @@
         </dgm:presLayoutVars>
       </dgm:prSet>
       <dgm:spPr/>
+      <dgm:t>
+        <a:bodyPr/>
+        <a:lstStyle/>
+        <a:p>
+          <a:endParaRPr lang="es-ES"/>
+        </a:p>
+      </dgm:t>
     </dgm:pt>
     <dgm:pt modelId="{A5149936-CACE-49EB-8894-B0148CD291C6}" type="pres">
       <dgm:prSet presAssocID="{26A0E1D5-D193-462B-96B0-D6085BFFB12C}" presName="rootConnector" presStyleLbl="node4" presStyleIdx="5" presStyleCnt="12"/>
       <dgm:spPr/>
+      <dgm:t>
+        <a:bodyPr/>
+        <a:lstStyle/>
+        <a:p>
+          <a:endParaRPr lang="es-ES"/>
+        </a:p>
+      </dgm:t>
     </dgm:pt>
     <dgm:pt modelId="{77F12921-9C89-4529-8B63-4CE0C8BE2546}" type="pres">
       <dgm:prSet presAssocID="{26A0E1D5-D193-462B-96B0-D6085BFFB12C}" presName="hierChild4" presStyleCnt="0"/>
@@ -1910,6 +2057,13 @@
     <dgm:pt modelId="{5CCC9681-1BFE-47F2-B6FF-103AEC18E6AC}" type="pres">
       <dgm:prSet presAssocID="{ED843AF2-6A1E-40CA-BBD7-8F4823E8E2A2}" presName="Name37" presStyleLbl="parChTrans1D4" presStyleIdx="6" presStyleCnt="12"/>
       <dgm:spPr/>
+      <dgm:t>
+        <a:bodyPr/>
+        <a:lstStyle/>
+        <a:p>
+          <a:endParaRPr lang="es-ES"/>
+        </a:p>
+      </dgm:t>
     </dgm:pt>
     <dgm:pt modelId="{4410EA49-A76F-4F86-98E1-6EA7F2E41DFC}" type="pres">
       <dgm:prSet presAssocID="{6163160A-E89C-4FD7-A21E-9191A4E74F49}" presName="hierRoot2" presStyleCnt="0">
@@ -1930,10 +2084,24 @@
         </dgm:presLayoutVars>
       </dgm:prSet>
       <dgm:spPr/>
+      <dgm:t>
+        <a:bodyPr/>
+        <a:lstStyle/>
+        <a:p>
+          <a:endParaRPr lang="es-ES"/>
+        </a:p>
+      </dgm:t>
     </dgm:pt>
     <dgm:pt modelId="{FECBF60F-6947-49A2-BBC5-86997D821BB1}" type="pres">
       <dgm:prSet presAssocID="{6163160A-E89C-4FD7-A21E-9191A4E74F49}" presName="rootConnector" presStyleLbl="node4" presStyleIdx="6" presStyleCnt="12"/>
       <dgm:spPr/>
+      <dgm:t>
+        <a:bodyPr/>
+        <a:lstStyle/>
+        <a:p>
+          <a:endParaRPr lang="es-ES"/>
+        </a:p>
+      </dgm:t>
     </dgm:pt>
     <dgm:pt modelId="{77841592-EF7A-4F01-8BB9-ADABBF6FA661}" type="pres">
       <dgm:prSet presAssocID="{6163160A-E89C-4FD7-A21E-9191A4E74F49}" presName="hierChild4" presStyleCnt="0"/>
@@ -1954,6 +2122,13 @@
     <dgm:pt modelId="{FF0D9A6C-3A7B-4A40-87C4-0AB3ACC39E81}" type="pres">
       <dgm:prSet presAssocID="{B46F2D23-AC8F-4B26-8A0C-3D49C0FE238D}" presName="Name37" presStyleLbl="parChTrans1D3" presStyleIdx="1" presStyleCnt="4"/>
       <dgm:spPr/>
+      <dgm:t>
+        <a:bodyPr/>
+        <a:lstStyle/>
+        <a:p>
+          <a:endParaRPr lang="es-ES"/>
+        </a:p>
+      </dgm:t>
     </dgm:pt>
     <dgm:pt modelId="{C6F0CBD7-18F9-49A8-B8A1-36579F79ADF8}" type="pres">
       <dgm:prSet presAssocID="{03F87A64-5089-452D-BFC5-09BE3A3CFA03}" presName="hierRoot2" presStyleCnt="0">
@@ -1985,6 +2160,13 @@
     <dgm:pt modelId="{2DD22A6F-D4A7-4F29-9DF7-9297BFC5C2AF}" type="pres">
       <dgm:prSet presAssocID="{03F87A64-5089-452D-BFC5-09BE3A3CFA03}" presName="rootConnector" presStyleLbl="node3" presStyleIdx="1" presStyleCnt="4"/>
       <dgm:spPr/>
+      <dgm:t>
+        <a:bodyPr/>
+        <a:lstStyle/>
+        <a:p>
+          <a:endParaRPr lang="es-ES"/>
+        </a:p>
+      </dgm:t>
     </dgm:pt>
     <dgm:pt modelId="{BB5F3B09-0608-41F1-A8DD-80B8095F84B2}" type="pres">
       <dgm:prSet presAssocID="{03F87A64-5089-452D-BFC5-09BE3A3CFA03}" presName="hierChild4" presStyleCnt="0"/>
@@ -1993,6 +2175,13 @@
     <dgm:pt modelId="{96D70B66-8DB3-48EE-8B2B-A93623A01AB5}" type="pres">
       <dgm:prSet presAssocID="{B39615C1-2B88-4466-B377-ADF26F695F87}" presName="Name37" presStyleLbl="parChTrans1D4" presStyleIdx="7" presStyleCnt="12"/>
       <dgm:spPr/>
+      <dgm:t>
+        <a:bodyPr/>
+        <a:lstStyle/>
+        <a:p>
+          <a:endParaRPr lang="es-ES"/>
+        </a:p>
+      </dgm:t>
     </dgm:pt>
     <dgm:pt modelId="{5EBB082B-E10C-47D2-9BEB-557E42D8D918}" type="pres">
       <dgm:prSet presAssocID="{5D724A45-8416-403A-846A-67D222F64FEB}" presName="hierRoot2" presStyleCnt="0">
@@ -2024,6 +2213,13 @@
     <dgm:pt modelId="{DAB1A021-F421-4FF9-A748-622F02A8FFD6}" type="pres">
       <dgm:prSet presAssocID="{5D724A45-8416-403A-846A-67D222F64FEB}" presName="rootConnector" presStyleLbl="node4" presStyleIdx="7" presStyleCnt="12"/>
       <dgm:spPr/>
+      <dgm:t>
+        <a:bodyPr/>
+        <a:lstStyle/>
+        <a:p>
+          <a:endParaRPr lang="es-ES"/>
+        </a:p>
+      </dgm:t>
     </dgm:pt>
     <dgm:pt modelId="{009E3D6E-E072-4258-8996-0AA1F48B5147}" type="pres">
       <dgm:prSet presAssocID="{5D724A45-8416-403A-846A-67D222F64FEB}" presName="hierChild4" presStyleCnt="0"/>
@@ -2040,6 +2236,13 @@
     <dgm:pt modelId="{61D134F2-F30B-42D4-AA7E-3C8A198CD3AF}" type="pres">
       <dgm:prSet presAssocID="{4C4458EA-5A97-40D4-B783-52AA55F695DB}" presName="Name37" presStyleLbl="parChTrans1D3" presStyleIdx="2" presStyleCnt="4"/>
       <dgm:spPr/>
+      <dgm:t>
+        <a:bodyPr/>
+        <a:lstStyle/>
+        <a:p>
+          <a:endParaRPr lang="es-ES"/>
+        </a:p>
+      </dgm:t>
     </dgm:pt>
     <dgm:pt modelId="{5A39B77F-AAB1-4BC6-9C75-67832BE4B5B2}" type="pres">
       <dgm:prSet presAssocID="{2B118BBB-D843-42E0-8A72-800EB8E57854}" presName="hierRoot2" presStyleCnt="0">
@@ -2071,6 +2274,13 @@
     <dgm:pt modelId="{190B4781-F618-40FD-B594-2E70BAB01F6F}" type="pres">
       <dgm:prSet presAssocID="{2B118BBB-D843-42E0-8A72-800EB8E57854}" presName="rootConnector" presStyleLbl="node3" presStyleIdx="2" presStyleCnt="4"/>
       <dgm:spPr/>
+      <dgm:t>
+        <a:bodyPr/>
+        <a:lstStyle/>
+        <a:p>
+          <a:endParaRPr lang="es-ES"/>
+        </a:p>
+      </dgm:t>
     </dgm:pt>
     <dgm:pt modelId="{14D91AD8-F30D-462C-8114-9D1096784FED}" type="pres">
       <dgm:prSet presAssocID="{2B118BBB-D843-42E0-8A72-800EB8E57854}" presName="hierChild4" presStyleCnt="0"/>
@@ -2079,6 +2289,13 @@
     <dgm:pt modelId="{1065FBFF-DDFA-4AF3-91AB-BFDB62A360D9}" type="pres">
       <dgm:prSet presAssocID="{25699D91-0FA7-452F-91D3-02954849E7E1}" presName="Name37" presStyleLbl="parChTrans1D4" presStyleIdx="8" presStyleCnt="12"/>
       <dgm:spPr/>
+      <dgm:t>
+        <a:bodyPr/>
+        <a:lstStyle/>
+        <a:p>
+          <a:endParaRPr lang="es-ES"/>
+        </a:p>
+      </dgm:t>
     </dgm:pt>
     <dgm:pt modelId="{A182A6A8-029B-4548-B185-8FF976DF5063}" type="pres">
       <dgm:prSet presAssocID="{7F54E24C-D986-4CE6-BECA-C6DB9CA3017B}" presName="hierRoot2" presStyleCnt="0">
@@ -2110,6 +2327,13 @@
     <dgm:pt modelId="{FAE2A438-73ED-4663-A56B-9C9D74FFB024}" type="pres">
       <dgm:prSet presAssocID="{7F54E24C-D986-4CE6-BECA-C6DB9CA3017B}" presName="rootConnector" presStyleLbl="node4" presStyleIdx="8" presStyleCnt="12"/>
       <dgm:spPr/>
+      <dgm:t>
+        <a:bodyPr/>
+        <a:lstStyle/>
+        <a:p>
+          <a:endParaRPr lang="es-ES"/>
+        </a:p>
+      </dgm:t>
     </dgm:pt>
     <dgm:pt modelId="{D939CC3B-8684-4252-9AD6-D64BE8528603}" type="pres">
       <dgm:prSet presAssocID="{7F54E24C-D986-4CE6-BECA-C6DB9CA3017B}" presName="hierChild4" presStyleCnt="0"/>
@@ -2118,6 +2342,13 @@
     <dgm:pt modelId="{34F62DD5-1052-43B3-8EBB-DAEFA03131F2}" type="pres">
       <dgm:prSet presAssocID="{B0B0EB76-7820-4F92-A2A1-2892F05528D1}" presName="Name37" presStyleLbl="parChTrans1D4" presStyleIdx="9" presStyleCnt="12"/>
       <dgm:spPr/>
+      <dgm:t>
+        <a:bodyPr/>
+        <a:lstStyle/>
+        <a:p>
+          <a:endParaRPr lang="es-ES"/>
+        </a:p>
+      </dgm:t>
     </dgm:pt>
     <dgm:pt modelId="{563A623F-0442-4802-B8BE-A5B4C7B9F6FC}" type="pres">
       <dgm:prSet presAssocID="{10DFD1AE-B84E-4BC3-AB3C-ED109122078B}" presName="hierRoot2" presStyleCnt="0">
@@ -2138,10 +2369,24 @@
         </dgm:presLayoutVars>
       </dgm:prSet>
       <dgm:spPr/>
+      <dgm:t>
+        <a:bodyPr/>
+        <a:lstStyle/>
+        <a:p>
+          <a:endParaRPr lang="es-ES"/>
+        </a:p>
+      </dgm:t>
     </dgm:pt>
     <dgm:pt modelId="{8E412BDD-BD39-466F-B64B-9D4C39F0DA48}" type="pres">
       <dgm:prSet presAssocID="{10DFD1AE-B84E-4BC3-AB3C-ED109122078B}" presName="rootConnector" presStyleLbl="node4" presStyleIdx="9" presStyleCnt="12"/>
       <dgm:spPr/>
+      <dgm:t>
+        <a:bodyPr/>
+        <a:lstStyle/>
+        <a:p>
+          <a:endParaRPr lang="es-ES"/>
+        </a:p>
+      </dgm:t>
     </dgm:pt>
     <dgm:pt modelId="{DF2FC5A4-DBF3-4FE9-ADA6-205BA3F8CA91}" type="pres">
       <dgm:prSet presAssocID="{10DFD1AE-B84E-4BC3-AB3C-ED109122078B}" presName="hierChild4" presStyleCnt="0"/>
@@ -2154,6 +2399,13 @@
     <dgm:pt modelId="{B2D38C96-EDAD-486F-A419-DE124EA8DE69}" type="pres">
       <dgm:prSet presAssocID="{785EE92E-B107-40A2-98D9-71390D2A33F0}" presName="Name37" presStyleLbl="parChTrans1D4" presStyleIdx="10" presStyleCnt="12"/>
       <dgm:spPr/>
+      <dgm:t>
+        <a:bodyPr/>
+        <a:lstStyle/>
+        <a:p>
+          <a:endParaRPr lang="es-ES"/>
+        </a:p>
+      </dgm:t>
     </dgm:pt>
     <dgm:pt modelId="{06766F9F-7572-447E-B2E8-C92C41BC5C45}" type="pres">
       <dgm:prSet presAssocID="{19F8CE35-A75F-4126-91A3-B6BBEE117D20}" presName="hierRoot2" presStyleCnt="0">
@@ -2174,10 +2426,24 @@
         </dgm:presLayoutVars>
       </dgm:prSet>
       <dgm:spPr/>
+      <dgm:t>
+        <a:bodyPr/>
+        <a:lstStyle/>
+        <a:p>
+          <a:endParaRPr lang="es-ES"/>
+        </a:p>
+      </dgm:t>
     </dgm:pt>
     <dgm:pt modelId="{B5FFA68C-A420-4E2D-81A6-B3BCF4097854}" type="pres">
       <dgm:prSet presAssocID="{19F8CE35-A75F-4126-91A3-B6BBEE117D20}" presName="rootConnector" presStyleLbl="node4" presStyleIdx="10" presStyleCnt="12"/>
       <dgm:spPr/>
+      <dgm:t>
+        <a:bodyPr/>
+        <a:lstStyle/>
+        <a:p>
+          <a:endParaRPr lang="es-ES"/>
+        </a:p>
+      </dgm:t>
     </dgm:pt>
     <dgm:pt modelId="{A7933785-DA22-4F35-818D-76489A222D10}" type="pres">
       <dgm:prSet presAssocID="{19F8CE35-A75F-4126-91A3-B6BBEE117D20}" presName="hierChild4" presStyleCnt="0"/>
@@ -2194,6 +2460,13 @@
     <dgm:pt modelId="{932D3C89-6B17-4A87-AEDB-DCE76B9D6F36}" type="pres">
       <dgm:prSet presAssocID="{61C2769A-E563-434C-A515-C856BAF14B1D}" presName="Name37" presStyleLbl="parChTrans1D4" presStyleIdx="11" presStyleCnt="12"/>
       <dgm:spPr/>
+      <dgm:t>
+        <a:bodyPr/>
+        <a:lstStyle/>
+        <a:p>
+          <a:endParaRPr lang="es-ES"/>
+        </a:p>
+      </dgm:t>
     </dgm:pt>
     <dgm:pt modelId="{76FFCF6D-6B4F-498A-B2A3-D3D4A5ADB8D4}" type="pres">
       <dgm:prSet presAssocID="{2969E488-A606-4FA6-AF9D-9B06AD30E469}" presName="hierRoot2" presStyleCnt="0">
@@ -2225,6 +2498,13 @@
     <dgm:pt modelId="{4545232F-77AE-4609-A7AB-108A88459780}" type="pres">
       <dgm:prSet presAssocID="{2969E488-A606-4FA6-AF9D-9B06AD30E469}" presName="rootConnector" presStyleLbl="node4" presStyleIdx="11" presStyleCnt="12"/>
       <dgm:spPr/>
+      <dgm:t>
+        <a:bodyPr/>
+        <a:lstStyle/>
+        <a:p>
+          <a:endParaRPr lang="es-ES"/>
+        </a:p>
+      </dgm:t>
     </dgm:pt>
     <dgm:pt modelId="{5421DD2A-7E03-4443-9E1B-E95046D9E908}" type="pres">
       <dgm:prSet presAssocID="{2969E488-A606-4FA6-AF9D-9B06AD30E469}" presName="hierChild4" presStyleCnt="0"/>
@@ -2241,6 +2521,13 @@
     <dgm:pt modelId="{3A0459FA-C8BE-407E-A460-CA861E4292F1}" type="pres">
       <dgm:prSet presAssocID="{DBE716D2-725F-4A64-908C-12C4E31747F6}" presName="Name37" presStyleLbl="parChTrans1D3" presStyleIdx="3" presStyleCnt="4"/>
       <dgm:spPr/>
+      <dgm:t>
+        <a:bodyPr/>
+        <a:lstStyle/>
+        <a:p>
+          <a:endParaRPr lang="es-ES"/>
+        </a:p>
+      </dgm:t>
     </dgm:pt>
     <dgm:pt modelId="{722CC0CC-C822-4F07-BABB-76468935D635}" type="pres">
       <dgm:prSet presAssocID="{4FA66C56-8BF5-4271-94E8-5894A7CFB0DD}" presName="hierRoot2" presStyleCnt="0">
@@ -2272,6 +2559,13 @@
     <dgm:pt modelId="{F80319B1-A056-44FE-951E-49FD404E8C7A}" type="pres">
       <dgm:prSet presAssocID="{4FA66C56-8BF5-4271-94E8-5894A7CFB0DD}" presName="rootConnector" presStyleLbl="node3" presStyleIdx="3" presStyleCnt="4"/>
       <dgm:spPr/>
+      <dgm:t>
+        <a:bodyPr/>
+        <a:lstStyle/>
+        <a:p>
+          <a:endParaRPr lang="es-ES"/>
+        </a:p>
+      </dgm:t>
     </dgm:pt>
     <dgm:pt modelId="{20AEF90C-6FB2-4F2C-909B-54659AC708AC}" type="pres">
       <dgm:prSet presAssocID="{4FA66C56-8BF5-4271-94E8-5894A7CFB0DD}" presName="hierChild4" presStyleCnt="0"/>
@@ -2291,78 +2585,78 @@
     </dgm:pt>
   </dgm:ptLst>
   <dgm:cxnLst>
+    <dgm:cxn modelId="{F4722E47-F60E-47C6-924B-D65D115ACEFE}" type="presOf" srcId="{03F87A64-5089-452D-BFC5-09BE3A3CFA03}" destId="{2DD22A6F-D4A7-4F29-9DF7-9297BFC5C2AF}" srcOrd="1" destOrd="0" presId="urn:microsoft.com/office/officeart/2005/8/layout/orgChart1"/>
+    <dgm:cxn modelId="{17CADABC-E7F8-407C-81D0-873A18A7A0C3}" type="presOf" srcId="{61C2769A-E563-434C-A515-C856BAF14B1D}" destId="{932D3C89-6B17-4A87-AEDB-DCE76B9D6F36}" srcOrd="0" destOrd="0" presId="urn:microsoft.com/office/officeart/2005/8/layout/orgChart1"/>
+    <dgm:cxn modelId="{EB008B96-8B78-4536-8DFF-F330B763BBE6}" srcId="{2B118BBB-D843-42E0-8A72-800EB8E57854}" destId="{7F54E24C-D986-4CE6-BECA-C6DB9CA3017B}" srcOrd="0" destOrd="0" parTransId="{25699D91-0FA7-452F-91D3-02954849E7E1}" sibTransId="{E71CD657-B7CF-44A6-973F-49F15DC2BE24}"/>
+    <dgm:cxn modelId="{076B6656-6420-4727-BD3B-9646E748B2E0}" type="presOf" srcId="{326352C7-E7FD-431F-8DFF-EEE72A36D37E}" destId="{26E2F12D-A4EB-4542-8790-A886C892FF08}" srcOrd="0" destOrd="0" presId="urn:microsoft.com/office/officeart/2005/8/layout/orgChart1"/>
+    <dgm:cxn modelId="{ADEBA918-CA3D-436D-AB3F-187D9A02BE5E}" type="presOf" srcId="{945C1132-7D97-4BD8-88F7-13903564E474}" destId="{A2F973BD-E5D4-4562-AE41-9A2662E20A66}" srcOrd="0" destOrd="0" presId="urn:microsoft.com/office/officeart/2005/8/layout/orgChart1"/>
+    <dgm:cxn modelId="{8DDB0637-0CFD-431B-A638-5702E4A4D09E}" type="presOf" srcId="{4FA66C56-8BF5-4271-94E8-5894A7CFB0DD}" destId="{BDD90FF4-5599-4AB0-807E-7A3A6E8AE7BA}" srcOrd="0" destOrd="0" presId="urn:microsoft.com/office/officeart/2005/8/layout/orgChart1"/>
+    <dgm:cxn modelId="{1047D107-5BD6-4DE7-A0D8-B63BC95FDB8F}" srcId="{71C4292B-DED4-46A5-8A85-FFE464DD7BEB}" destId="{326352C7-E7FD-431F-8DFF-EEE72A36D37E}" srcOrd="0" destOrd="0" parTransId="{E2602E78-02E0-41E4-A2DD-C8FE37C49879}" sibTransId="{5F1F7054-781E-4745-8904-953F26E414F4}"/>
+    <dgm:cxn modelId="{4BD0F14F-58A9-4200-B3D3-6D51B637BE2E}" type="presOf" srcId="{7F8F49D0-FDDA-498F-83B9-EF4D2E07CA2C}" destId="{6B68C190-3281-4247-B685-48A9B6F877C6}" srcOrd="1" destOrd="0" presId="urn:microsoft.com/office/officeart/2005/8/layout/orgChart1"/>
+    <dgm:cxn modelId="{C96FC46F-F913-4BFF-B8C3-BF3288214388}" type="presOf" srcId="{10DFD1AE-B84E-4BC3-AB3C-ED109122078B}" destId="{8E412BDD-BD39-466F-B64B-9D4C39F0DA48}" srcOrd="1" destOrd="0" presId="urn:microsoft.com/office/officeart/2005/8/layout/orgChart1"/>
+    <dgm:cxn modelId="{FBC6D3B2-CCC7-4B5E-991E-67A48DB7401B}" srcId="{F3A70688-F928-4D9D-8394-8134C6AA0C33}" destId="{7F8F49D0-FDDA-498F-83B9-EF4D2E07CA2C}" srcOrd="0" destOrd="0" parTransId="{C0BC0CAA-3853-48F1-90DA-4864E6D1BFA8}" sibTransId="{D5B7ADCF-63DC-45D8-9298-4197DF7BCDB3}"/>
+    <dgm:cxn modelId="{D4272794-CCB8-4226-951D-DF5BADBA2F99}" type="presOf" srcId="{B39615C1-2B88-4466-B377-ADF26F695F87}" destId="{96D70B66-8DB3-48EE-8B2B-A93623A01AB5}" srcOrd="0" destOrd="0" presId="urn:microsoft.com/office/officeart/2005/8/layout/orgChart1"/>
+    <dgm:cxn modelId="{DE5F656F-988A-467E-BEB7-0CECE218E77E}" srcId="{945C1132-7D97-4BD8-88F7-13903564E474}" destId="{2B118BBB-D843-42E0-8A72-800EB8E57854}" srcOrd="2" destOrd="0" parTransId="{4C4458EA-5A97-40D4-B783-52AA55F695DB}" sibTransId="{51B86B28-B815-4EC1-A0E3-42069999FEC7}"/>
+    <dgm:cxn modelId="{B44A9C48-6F3B-4A18-9525-EA3321A2D9F7}" type="presOf" srcId="{2B118BBB-D843-42E0-8A72-800EB8E57854}" destId="{190B4781-F618-40FD-B594-2E70BAB01F6F}" srcOrd="1" destOrd="0" presId="urn:microsoft.com/office/officeart/2005/8/layout/orgChart1"/>
+    <dgm:cxn modelId="{6C3867EB-699D-4C21-B289-3B15AF80FADC}" type="presOf" srcId="{7F54E24C-D986-4CE6-BECA-C6DB9CA3017B}" destId="{FAE2A438-73ED-4663-A56B-9C9D74FFB024}" srcOrd="1" destOrd="0" presId="urn:microsoft.com/office/officeart/2005/8/layout/orgChart1"/>
+    <dgm:cxn modelId="{1815BC2D-4261-424A-A191-3497CC5D0E40}" type="presOf" srcId="{2969E488-A606-4FA6-AF9D-9B06AD30E469}" destId="{EFB10B4D-C2E2-4C12-93E1-11EEC999F6F5}" srcOrd="0" destOrd="0" presId="urn:microsoft.com/office/officeart/2005/8/layout/orgChart1"/>
+    <dgm:cxn modelId="{40392672-91FF-4E98-A4A2-0CD639D1806E}" srcId="{7F54E24C-D986-4CE6-BECA-C6DB9CA3017B}" destId="{10DFD1AE-B84E-4BC3-AB3C-ED109122078B}" srcOrd="0" destOrd="0" parTransId="{B0B0EB76-7820-4F92-A2A1-2892F05528D1}" sibTransId="{D37AC793-BA5A-4332-8A87-D504D6B2301E}"/>
+    <dgm:cxn modelId="{A23780E9-BB93-43F0-ACF4-668B3687559D}" srcId="{71C4292B-DED4-46A5-8A85-FFE464DD7BEB}" destId="{6163160A-E89C-4FD7-A21E-9191A4E74F49}" srcOrd="2" destOrd="0" parTransId="{ED843AF2-6A1E-40CA-BBD7-8F4823E8E2A2}" sibTransId="{E9B4EB7C-88E1-4F76-99D9-F983EE3CA605}"/>
+    <dgm:cxn modelId="{D628E722-9B11-4B71-BCCD-1BBA872B1E9A}" type="presOf" srcId="{B46F2D23-AC8F-4B26-8A0C-3D49C0FE238D}" destId="{FF0D9A6C-3A7B-4A40-87C4-0AB3ACC39E81}" srcOrd="0" destOrd="0" presId="urn:microsoft.com/office/officeart/2005/8/layout/orgChart1"/>
+    <dgm:cxn modelId="{8FB822CD-1B93-4396-809C-0305156F0D79}" type="presOf" srcId="{DBE716D2-725F-4A64-908C-12C4E31747F6}" destId="{3A0459FA-C8BE-407E-A460-CA861E4292F1}" srcOrd="0" destOrd="0" presId="urn:microsoft.com/office/officeart/2005/8/layout/orgChart1"/>
+    <dgm:cxn modelId="{39022474-320D-4532-854E-A801573F3ACC}" srcId="{945C1132-7D97-4BD8-88F7-13903564E474}" destId="{03F87A64-5089-452D-BFC5-09BE3A3CFA03}" srcOrd="1" destOrd="0" parTransId="{B46F2D23-AC8F-4B26-8A0C-3D49C0FE238D}" sibTransId="{317E8F6F-233D-40C9-954A-5C4313CE1283}"/>
+    <dgm:cxn modelId="{C77B18AB-D526-48D9-837F-E2E5402D966D}" type="presOf" srcId="{FDB73E2E-8229-4B81-84F7-4EAEDD7BC039}" destId="{DE1E07C0-54EA-42A0-976C-C21DD28A25F3}" srcOrd="0" destOrd="0" presId="urn:microsoft.com/office/officeart/2005/8/layout/orgChart1"/>
+    <dgm:cxn modelId="{59F97569-AD1A-46C3-A4E5-D9466D866E07}" type="presOf" srcId="{7F54E24C-D986-4CE6-BECA-C6DB9CA3017B}" destId="{36414E22-B18F-42E1-AFCD-BB293E10E0CB}" srcOrd="0" destOrd="0" presId="urn:microsoft.com/office/officeart/2005/8/layout/orgChart1"/>
+    <dgm:cxn modelId="{3FA4BC05-EDF1-429E-8E35-310EF477C081}" type="presOf" srcId="{785EE92E-B107-40A2-98D9-71390D2A33F0}" destId="{B2D38C96-EDAD-486F-A419-DE124EA8DE69}" srcOrd="0" destOrd="0" presId="urn:microsoft.com/office/officeart/2005/8/layout/orgChart1"/>
+    <dgm:cxn modelId="{D664576F-1A30-4C63-94E6-5FC5B7FE6DAF}" type="presOf" srcId="{7E50C87A-0B3E-4760-93B4-8A48B5576445}" destId="{55AE658B-C3AD-4E79-8E64-D07EFD86E966}" srcOrd="1" destOrd="0" presId="urn:microsoft.com/office/officeart/2005/8/layout/orgChart1"/>
+    <dgm:cxn modelId="{21810748-E024-40C9-924F-556D9F15FC57}" srcId="{FDB73E2E-8229-4B81-84F7-4EAEDD7BC039}" destId="{F3A70688-F928-4D9D-8394-8134C6AA0C33}" srcOrd="0" destOrd="0" parTransId="{E4EE1ACF-B6B1-425F-94E6-AE3F79195B67}" sibTransId="{5F4F0652-380D-42C7-86EB-8047526A2149}"/>
+    <dgm:cxn modelId="{21B30B7E-0FBD-4BE5-B6DE-C9C87CBD5011}" srcId="{2B118BBB-D843-42E0-8A72-800EB8E57854}" destId="{2969E488-A606-4FA6-AF9D-9B06AD30E469}" srcOrd="1" destOrd="0" parTransId="{61C2769A-E563-434C-A515-C856BAF14B1D}" sibTransId="{A7C227A8-D6A1-4102-88F5-04302D5932C7}"/>
+    <dgm:cxn modelId="{524FBB5A-C3A7-4F3F-B58E-63097F1AA10E}" srcId="{F3A70688-F928-4D9D-8394-8134C6AA0C33}" destId="{38D44E36-A249-4AE2-8871-0AA28B7DF9BA}" srcOrd="1" destOrd="0" parTransId="{1013B2A1-85F1-4D13-B71F-E935BF8DF3FF}" sibTransId="{96E5258E-A67D-47E8-B1E5-8769CFA1DB55}"/>
+    <dgm:cxn modelId="{15D582AC-A8B8-479C-BF0E-72A0484CECDC}" type="presOf" srcId="{2969E488-A606-4FA6-AF9D-9B06AD30E469}" destId="{4545232F-77AE-4609-A7AB-108A88459780}" srcOrd="1" destOrd="0" presId="urn:microsoft.com/office/officeart/2005/8/layout/orgChart1"/>
+    <dgm:cxn modelId="{0DB9978C-38AA-4742-8CFC-0A9C3D9AC7E8}" type="presOf" srcId="{7E50C87A-0B3E-4760-93B4-8A48B5576445}" destId="{EE2AB050-6235-4992-9EFA-3B2AEC15AC6B}" srcOrd="0" destOrd="0" presId="urn:microsoft.com/office/officeart/2005/8/layout/orgChart1"/>
+    <dgm:cxn modelId="{3096B152-7E47-4938-9D93-EF92C044F9D0}" type="presOf" srcId="{25699D91-0FA7-452F-91D3-02954849E7E1}" destId="{1065FBFF-DDFA-4AF3-91AB-BFDB62A360D9}" srcOrd="0" destOrd="0" presId="urn:microsoft.com/office/officeart/2005/8/layout/orgChart1"/>
+    <dgm:cxn modelId="{C687FE52-A418-4726-AD47-10C95F770FB5}" type="presOf" srcId="{E4EE1ACF-B6B1-425F-94E6-AE3F79195B67}" destId="{4B677F4A-12F5-4B24-AE26-AE34028223AD}" srcOrd="0" destOrd="0" presId="urn:microsoft.com/office/officeart/2005/8/layout/orgChart1"/>
+    <dgm:cxn modelId="{7842A1DE-7689-448A-BA41-CC4928FB5E25}" type="presOf" srcId="{4C4458EA-5A97-40D4-B783-52AA55F695DB}" destId="{61D134F2-F30B-42D4-AA7E-3C8A198CD3AF}" srcOrd="0" destOrd="0" presId="urn:microsoft.com/office/officeart/2005/8/layout/orgChart1"/>
+    <dgm:cxn modelId="{8E90EAD4-7719-4E5F-9297-2CF7F69DF47C}" type="presOf" srcId="{6163160A-E89C-4FD7-A21E-9191A4E74F49}" destId="{FECBF60F-6947-49A2-BBC5-86997D821BB1}" srcOrd="1" destOrd="0" presId="urn:microsoft.com/office/officeart/2005/8/layout/orgChart1"/>
+    <dgm:cxn modelId="{757C8476-9E9B-4B09-AF4D-E09851583752}" srcId="{7F54E24C-D986-4CE6-BECA-C6DB9CA3017B}" destId="{19F8CE35-A75F-4126-91A3-B6BBEE117D20}" srcOrd="1" destOrd="0" parTransId="{785EE92E-B107-40A2-98D9-71390D2A33F0}" sibTransId="{23362244-8668-4DCE-89B0-BB417E237ED2}"/>
+    <dgm:cxn modelId="{C0D97287-8878-4849-9385-4D7CD68EF86A}" type="presOf" srcId="{945C1132-7D97-4BD8-88F7-13903564E474}" destId="{7DA1E3A6-4FE3-434D-BA52-F655E9C04179}" srcOrd="1" destOrd="0" presId="urn:microsoft.com/office/officeart/2005/8/layout/orgChart1"/>
+    <dgm:cxn modelId="{986AA6F3-966C-407C-B64D-2571E4600C8E}" type="presOf" srcId="{E2602E78-02E0-41E4-A2DD-C8FE37C49879}" destId="{88C8B171-F56F-4AA2-BCF0-072AC142BCC0}" srcOrd="0" destOrd="0" presId="urn:microsoft.com/office/officeart/2005/8/layout/orgChart1"/>
+    <dgm:cxn modelId="{E2AEA864-75C9-4304-8DB7-AB294050D379}" type="presOf" srcId="{34F69F19-BDC0-414E-8EA1-5C137762A583}" destId="{461759D0-3931-4088-8AD1-5183E0C0F29B}" srcOrd="0" destOrd="0" presId="urn:microsoft.com/office/officeart/2005/8/layout/orgChart1"/>
+    <dgm:cxn modelId="{0A4E510E-5DA4-48E3-AC56-A4D3771CBEA6}" type="presOf" srcId="{B0B0EB76-7820-4F92-A2A1-2892F05528D1}" destId="{34F62DD5-1052-43B3-8EBB-DAEFA03131F2}" srcOrd="0" destOrd="0" presId="urn:microsoft.com/office/officeart/2005/8/layout/orgChart1"/>
+    <dgm:cxn modelId="{AC6C5FB6-8496-4039-9605-114BA6709916}" type="presOf" srcId="{4FA66C56-8BF5-4271-94E8-5894A7CFB0DD}" destId="{F80319B1-A056-44FE-951E-49FD404E8C7A}" srcOrd="1" destOrd="0" presId="urn:microsoft.com/office/officeart/2005/8/layout/orgChart1"/>
+    <dgm:cxn modelId="{D1C9EB45-2DE2-4C41-BC6E-FFFAF2E21310}" type="presOf" srcId="{F3A70688-F928-4D9D-8394-8134C6AA0C33}" destId="{144CD013-A843-40F6-A872-52E5478EE316}" srcOrd="1" destOrd="0" presId="urn:microsoft.com/office/officeart/2005/8/layout/orgChart1"/>
+    <dgm:cxn modelId="{B3616821-19EB-4742-A503-A49EE94CA5F3}" type="presOf" srcId="{6163160A-E89C-4FD7-A21E-9191A4E74F49}" destId="{007F0051-0440-4814-A02A-7B72D8C688B1}" srcOrd="0" destOrd="0" presId="urn:microsoft.com/office/officeart/2005/8/layout/orgChart1"/>
+    <dgm:cxn modelId="{E015F202-D4A0-4A39-A0CC-7C2DC685BA11}" type="presOf" srcId="{38D44E36-A249-4AE2-8871-0AA28B7DF9BA}" destId="{F8B08D76-6C47-4585-BACC-4A006AA610E1}" srcOrd="0" destOrd="0" presId="urn:microsoft.com/office/officeart/2005/8/layout/orgChart1"/>
+    <dgm:cxn modelId="{8286145D-2E09-40F5-9C1F-72BABFD75B08}" type="presOf" srcId="{5D724A45-8416-403A-846A-67D222F64FEB}" destId="{DAB1A021-F421-4FF9-A748-622F02A8FFD6}" srcOrd="1" destOrd="0" presId="urn:microsoft.com/office/officeart/2005/8/layout/orgChart1"/>
+    <dgm:cxn modelId="{C0FC393A-AD03-470D-8816-1710C1FADD85}" type="presOf" srcId="{26A0E1D5-D193-462B-96B0-D6085BFFB12C}" destId="{A5149936-CACE-49EB-8894-B0148CD291C6}" srcOrd="1" destOrd="0" presId="urn:microsoft.com/office/officeart/2005/8/layout/orgChart1"/>
     <dgm:cxn modelId="{4CF19966-72C6-44E4-9887-9ADCA8E26B75}" srcId="{945C1132-7D97-4BD8-88F7-13903564E474}" destId="{FDB73E2E-8229-4B81-84F7-4EAEDD7BC039}" srcOrd="0" destOrd="0" parTransId="{59D8EB2A-7DEB-41DA-BA04-307C522BC04E}" sibTransId="{C4CBA7FE-C2F3-4DEA-9BFC-FBE871AC7A3D}"/>
-    <dgm:cxn modelId="{1815BC2D-4261-424A-A191-3497CC5D0E40}" type="presOf" srcId="{2969E488-A606-4FA6-AF9D-9B06AD30E469}" destId="{EFB10B4D-C2E2-4C12-93E1-11EEC999F6F5}" srcOrd="0" destOrd="0" presId="urn:microsoft.com/office/officeart/2005/8/layout/orgChart1"/>
-    <dgm:cxn modelId="{21B30B7E-0FBD-4BE5-B6DE-C9C87CBD5011}" srcId="{2B118BBB-D843-42E0-8A72-800EB8E57854}" destId="{2969E488-A606-4FA6-AF9D-9B06AD30E469}" srcOrd="1" destOrd="0" parTransId="{61C2769A-E563-434C-A515-C856BAF14B1D}" sibTransId="{A7C227A8-D6A1-4102-88F5-04302D5932C7}"/>
-    <dgm:cxn modelId="{8286145D-2E09-40F5-9C1F-72BABFD75B08}" type="presOf" srcId="{5D724A45-8416-403A-846A-67D222F64FEB}" destId="{DAB1A021-F421-4FF9-A748-622F02A8FFD6}" srcOrd="1" destOrd="0" presId="urn:microsoft.com/office/officeart/2005/8/layout/orgChart1"/>
+    <dgm:cxn modelId="{021D8420-FE7A-4FED-A916-9DA1CA571BFC}" type="presOf" srcId="{19F8CE35-A75F-4126-91A3-B6BBEE117D20}" destId="{1E186E43-56D7-4F5A-9A17-0F9567F84B52}" srcOrd="0" destOrd="0" presId="urn:microsoft.com/office/officeart/2005/8/layout/orgChart1"/>
     <dgm:cxn modelId="{5DF76388-91B4-48D3-BDDF-8B55CC579F0C}" srcId="{7E50C87A-0B3E-4760-93B4-8A48B5576445}" destId="{945C1132-7D97-4BD8-88F7-13903564E474}" srcOrd="0" destOrd="0" parTransId="{1425B758-DEA2-4F01-AC4D-636715D3C9B5}" sibTransId="{D5D011D7-E58F-462B-B81E-3B7499D9D51A}"/>
-    <dgm:cxn modelId="{8E90EAD4-7719-4E5F-9297-2CF7F69DF47C}" type="presOf" srcId="{6163160A-E89C-4FD7-A21E-9191A4E74F49}" destId="{FECBF60F-6947-49A2-BBC5-86997D821BB1}" srcOrd="1" destOrd="0" presId="urn:microsoft.com/office/officeart/2005/8/layout/orgChart1"/>
-    <dgm:cxn modelId="{15D582AC-A8B8-479C-BF0E-72A0484CECDC}" type="presOf" srcId="{2969E488-A606-4FA6-AF9D-9B06AD30E469}" destId="{4545232F-77AE-4609-A7AB-108A88459780}" srcOrd="1" destOrd="0" presId="urn:microsoft.com/office/officeart/2005/8/layout/orgChart1"/>
-    <dgm:cxn modelId="{DE5F656F-988A-467E-BEB7-0CECE218E77E}" srcId="{945C1132-7D97-4BD8-88F7-13903564E474}" destId="{2B118BBB-D843-42E0-8A72-800EB8E57854}" srcOrd="2" destOrd="0" parTransId="{4C4458EA-5A97-40D4-B783-52AA55F695DB}" sibTransId="{51B86B28-B815-4EC1-A0E3-42069999FEC7}"/>
+    <dgm:cxn modelId="{131F6023-317E-451B-99EC-C34109B484B5}" type="presOf" srcId="{71C4292B-DED4-46A5-8A85-FFE464DD7BEB}" destId="{844F06C3-D1A1-4734-8AB9-C5FC408B45E9}" srcOrd="0" destOrd="0" presId="urn:microsoft.com/office/officeart/2005/8/layout/orgChart1"/>
+    <dgm:cxn modelId="{530BF506-5E16-44B3-9AF5-7AD2389EF91B}" type="presOf" srcId="{26A0E1D5-D193-462B-96B0-D6085BFFB12C}" destId="{FA5460B7-F2C6-4079-843D-CFA6C5982384}" srcOrd="0" destOrd="0" presId="urn:microsoft.com/office/officeart/2005/8/layout/orgChart1"/>
+    <dgm:cxn modelId="{3E77942B-4A7D-4FB0-9833-AFBD03F76B50}" type="presOf" srcId="{59D8EB2A-7DEB-41DA-BA04-307C522BC04E}" destId="{558B13C0-44CE-455C-A7BC-F0C478F2D27C}" srcOrd="0" destOrd="0" presId="urn:microsoft.com/office/officeart/2005/8/layout/orgChart1"/>
+    <dgm:cxn modelId="{582B8AD1-51F7-4444-9E0E-7F8399C314D3}" type="presOf" srcId="{38D44E36-A249-4AE2-8871-0AA28B7DF9BA}" destId="{E5F258B3-2DD6-4C50-A25B-AC85303E5AC9}" srcOrd="1" destOrd="0" presId="urn:microsoft.com/office/officeart/2005/8/layout/orgChart1"/>
+    <dgm:cxn modelId="{5C0C2833-94A4-410E-A27B-C46C07B7FCED}" type="presOf" srcId="{7F8F49D0-FDDA-498F-83B9-EF4D2E07CA2C}" destId="{383BC4FD-39C5-44DA-8365-3D5E0F332FBB}" srcOrd="0" destOrd="0" presId="urn:microsoft.com/office/officeart/2005/8/layout/orgChart1"/>
+    <dgm:cxn modelId="{93B99249-A5C7-41D8-B65A-B44A7261D4C0}" type="presOf" srcId="{1013B2A1-85F1-4D13-B71F-E935BF8DF3FF}" destId="{A2157778-9B6B-4982-8B6E-EDE7217709E6}" srcOrd="0" destOrd="0" presId="urn:microsoft.com/office/officeart/2005/8/layout/orgChart1"/>
+    <dgm:cxn modelId="{5553594E-D169-4A77-B4F6-4C5FAF03E48B}" type="presOf" srcId="{F3A70688-F928-4D9D-8394-8134C6AA0C33}" destId="{93929061-9531-47E5-95F8-8905AFDA3591}" srcOrd="0" destOrd="0" presId="urn:microsoft.com/office/officeart/2005/8/layout/orgChart1"/>
+    <dgm:cxn modelId="{5955E0DF-DAA7-46D1-9E1B-2C61374F1C7D}" type="presOf" srcId="{ED843AF2-6A1E-40CA-BBD7-8F4823E8E2A2}" destId="{5CCC9681-1BFE-47F2-B6FF-103AEC18E6AC}" srcOrd="0" destOrd="0" presId="urn:microsoft.com/office/officeart/2005/8/layout/orgChart1"/>
+    <dgm:cxn modelId="{B88582E4-AA4A-479F-BE61-9725B3138BB5}" type="presOf" srcId="{326352C7-E7FD-431F-8DFF-EEE72A36D37E}" destId="{9A3217EE-ED24-4EA4-8D67-B32DB9390903}" srcOrd="1" destOrd="0" presId="urn:microsoft.com/office/officeart/2005/8/layout/orgChart1"/>
+    <dgm:cxn modelId="{8565EB77-117D-4DB0-9491-1BFA8B676D96}" srcId="{71C4292B-DED4-46A5-8A85-FFE464DD7BEB}" destId="{26A0E1D5-D193-462B-96B0-D6085BFFB12C}" srcOrd="1" destOrd="0" parTransId="{34F69F19-BDC0-414E-8EA1-5C137762A583}" sibTransId="{DB755309-07D9-40CB-AB53-EAE409164477}"/>
+    <dgm:cxn modelId="{0EB9E472-F868-40F4-910D-151C7F202D20}" srcId="{03F87A64-5089-452D-BFC5-09BE3A3CFA03}" destId="{5D724A45-8416-403A-846A-67D222F64FEB}" srcOrd="0" destOrd="0" parTransId="{B39615C1-2B88-4466-B377-ADF26F695F87}" sibTransId="{4F287419-68BB-4951-B09B-0722AE704E8C}"/>
+    <dgm:cxn modelId="{2A0F0106-CD2A-48E6-A064-1F8FC3D8E5EE}" type="presOf" srcId="{71C4292B-DED4-46A5-8A85-FFE464DD7BEB}" destId="{FE5BCD6D-0222-490A-95AD-1A751FABD263}" srcOrd="1" destOrd="0" presId="urn:microsoft.com/office/officeart/2005/8/layout/orgChart1"/>
+    <dgm:cxn modelId="{9577061B-0B76-4D90-812B-5F3D38C3920B}" srcId="{FDB73E2E-8229-4B81-84F7-4EAEDD7BC039}" destId="{71C4292B-DED4-46A5-8A85-FFE464DD7BEB}" srcOrd="1" destOrd="0" parTransId="{BDE7C457-3173-4C27-A90E-D80C63101430}" sibTransId="{FC5609C8-C23A-4EEA-9FD6-5B6A38AFEF2E}"/>
+    <dgm:cxn modelId="{D335E25E-D306-4448-9D0B-45C59CFDC663}" srcId="{97AE52A0-4672-49BD-BBDB-5FB857A273F3}" destId="{7E50C87A-0B3E-4760-93B4-8A48B5576445}" srcOrd="0" destOrd="0" parTransId="{9BA585B9-31F4-4728-88CA-02CAA4B9E515}" sibTransId="{D1A794A6-0A9D-461D-BABF-ECB32696E163}"/>
+    <dgm:cxn modelId="{81C7E3B3-CCA9-4F0E-9F8E-E09C35F3A110}" srcId="{945C1132-7D97-4BD8-88F7-13903564E474}" destId="{4FA66C56-8BF5-4271-94E8-5894A7CFB0DD}" srcOrd="3" destOrd="0" parTransId="{DBE716D2-725F-4A64-908C-12C4E31747F6}" sibTransId="{3F5CADA7-0C81-42C9-8C95-B9E87A86F94C}"/>
+    <dgm:cxn modelId="{7971093B-049F-4B70-B26F-EA92ABBE9932}" type="presOf" srcId="{10DFD1AE-B84E-4BC3-AB3C-ED109122078B}" destId="{B0B0C68B-DA16-4B12-8F97-FE7853EDA1DE}" srcOrd="0" destOrd="0" presId="urn:microsoft.com/office/officeart/2005/8/layout/orgChart1"/>
+    <dgm:cxn modelId="{044655BE-0068-49C1-85B6-344F87F0722A}" type="presOf" srcId="{BDE7C457-3173-4C27-A90E-D80C63101430}" destId="{78B49EE1-A953-4CA9-91A6-0ACF8DC7C457}" srcOrd="0" destOrd="0" presId="urn:microsoft.com/office/officeart/2005/8/layout/orgChart1"/>
+    <dgm:cxn modelId="{67E955AD-9BF2-409D-B5AF-2094A37927C8}" type="presOf" srcId="{19F8CE35-A75F-4126-91A3-B6BBEE117D20}" destId="{B5FFA68C-A420-4E2D-81A6-B3BCF4097854}" srcOrd="1" destOrd="0" presId="urn:microsoft.com/office/officeart/2005/8/layout/orgChart1"/>
+    <dgm:cxn modelId="{EC2C8016-9B60-4664-AB26-C0540BECF9B2}" type="presOf" srcId="{FDB73E2E-8229-4B81-84F7-4EAEDD7BC039}" destId="{346FFFED-8797-4654-89BD-D482C3E3A1E2}" srcOrd="1" destOrd="0" presId="urn:microsoft.com/office/officeart/2005/8/layout/orgChart1"/>
+    <dgm:cxn modelId="{A2AFF393-4BBE-48B7-AD60-0DCBDB4011F4}" type="presOf" srcId="{97AE52A0-4672-49BD-BBDB-5FB857A273F3}" destId="{0FBA4F10-6B3C-4B5C-BB8E-AC2FAD34D08F}" srcOrd="0" destOrd="0" presId="urn:microsoft.com/office/officeart/2005/8/layout/orgChart1"/>
+    <dgm:cxn modelId="{793A7BE9-F598-4E03-8052-C56513D99401}" type="presOf" srcId="{1425B758-DEA2-4F01-AC4D-636715D3C9B5}" destId="{183BE953-B502-4590-B966-D8AD95E3805F}" srcOrd="0" destOrd="0" presId="urn:microsoft.com/office/officeart/2005/8/layout/orgChart1"/>
     <dgm:cxn modelId="{25F36C93-4080-4079-AA34-44E572F05F02}" type="presOf" srcId="{03F87A64-5089-452D-BFC5-09BE3A3CFA03}" destId="{712DE049-E793-480B-AD3F-183528C8DBB0}" srcOrd="0" destOrd="0" presId="urn:microsoft.com/office/officeart/2005/8/layout/orgChart1"/>
-    <dgm:cxn modelId="{757C8476-9E9B-4B09-AF4D-E09851583752}" srcId="{7F54E24C-D986-4CE6-BECA-C6DB9CA3017B}" destId="{19F8CE35-A75F-4126-91A3-B6BBEE117D20}" srcOrd="1" destOrd="0" parTransId="{785EE92E-B107-40A2-98D9-71390D2A33F0}" sibTransId="{23362244-8668-4DCE-89B0-BB417E237ED2}"/>
-    <dgm:cxn modelId="{D4272794-CCB8-4226-951D-DF5BADBA2F99}" type="presOf" srcId="{B39615C1-2B88-4466-B377-ADF26F695F87}" destId="{96D70B66-8DB3-48EE-8B2B-A93623A01AB5}" srcOrd="0" destOrd="0" presId="urn:microsoft.com/office/officeart/2005/8/layout/orgChart1"/>
-    <dgm:cxn modelId="{21810748-E024-40C9-924F-556D9F15FC57}" srcId="{FDB73E2E-8229-4B81-84F7-4EAEDD7BC039}" destId="{F3A70688-F928-4D9D-8394-8134C6AA0C33}" srcOrd="0" destOrd="0" parTransId="{E4EE1ACF-B6B1-425F-94E6-AE3F79195B67}" sibTransId="{5F4F0652-380D-42C7-86EB-8047526A2149}"/>
-    <dgm:cxn modelId="{7971093B-049F-4B70-B26F-EA92ABBE9932}" type="presOf" srcId="{10DFD1AE-B84E-4BC3-AB3C-ED109122078B}" destId="{B0B0C68B-DA16-4B12-8F97-FE7853EDA1DE}" srcOrd="0" destOrd="0" presId="urn:microsoft.com/office/officeart/2005/8/layout/orgChart1"/>
-    <dgm:cxn modelId="{3FA4BC05-EDF1-429E-8E35-310EF477C081}" type="presOf" srcId="{785EE92E-B107-40A2-98D9-71390D2A33F0}" destId="{B2D38C96-EDAD-486F-A419-DE124EA8DE69}" srcOrd="0" destOrd="0" presId="urn:microsoft.com/office/officeart/2005/8/layout/orgChart1"/>
-    <dgm:cxn modelId="{131F6023-317E-451B-99EC-C34109B484B5}" type="presOf" srcId="{71C4292B-DED4-46A5-8A85-FFE464DD7BEB}" destId="{844F06C3-D1A1-4734-8AB9-C5FC408B45E9}" srcOrd="0" destOrd="0" presId="urn:microsoft.com/office/officeart/2005/8/layout/orgChart1"/>
-    <dgm:cxn modelId="{6C3867EB-699D-4C21-B289-3B15AF80FADC}" type="presOf" srcId="{7F54E24C-D986-4CE6-BECA-C6DB9CA3017B}" destId="{FAE2A438-73ED-4663-A56B-9C9D74FFB024}" srcOrd="1" destOrd="0" presId="urn:microsoft.com/office/officeart/2005/8/layout/orgChart1"/>
-    <dgm:cxn modelId="{7842A1DE-7689-448A-BA41-CC4928FB5E25}" type="presOf" srcId="{4C4458EA-5A97-40D4-B783-52AA55F695DB}" destId="{61D134F2-F30B-42D4-AA7E-3C8A198CD3AF}" srcOrd="0" destOrd="0" presId="urn:microsoft.com/office/officeart/2005/8/layout/orgChart1"/>
-    <dgm:cxn modelId="{C96FC46F-F913-4BFF-B8C3-BF3288214388}" type="presOf" srcId="{10DFD1AE-B84E-4BC3-AB3C-ED109122078B}" destId="{8E412BDD-BD39-466F-B64B-9D4C39F0DA48}" srcOrd="1" destOrd="0" presId="urn:microsoft.com/office/officeart/2005/8/layout/orgChart1"/>
-    <dgm:cxn modelId="{E2AEA864-75C9-4304-8DB7-AB294050D379}" type="presOf" srcId="{34F69F19-BDC0-414E-8EA1-5C137762A583}" destId="{461759D0-3931-4088-8AD1-5183E0C0F29B}" srcOrd="0" destOrd="0" presId="urn:microsoft.com/office/officeart/2005/8/layout/orgChart1"/>
-    <dgm:cxn modelId="{4BD0F14F-58A9-4200-B3D3-6D51B637BE2E}" type="presOf" srcId="{7F8F49D0-FDDA-498F-83B9-EF4D2E07CA2C}" destId="{6B68C190-3281-4247-B685-48A9B6F877C6}" srcOrd="1" destOrd="0" presId="urn:microsoft.com/office/officeart/2005/8/layout/orgChart1"/>
-    <dgm:cxn modelId="{8DDB0637-0CFD-431B-A638-5702E4A4D09E}" type="presOf" srcId="{4FA66C56-8BF5-4271-94E8-5894A7CFB0DD}" destId="{BDD90FF4-5599-4AB0-807E-7A3A6E8AE7BA}" srcOrd="0" destOrd="0" presId="urn:microsoft.com/office/officeart/2005/8/layout/orgChart1"/>
-    <dgm:cxn modelId="{793A7BE9-F598-4E03-8052-C56513D99401}" type="presOf" srcId="{1425B758-DEA2-4F01-AC4D-636715D3C9B5}" destId="{183BE953-B502-4590-B966-D8AD95E3805F}" srcOrd="0" destOrd="0" presId="urn:microsoft.com/office/officeart/2005/8/layout/orgChart1"/>
-    <dgm:cxn modelId="{40392672-91FF-4E98-A4A2-0CD639D1806E}" srcId="{7F54E24C-D986-4CE6-BECA-C6DB9CA3017B}" destId="{10DFD1AE-B84E-4BC3-AB3C-ED109122078B}" srcOrd="0" destOrd="0" parTransId="{B0B0EB76-7820-4F92-A2A1-2892F05528D1}" sibTransId="{D37AC793-BA5A-4332-8A87-D504D6B2301E}"/>
-    <dgm:cxn modelId="{8565EB77-117D-4DB0-9491-1BFA8B676D96}" srcId="{71C4292B-DED4-46A5-8A85-FFE464DD7BEB}" destId="{26A0E1D5-D193-462B-96B0-D6085BFFB12C}" srcOrd="1" destOrd="0" parTransId="{34F69F19-BDC0-414E-8EA1-5C137762A583}" sibTransId="{DB755309-07D9-40CB-AB53-EAE409164477}"/>
+    <dgm:cxn modelId="{9B84C661-3AD6-4390-895C-64FD8928B980}" type="presOf" srcId="{2B118BBB-D843-42E0-8A72-800EB8E57854}" destId="{9A1BDE6D-F63E-44A9-B546-F6FB566021D3}" srcOrd="0" destOrd="0" presId="urn:microsoft.com/office/officeart/2005/8/layout/orgChart1"/>
     <dgm:cxn modelId="{A2E3F116-88F1-4206-804F-16F1E90B976D}" type="presOf" srcId="{C0BC0CAA-3853-48F1-90DA-4864E6D1BFA8}" destId="{151CCD83-50F0-4110-9497-26115DDCA3B9}" srcOrd="0" destOrd="0" presId="urn:microsoft.com/office/officeart/2005/8/layout/orgChart1"/>
-    <dgm:cxn modelId="{39022474-320D-4532-854E-A801573F3ACC}" srcId="{945C1132-7D97-4BD8-88F7-13903564E474}" destId="{03F87A64-5089-452D-BFC5-09BE3A3CFA03}" srcOrd="1" destOrd="0" parTransId="{B46F2D23-AC8F-4B26-8A0C-3D49C0FE238D}" sibTransId="{317E8F6F-233D-40C9-954A-5C4313CE1283}"/>
-    <dgm:cxn modelId="{93B99249-A5C7-41D8-B65A-B44A7261D4C0}" type="presOf" srcId="{1013B2A1-85F1-4D13-B71F-E935BF8DF3FF}" destId="{A2157778-9B6B-4982-8B6E-EDE7217709E6}" srcOrd="0" destOrd="0" presId="urn:microsoft.com/office/officeart/2005/8/layout/orgChart1"/>
-    <dgm:cxn modelId="{A23780E9-BB93-43F0-ACF4-668B3687559D}" srcId="{71C4292B-DED4-46A5-8A85-FFE464DD7BEB}" destId="{6163160A-E89C-4FD7-A21E-9191A4E74F49}" srcOrd="2" destOrd="0" parTransId="{ED843AF2-6A1E-40CA-BBD7-8F4823E8E2A2}" sibTransId="{E9B4EB7C-88E1-4F76-99D9-F983EE3CA605}"/>
-    <dgm:cxn modelId="{3096B152-7E47-4938-9D93-EF92C044F9D0}" type="presOf" srcId="{25699D91-0FA7-452F-91D3-02954849E7E1}" destId="{1065FBFF-DDFA-4AF3-91AB-BFDB62A360D9}" srcOrd="0" destOrd="0" presId="urn:microsoft.com/office/officeart/2005/8/layout/orgChart1"/>
-    <dgm:cxn modelId="{0A4E510E-5DA4-48E3-AC56-A4D3771CBEA6}" type="presOf" srcId="{B0B0EB76-7820-4F92-A2A1-2892F05528D1}" destId="{34F62DD5-1052-43B3-8EBB-DAEFA03131F2}" srcOrd="0" destOrd="0" presId="urn:microsoft.com/office/officeart/2005/8/layout/orgChart1"/>
-    <dgm:cxn modelId="{D628E722-9B11-4B71-BCCD-1BBA872B1E9A}" type="presOf" srcId="{B46F2D23-AC8F-4B26-8A0C-3D49C0FE238D}" destId="{FF0D9A6C-3A7B-4A40-87C4-0AB3ACC39E81}" srcOrd="0" destOrd="0" presId="urn:microsoft.com/office/officeart/2005/8/layout/orgChart1"/>
-    <dgm:cxn modelId="{17CADABC-E7F8-407C-81D0-873A18A7A0C3}" type="presOf" srcId="{61C2769A-E563-434C-A515-C856BAF14B1D}" destId="{932D3C89-6B17-4A87-AEDB-DCE76B9D6F36}" srcOrd="0" destOrd="0" presId="urn:microsoft.com/office/officeart/2005/8/layout/orgChart1"/>
-    <dgm:cxn modelId="{3E77942B-4A7D-4FB0-9833-AFBD03F76B50}" type="presOf" srcId="{59D8EB2A-7DEB-41DA-BA04-307C522BC04E}" destId="{558B13C0-44CE-455C-A7BC-F0C478F2D27C}" srcOrd="0" destOrd="0" presId="urn:microsoft.com/office/officeart/2005/8/layout/orgChart1"/>
-    <dgm:cxn modelId="{9577061B-0B76-4D90-812B-5F3D38C3920B}" srcId="{FDB73E2E-8229-4B81-84F7-4EAEDD7BC039}" destId="{71C4292B-DED4-46A5-8A85-FFE464DD7BEB}" srcOrd="1" destOrd="0" parTransId="{BDE7C457-3173-4C27-A90E-D80C63101430}" sibTransId="{FC5609C8-C23A-4EEA-9FD6-5B6A38AFEF2E}"/>
-    <dgm:cxn modelId="{044655BE-0068-49C1-85B6-344F87F0722A}" type="presOf" srcId="{BDE7C457-3173-4C27-A90E-D80C63101430}" destId="{78B49EE1-A953-4CA9-91A6-0ACF8DC7C457}" srcOrd="0" destOrd="0" presId="urn:microsoft.com/office/officeart/2005/8/layout/orgChart1"/>
-    <dgm:cxn modelId="{9B84C661-3AD6-4390-895C-64FD8928B980}" type="presOf" srcId="{2B118BBB-D843-42E0-8A72-800EB8E57854}" destId="{9A1BDE6D-F63E-44A9-B546-F6FB566021D3}" srcOrd="0" destOrd="0" presId="urn:microsoft.com/office/officeart/2005/8/layout/orgChart1"/>
-    <dgm:cxn modelId="{AC6C5FB6-8496-4039-9605-114BA6709916}" type="presOf" srcId="{4FA66C56-8BF5-4271-94E8-5894A7CFB0DD}" destId="{F80319B1-A056-44FE-951E-49FD404E8C7A}" srcOrd="1" destOrd="0" presId="urn:microsoft.com/office/officeart/2005/8/layout/orgChart1"/>
-    <dgm:cxn modelId="{C687FE52-A418-4726-AD47-10C95F770FB5}" type="presOf" srcId="{E4EE1ACF-B6B1-425F-94E6-AE3F79195B67}" destId="{4B677F4A-12F5-4B24-AE26-AE34028223AD}" srcOrd="0" destOrd="0" presId="urn:microsoft.com/office/officeart/2005/8/layout/orgChart1"/>
-    <dgm:cxn modelId="{67E955AD-9BF2-409D-B5AF-2094A37927C8}" type="presOf" srcId="{19F8CE35-A75F-4126-91A3-B6BBEE117D20}" destId="{B5FFA68C-A420-4E2D-81A6-B3BCF4097854}" srcOrd="1" destOrd="0" presId="urn:microsoft.com/office/officeart/2005/8/layout/orgChart1"/>
-    <dgm:cxn modelId="{C77B18AB-D526-48D9-837F-E2E5402D966D}" type="presOf" srcId="{FDB73E2E-8229-4B81-84F7-4EAEDD7BC039}" destId="{DE1E07C0-54EA-42A0-976C-C21DD28A25F3}" srcOrd="0" destOrd="0" presId="urn:microsoft.com/office/officeart/2005/8/layout/orgChart1"/>
-    <dgm:cxn modelId="{B3616821-19EB-4742-A503-A49EE94CA5F3}" type="presOf" srcId="{6163160A-E89C-4FD7-A21E-9191A4E74F49}" destId="{007F0051-0440-4814-A02A-7B72D8C688B1}" srcOrd="0" destOrd="0" presId="urn:microsoft.com/office/officeart/2005/8/layout/orgChart1"/>
-    <dgm:cxn modelId="{A2AFF393-4BBE-48B7-AD60-0DCBDB4011F4}" type="presOf" srcId="{97AE52A0-4672-49BD-BBDB-5FB857A273F3}" destId="{0FBA4F10-6B3C-4B5C-BB8E-AC2FAD34D08F}" srcOrd="0" destOrd="0" presId="urn:microsoft.com/office/officeart/2005/8/layout/orgChart1"/>
-    <dgm:cxn modelId="{C0D97287-8878-4849-9385-4D7CD68EF86A}" type="presOf" srcId="{945C1132-7D97-4BD8-88F7-13903564E474}" destId="{7DA1E3A6-4FE3-434D-BA52-F655E9C04179}" srcOrd="1" destOrd="0" presId="urn:microsoft.com/office/officeart/2005/8/layout/orgChart1"/>
-    <dgm:cxn modelId="{E015F202-D4A0-4A39-A0CC-7C2DC685BA11}" type="presOf" srcId="{38D44E36-A249-4AE2-8871-0AA28B7DF9BA}" destId="{F8B08D76-6C47-4585-BACC-4A006AA610E1}" srcOrd="0" destOrd="0" presId="urn:microsoft.com/office/officeart/2005/8/layout/orgChart1"/>
-    <dgm:cxn modelId="{B44A9C48-6F3B-4A18-9525-EA3321A2D9F7}" type="presOf" srcId="{2B118BBB-D843-42E0-8A72-800EB8E57854}" destId="{190B4781-F618-40FD-B594-2E70BAB01F6F}" srcOrd="1" destOrd="0" presId="urn:microsoft.com/office/officeart/2005/8/layout/orgChart1"/>
-    <dgm:cxn modelId="{0EB9E472-F868-40F4-910D-151C7F202D20}" srcId="{03F87A64-5089-452D-BFC5-09BE3A3CFA03}" destId="{5D724A45-8416-403A-846A-67D222F64FEB}" srcOrd="0" destOrd="0" parTransId="{B39615C1-2B88-4466-B377-ADF26F695F87}" sibTransId="{4F287419-68BB-4951-B09B-0722AE704E8C}"/>
-    <dgm:cxn modelId="{D335E25E-D306-4448-9D0B-45C59CFDC663}" srcId="{97AE52A0-4672-49BD-BBDB-5FB857A273F3}" destId="{7E50C87A-0B3E-4760-93B4-8A48B5576445}" srcOrd="0" destOrd="0" parTransId="{9BA585B9-31F4-4728-88CA-02CAA4B9E515}" sibTransId="{D1A794A6-0A9D-461D-BABF-ECB32696E163}"/>
-    <dgm:cxn modelId="{59F97569-AD1A-46C3-A4E5-D9466D866E07}" type="presOf" srcId="{7F54E24C-D986-4CE6-BECA-C6DB9CA3017B}" destId="{36414E22-B18F-42E1-AFCD-BB293E10E0CB}" srcOrd="0" destOrd="0" presId="urn:microsoft.com/office/officeart/2005/8/layout/orgChart1"/>
-    <dgm:cxn modelId="{076B6656-6420-4727-BD3B-9646E748B2E0}" type="presOf" srcId="{326352C7-E7FD-431F-8DFF-EEE72A36D37E}" destId="{26E2F12D-A4EB-4542-8790-A886C892FF08}" srcOrd="0" destOrd="0" presId="urn:microsoft.com/office/officeart/2005/8/layout/orgChart1"/>
-    <dgm:cxn modelId="{5955E0DF-DAA7-46D1-9E1B-2C61374F1C7D}" type="presOf" srcId="{ED843AF2-6A1E-40CA-BBD7-8F4823E8E2A2}" destId="{5CCC9681-1BFE-47F2-B6FF-103AEC18E6AC}" srcOrd="0" destOrd="0" presId="urn:microsoft.com/office/officeart/2005/8/layout/orgChart1"/>
-    <dgm:cxn modelId="{0DB9978C-38AA-4742-8CFC-0A9C3D9AC7E8}" type="presOf" srcId="{7E50C87A-0B3E-4760-93B4-8A48B5576445}" destId="{EE2AB050-6235-4992-9EFA-3B2AEC15AC6B}" srcOrd="0" destOrd="0" presId="urn:microsoft.com/office/officeart/2005/8/layout/orgChart1"/>
-    <dgm:cxn modelId="{5C0C2833-94A4-410E-A27B-C46C07B7FCED}" type="presOf" srcId="{7F8F49D0-FDDA-498F-83B9-EF4D2E07CA2C}" destId="{383BC4FD-39C5-44DA-8365-3D5E0F332FBB}" srcOrd="0" destOrd="0" presId="urn:microsoft.com/office/officeart/2005/8/layout/orgChart1"/>
-    <dgm:cxn modelId="{EB008B96-8B78-4536-8DFF-F330B763BBE6}" srcId="{2B118BBB-D843-42E0-8A72-800EB8E57854}" destId="{7F54E24C-D986-4CE6-BECA-C6DB9CA3017B}" srcOrd="0" destOrd="0" parTransId="{25699D91-0FA7-452F-91D3-02954849E7E1}" sibTransId="{E71CD657-B7CF-44A6-973F-49F15DC2BE24}"/>
     <dgm:cxn modelId="{00216865-4A71-46E7-A473-9E310D3AE8CF}" type="presOf" srcId="{5D724A45-8416-403A-846A-67D222F64FEB}" destId="{79A27C9B-0766-48A2-B767-FFCFA6355F3D}" srcOrd="0" destOrd="0" presId="urn:microsoft.com/office/officeart/2005/8/layout/orgChart1"/>
-    <dgm:cxn modelId="{986AA6F3-966C-407C-B64D-2571E4600C8E}" type="presOf" srcId="{E2602E78-02E0-41E4-A2DD-C8FE37C49879}" destId="{88C8B171-F56F-4AA2-BCF0-072AC142BCC0}" srcOrd="0" destOrd="0" presId="urn:microsoft.com/office/officeart/2005/8/layout/orgChart1"/>
-    <dgm:cxn modelId="{8FB822CD-1B93-4396-809C-0305156F0D79}" type="presOf" srcId="{DBE716D2-725F-4A64-908C-12C4E31747F6}" destId="{3A0459FA-C8BE-407E-A460-CA861E4292F1}" srcOrd="0" destOrd="0" presId="urn:microsoft.com/office/officeart/2005/8/layout/orgChart1"/>
-    <dgm:cxn modelId="{D664576F-1A30-4C63-94E6-5FC5B7FE6DAF}" type="presOf" srcId="{7E50C87A-0B3E-4760-93B4-8A48B5576445}" destId="{55AE658B-C3AD-4E79-8E64-D07EFD86E966}" srcOrd="1" destOrd="0" presId="urn:microsoft.com/office/officeart/2005/8/layout/orgChart1"/>
-    <dgm:cxn modelId="{ADEBA918-CA3D-436D-AB3F-187D9A02BE5E}" type="presOf" srcId="{945C1132-7D97-4BD8-88F7-13903564E474}" destId="{A2F973BD-E5D4-4562-AE41-9A2662E20A66}" srcOrd="0" destOrd="0" presId="urn:microsoft.com/office/officeart/2005/8/layout/orgChart1"/>
-    <dgm:cxn modelId="{D1C9EB45-2DE2-4C41-BC6E-FFFAF2E21310}" type="presOf" srcId="{F3A70688-F928-4D9D-8394-8134C6AA0C33}" destId="{144CD013-A843-40F6-A872-52E5478EE316}" srcOrd="1" destOrd="0" presId="urn:microsoft.com/office/officeart/2005/8/layout/orgChart1"/>
-    <dgm:cxn modelId="{582B8AD1-51F7-4444-9E0E-7F8399C314D3}" type="presOf" srcId="{38D44E36-A249-4AE2-8871-0AA28B7DF9BA}" destId="{E5F258B3-2DD6-4C50-A25B-AC85303E5AC9}" srcOrd="1" destOrd="0" presId="urn:microsoft.com/office/officeart/2005/8/layout/orgChart1"/>
-    <dgm:cxn modelId="{81C7E3B3-CCA9-4F0E-9F8E-E09C35F3A110}" srcId="{945C1132-7D97-4BD8-88F7-13903564E474}" destId="{4FA66C56-8BF5-4271-94E8-5894A7CFB0DD}" srcOrd="3" destOrd="0" parTransId="{DBE716D2-725F-4A64-908C-12C4E31747F6}" sibTransId="{3F5CADA7-0C81-42C9-8C95-B9E87A86F94C}"/>
-    <dgm:cxn modelId="{2A0F0106-CD2A-48E6-A064-1F8FC3D8E5EE}" type="presOf" srcId="{71C4292B-DED4-46A5-8A85-FFE464DD7BEB}" destId="{FE5BCD6D-0222-490A-95AD-1A751FABD263}" srcOrd="1" destOrd="0" presId="urn:microsoft.com/office/officeart/2005/8/layout/orgChart1"/>
-    <dgm:cxn modelId="{B88582E4-AA4A-479F-BE61-9725B3138BB5}" type="presOf" srcId="{326352C7-E7FD-431F-8DFF-EEE72A36D37E}" destId="{9A3217EE-ED24-4EA4-8D67-B32DB9390903}" srcOrd="1" destOrd="0" presId="urn:microsoft.com/office/officeart/2005/8/layout/orgChart1"/>
-    <dgm:cxn modelId="{FBC6D3B2-CCC7-4B5E-991E-67A48DB7401B}" srcId="{F3A70688-F928-4D9D-8394-8134C6AA0C33}" destId="{7F8F49D0-FDDA-498F-83B9-EF4D2E07CA2C}" srcOrd="0" destOrd="0" parTransId="{C0BC0CAA-3853-48F1-90DA-4864E6D1BFA8}" sibTransId="{D5B7ADCF-63DC-45D8-9298-4197DF7BCDB3}"/>
-    <dgm:cxn modelId="{F4722E47-F60E-47C6-924B-D65D115ACEFE}" type="presOf" srcId="{03F87A64-5089-452D-BFC5-09BE3A3CFA03}" destId="{2DD22A6F-D4A7-4F29-9DF7-9297BFC5C2AF}" srcOrd="1" destOrd="0" presId="urn:microsoft.com/office/officeart/2005/8/layout/orgChart1"/>
-    <dgm:cxn modelId="{EC2C8016-9B60-4664-AB26-C0540BECF9B2}" type="presOf" srcId="{FDB73E2E-8229-4B81-84F7-4EAEDD7BC039}" destId="{346FFFED-8797-4654-89BD-D482C3E3A1E2}" srcOrd="1" destOrd="0" presId="urn:microsoft.com/office/officeart/2005/8/layout/orgChart1"/>
-    <dgm:cxn modelId="{021D8420-FE7A-4FED-A916-9DA1CA571BFC}" type="presOf" srcId="{19F8CE35-A75F-4126-91A3-B6BBEE117D20}" destId="{1E186E43-56D7-4F5A-9A17-0F9567F84B52}" srcOrd="0" destOrd="0" presId="urn:microsoft.com/office/officeart/2005/8/layout/orgChart1"/>
-    <dgm:cxn modelId="{1047D107-5BD6-4DE7-A0D8-B63BC95FDB8F}" srcId="{71C4292B-DED4-46A5-8A85-FFE464DD7BEB}" destId="{326352C7-E7FD-431F-8DFF-EEE72A36D37E}" srcOrd="0" destOrd="0" parTransId="{E2602E78-02E0-41E4-A2DD-C8FE37C49879}" sibTransId="{5F1F7054-781E-4745-8904-953F26E414F4}"/>
-    <dgm:cxn modelId="{530BF506-5E16-44B3-9AF5-7AD2389EF91B}" type="presOf" srcId="{26A0E1D5-D193-462B-96B0-D6085BFFB12C}" destId="{FA5460B7-F2C6-4079-843D-CFA6C5982384}" srcOrd="0" destOrd="0" presId="urn:microsoft.com/office/officeart/2005/8/layout/orgChart1"/>
-    <dgm:cxn modelId="{C0FC393A-AD03-470D-8816-1710C1FADD85}" type="presOf" srcId="{26A0E1D5-D193-462B-96B0-D6085BFFB12C}" destId="{A5149936-CACE-49EB-8894-B0148CD291C6}" srcOrd="1" destOrd="0" presId="urn:microsoft.com/office/officeart/2005/8/layout/orgChart1"/>
-    <dgm:cxn modelId="{5553594E-D169-4A77-B4F6-4C5FAF03E48B}" type="presOf" srcId="{F3A70688-F928-4D9D-8394-8134C6AA0C33}" destId="{93929061-9531-47E5-95F8-8905AFDA3591}" srcOrd="0" destOrd="0" presId="urn:microsoft.com/office/officeart/2005/8/layout/orgChart1"/>
-    <dgm:cxn modelId="{524FBB5A-C3A7-4F3F-B58E-63097F1AA10E}" srcId="{F3A70688-F928-4D9D-8394-8134C6AA0C33}" destId="{38D44E36-A249-4AE2-8871-0AA28B7DF9BA}" srcOrd="1" destOrd="0" parTransId="{1013B2A1-85F1-4D13-B71F-E935BF8DF3FF}" sibTransId="{96E5258E-A67D-47E8-B1E5-8769CFA1DB55}"/>
     <dgm:cxn modelId="{920D16B8-1525-4E82-87DB-3252B95F65AC}" type="presParOf" srcId="{0FBA4F10-6B3C-4B5C-BB8E-AC2FAD34D08F}" destId="{F2FD308B-F5DA-46E0-9474-B4E03BAB118E}" srcOrd="0" destOrd="0" presId="urn:microsoft.com/office/officeart/2005/8/layout/orgChart1"/>
     <dgm:cxn modelId="{527FE367-6FFB-4021-A22D-D65950625C6C}" type="presParOf" srcId="{F2FD308B-F5DA-46E0-9474-B4E03BAB118E}" destId="{D606C1EB-6241-493D-9C93-C21BB8DD298E}" srcOrd="0" destOrd="0" presId="urn:microsoft.com/office/officeart/2005/8/layout/orgChart1"/>
     <dgm:cxn modelId="{1C6AB64C-7074-45C3-BCAB-11A9E59949A3}" type="presParOf" srcId="{D606C1EB-6241-493D-9C93-C21BB8DD298E}" destId="{EE2AB050-6235-4992-9EFA-3B2AEC15AC6B}" srcOrd="0" destOrd="0" presId="urn:microsoft.com/office/officeart/2005/8/layout/orgChart1"/>
@@ -3598,12 +3892,12 @@
             </a:spcAft>
           </a:pPr>
           <a:r>
-            <a:rPr lang="es-CL" sz="1000" kern="1200" dirty="0" smtClean="0"/>
+            <a:rPr lang="es-CL" sz="1000" kern="1200" smtClean="0"/>
             <a:t>Proyecto </a:t>
           </a:r>
           <a:r>
-            <a:rPr lang="es-CL" sz="1000" kern="1200" dirty="0" err="1" smtClean="0"/>
-            <a:t>BlindSteps</a:t>
+            <a:rPr lang="es-CL" sz="1000" kern="1200" smtClean="0"/>
+            <a:t>BlindSteep</a:t>
           </a:r>
           <a:endParaRPr lang="es-CL" sz="1000" kern="1200" dirty="0"/>
         </a:p>
@@ -7264,7 +7558,7 @@
           <a:p>
             <a:fld id="{465272A0-D44B-4EFF-9000-FBC503384E79}" type="datetimeFigureOut">
               <a:rPr lang="es-CL" smtClean="0"/>
-              <a:t>23-05-2014</a:t>
+              <a:t>28-05-14</a:t>
             </a:fld>
             <a:endParaRPr lang="es-CL"/>
           </a:p>
@@ -7306,7 +7600,7 @@
           <a:p>
             <a:fld id="{28A6E7A3-04B6-40E8-93B1-AD544A819E12}" type="slidenum">
               <a:rPr lang="es-CL" smtClean="0"/>
-              <a:t>‹Nº›</a:t>
+              <a:t>‹Nr.›</a:t>
             </a:fld>
             <a:endParaRPr lang="es-CL"/>
           </a:p>
@@ -7434,7 +7728,7 @@
           <a:p>
             <a:fld id="{465272A0-D44B-4EFF-9000-FBC503384E79}" type="datetimeFigureOut">
               <a:rPr lang="es-CL" smtClean="0"/>
-              <a:t>23-05-2014</a:t>
+              <a:t>28-05-14</a:t>
             </a:fld>
             <a:endParaRPr lang="es-CL"/>
           </a:p>
@@ -7476,7 +7770,7 @@
           <a:p>
             <a:fld id="{28A6E7A3-04B6-40E8-93B1-AD544A819E12}" type="slidenum">
               <a:rPr lang="es-CL" smtClean="0"/>
-              <a:t>‹Nº›</a:t>
+              <a:t>‹Nr.›</a:t>
             </a:fld>
             <a:endParaRPr lang="es-CL"/>
           </a:p>
@@ -7614,7 +7908,7 @@
           <a:p>
             <a:fld id="{465272A0-D44B-4EFF-9000-FBC503384E79}" type="datetimeFigureOut">
               <a:rPr lang="es-CL" smtClean="0"/>
-              <a:t>23-05-2014</a:t>
+              <a:t>28-05-14</a:t>
             </a:fld>
             <a:endParaRPr lang="es-CL"/>
           </a:p>
@@ -7656,7 +7950,7 @@
           <a:p>
             <a:fld id="{28A6E7A3-04B6-40E8-93B1-AD544A819E12}" type="slidenum">
               <a:rPr lang="es-CL" smtClean="0"/>
-              <a:t>‹Nº›</a:t>
+              <a:t>‹Nr.›</a:t>
             </a:fld>
             <a:endParaRPr lang="es-CL"/>
           </a:p>
@@ -7784,7 +8078,7 @@
           <a:p>
             <a:fld id="{465272A0-D44B-4EFF-9000-FBC503384E79}" type="datetimeFigureOut">
               <a:rPr lang="es-CL" smtClean="0"/>
-              <a:t>23-05-2014</a:t>
+              <a:t>28-05-14</a:t>
             </a:fld>
             <a:endParaRPr lang="es-CL"/>
           </a:p>
@@ -7826,7 +8120,7 @@
           <a:p>
             <a:fld id="{28A6E7A3-04B6-40E8-93B1-AD544A819E12}" type="slidenum">
               <a:rPr lang="es-CL" smtClean="0"/>
-              <a:t>‹Nº›</a:t>
+              <a:t>‹Nr.›</a:t>
             </a:fld>
             <a:endParaRPr lang="es-CL"/>
           </a:p>
@@ -8030,7 +8324,7 @@
           <a:p>
             <a:fld id="{465272A0-D44B-4EFF-9000-FBC503384E79}" type="datetimeFigureOut">
               <a:rPr lang="es-CL" smtClean="0"/>
-              <a:t>23-05-2014</a:t>
+              <a:t>28-05-14</a:t>
             </a:fld>
             <a:endParaRPr lang="es-CL"/>
           </a:p>
@@ -8072,7 +8366,7 @@
           <a:p>
             <a:fld id="{28A6E7A3-04B6-40E8-93B1-AD544A819E12}" type="slidenum">
               <a:rPr lang="es-CL" smtClean="0"/>
-              <a:t>‹Nº›</a:t>
+              <a:t>‹Nr.›</a:t>
             </a:fld>
             <a:endParaRPr lang="es-CL"/>
           </a:p>
@@ -8262,7 +8556,7 @@
           <a:p>
             <a:fld id="{465272A0-D44B-4EFF-9000-FBC503384E79}" type="datetimeFigureOut">
               <a:rPr lang="es-CL" smtClean="0"/>
-              <a:t>23-05-2014</a:t>
+              <a:t>28-05-14</a:t>
             </a:fld>
             <a:endParaRPr lang="es-CL"/>
           </a:p>
@@ -8304,7 +8598,7 @@
           <a:p>
             <a:fld id="{28A6E7A3-04B6-40E8-93B1-AD544A819E12}" type="slidenum">
               <a:rPr lang="es-CL" smtClean="0"/>
-              <a:t>‹Nº›</a:t>
+              <a:t>‹Nr.›</a:t>
             </a:fld>
             <a:endParaRPr lang="es-CL"/>
           </a:p>
@@ -8629,7 +8923,7 @@
           <a:p>
             <a:fld id="{465272A0-D44B-4EFF-9000-FBC503384E79}" type="datetimeFigureOut">
               <a:rPr lang="es-CL" smtClean="0"/>
-              <a:t>23-05-2014</a:t>
+              <a:t>28-05-14</a:t>
             </a:fld>
             <a:endParaRPr lang="es-CL"/>
           </a:p>
@@ -8671,7 +8965,7 @@
           <a:p>
             <a:fld id="{28A6E7A3-04B6-40E8-93B1-AD544A819E12}" type="slidenum">
               <a:rPr lang="es-CL" smtClean="0"/>
-              <a:t>‹Nº›</a:t>
+              <a:t>‹Nr.›</a:t>
             </a:fld>
             <a:endParaRPr lang="es-CL"/>
           </a:p>
@@ -8747,7 +9041,7 @@
           <a:p>
             <a:fld id="{465272A0-D44B-4EFF-9000-FBC503384E79}" type="datetimeFigureOut">
               <a:rPr lang="es-CL" smtClean="0"/>
-              <a:t>23-05-2014</a:t>
+              <a:t>28-05-14</a:t>
             </a:fld>
             <a:endParaRPr lang="es-CL"/>
           </a:p>
@@ -8789,7 +9083,7 @@
           <a:p>
             <a:fld id="{28A6E7A3-04B6-40E8-93B1-AD544A819E12}" type="slidenum">
               <a:rPr lang="es-CL" smtClean="0"/>
-              <a:t>‹Nº›</a:t>
+              <a:t>‹Nr.›</a:t>
             </a:fld>
             <a:endParaRPr lang="es-CL"/>
           </a:p>
@@ -8842,7 +9136,7 @@
           <a:p>
             <a:fld id="{465272A0-D44B-4EFF-9000-FBC503384E79}" type="datetimeFigureOut">
               <a:rPr lang="es-CL" smtClean="0"/>
-              <a:t>23-05-2014</a:t>
+              <a:t>28-05-14</a:t>
             </a:fld>
             <a:endParaRPr lang="es-CL"/>
           </a:p>
@@ -8884,7 +9178,7 @@
           <a:p>
             <a:fld id="{28A6E7A3-04B6-40E8-93B1-AD544A819E12}" type="slidenum">
               <a:rPr lang="es-CL" smtClean="0"/>
-              <a:t>‹Nº›</a:t>
+              <a:t>‹Nr.›</a:t>
             </a:fld>
             <a:endParaRPr lang="es-CL"/>
           </a:p>
@@ -9119,7 +9413,7 @@
           <a:p>
             <a:fld id="{465272A0-D44B-4EFF-9000-FBC503384E79}" type="datetimeFigureOut">
               <a:rPr lang="es-CL" smtClean="0"/>
-              <a:t>23-05-2014</a:t>
+              <a:t>28-05-14</a:t>
             </a:fld>
             <a:endParaRPr lang="es-CL"/>
           </a:p>
@@ -9161,7 +9455,7 @@
           <a:p>
             <a:fld id="{28A6E7A3-04B6-40E8-93B1-AD544A819E12}" type="slidenum">
               <a:rPr lang="es-CL" smtClean="0"/>
-              <a:t>‹Nº›</a:t>
+              <a:t>‹Nr.›</a:t>
             </a:fld>
             <a:endParaRPr lang="es-CL"/>
           </a:p>
@@ -9372,7 +9666,7 @@
           <a:p>
             <a:fld id="{465272A0-D44B-4EFF-9000-FBC503384E79}" type="datetimeFigureOut">
               <a:rPr lang="es-CL" smtClean="0"/>
-              <a:t>23-05-2014</a:t>
+              <a:t>28-05-14</a:t>
             </a:fld>
             <a:endParaRPr lang="es-CL"/>
           </a:p>
@@ -9414,7 +9708,7 @@
           <a:p>
             <a:fld id="{28A6E7A3-04B6-40E8-93B1-AD544A819E12}" type="slidenum">
               <a:rPr lang="es-CL" smtClean="0"/>
-              <a:t>‹Nº›</a:t>
+              <a:t>‹Nr.›</a:t>
             </a:fld>
             <a:endParaRPr lang="es-CL"/>
           </a:p>
@@ -9585,7 +9879,7 @@
           <a:p>
             <a:fld id="{465272A0-D44B-4EFF-9000-FBC503384E79}" type="datetimeFigureOut">
               <a:rPr lang="es-CL" smtClean="0"/>
-              <a:t>23-05-2014</a:t>
+              <a:t>28-05-14</a:t>
             </a:fld>
             <a:endParaRPr lang="es-CL"/>
           </a:p>
@@ -9663,7 +9957,7 @@
           <a:p>
             <a:fld id="{28A6E7A3-04B6-40E8-93B1-AD544A819E12}" type="slidenum">
               <a:rPr lang="es-CL" smtClean="0"/>
-              <a:t>‹Nº›</a:t>
+              <a:t>‹Nr.›</a:t>
             </a:fld>
             <a:endParaRPr lang="es-CL"/>
           </a:p>
@@ -9997,7 +10291,7 @@
           <p:nvPr>
             <p:extLst>
               <p:ext uri="{D42A27DB-BD31-4B8C-83A1-F6EECF244321}">
-                <p14:modId xmlns:p14="http://schemas.microsoft.com/office/powerpoint/2010/main" val="1845738543"/>
+                <p14:modId xmlns:p14="http://schemas.microsoft.com/office/powerpoint/2010/main" val="2730163247"/>
               </p:ext>
             </p:extLst>
           </p:nvPr>
@@ -10068,7 +10362,7 @@
     </a:clrScheme>
     <a:fontScheme name="Office">
       <a:majorFont>
-        <a:latin typeface="Calibri Light" panose="020F0302020204030204"/>
+        <a:latin typeface="Calibri Light"/>
         <a:ea typeface=""/>
         <a:cs typeface=""/>
         <a:font script="Jpan" typeface="ＭＳ Ｐゴシック"/>
@@ -10103,7 +10397,7 @@
         <a:font script="Geor" typeface="Sylfaen"/>
       </a:majorFont>
       <a:minorFont>
-        <a:latin typeface="Calibri" panose="020F0502020204030204"/>
+        <a:latin typeface="Calibri"/>
         <a:ea typeface=""/>
         <a:cs typeface=""/>
         <a:font script="Jpan" typeface="ＭＳ Ｐゴシック"/>
@@ -10280,7 +10574,7 @@
   <a:extraClrSchemeLst/>
   <a:extLst>
     <a:ext uri="{05A4C25C-085E-4340-85A3-A5531E510DB2}">
-      <thm15:themeFamily xmlns:thm15="http://schemas.microsoft.com/office/thememl/2012/main" name="Office Theme" id="{62F939B6-93AF-4DB8-9C6B-D6C7DFDC589F}" vid="{4A3C46E8-61CC-4603-A589-7422A47A8E4A}"/>
+      <thm15:themeFamily xmlns:thm15="http://schemas.microsoft.com/office/thememl/2012/main" xmlns="" name="Office Theme" id="{62F939B6-93AF-4DB8-9C6B-D6C7DFDC589F}" vid="{4A3C46E8-61CC-4603-A589-7422A47A8E4A}"/>
     </a:ext>
   </a:extLst>
 </a:theme>

--- a/documentacion/Presentaciones PT1/EDTvarion1.pptx
+++ b/documentacion/Presentaciones PT1/EDTvarion1.pptx
@@ -1174,12 +1174,12 @@
         <a:lstStyle/>
         <a:p>
           <a:r>
-            <a:rPr lang="es-CL" smtClean="0"/>
+            <a:rPr lang="es-CL" dirty="0" smtClean="0"/>
             <a:t>Proyecto </a:t>
           </a:r>
           <a:r>
-            <a:rPr lang="es-CL" smtClean="0"/>
-            <a:t>BlindSteep</a:t>
+            <a:rPr lang="es-CL" dirty="0" err="1" smtClean="0"/>
+            <a:t>BlindSteps</a:t>
           </a:r>
           <a:endParaRPr lang="es-CL" dirty="0"/>
         </a:p>
@@ -1560,13 +1560,6 @@
         </dgm:presLayoutVars>
       </dgm:prSet>
       <dgm:spPr/>
-      <dgm:t>
-        <a:bodyPr/>
-        <a:lstStyle/>
-        <a:p>
-          <a:endParaRPr lang="es-ES"/>
-        </a:p>
-      </dgm:t>
     </dgm:pt>
     <dgm:pt modelId="{F2FD308B-F5DA-46E0-9474-B4E03BAB118E}" type="pres">
       <dgm:prSet presAssocID="{7E50C87A-0B3E-4760-93B4-8A48B5576445}" presName="hierRoot1" presStyleCnt="0">
@@ -1598,13 +1591,6 @@
     <dgm:pt modelId="{55AE658B-C3AD-4E79-8E64-D07EFD86E966}" type="pres">
       <dgm:prSet presAssocID="{7E50C87A-0B3E-4760-93B4-8A48B5576445}" presName="rootConnector1" presStyleLbl="node1" presStyleIdx="0" presStyleCnt="0"/>
       <dgm:spPr/>
-      <dgm:t>
-        <a:bodyPr/>
-        <a:lstStyle/>
-        <a:p>
-          <a:endParaRPr lang="es-ES"/>
-        </a:p>
-      </dgm:t>
     </dgm:pt>
     <dgm:pt modelId="{2D9A9618-1065-4F7B-873F-2FAAD3DF11FB}" type="pres">
       <dgm:prSet presAssocID="{7E50C87A-0B3E-4760-93B4-8A48B5576445}" presName="hierChild2" presStyleCnt="0"/>
@@ -1613,13 +1599,6 @@
     <dgm:pt modelId="{183BE953-B502-4590-B966-D8AD95E3805F}" type="pres">
       <dgm:prSet presAssocID="{1425B758-DEA2-4F01-AC4D-636715D3C9B5}" presName="Name37" presStyleLbl="parChTrans1D2" presStyleIdx="0" presStyleCnt="1"/>
       <dgm:spPr/>
-      <dgm:t>
-        <a:bodyPr/>
-        <a:lstStyle/>
-        <a:p>
-          <a:endParaRPr lang="es-ES"/>
-        </a:p>
-      </dgm:t>
     </dgm:pt>
     <dgm:pt modelId="{27B9D44E-BAA9-4C4C-BA6A-F6787C5095B4}" type="pres">
       <dgm:prSet presAssocID="{945C1132-7D97-4BD8-88F7-13903564E474}" presName="hierRoot2" presStyleCnt="0">
@@ -1651,13 +1630,6 @@
     <dgm:pt modelId="{7DA1E3A6-4FE3-434D-BA52-F655E9C04179}" type="pres">
       <dgm:prSet presAssocID="{945C1132-7D97-4BD8-88F7-13903564E474}" presName="rootConnector" presStyleLbl="node2" presStyleIdx="0" presStyleCnt="1"/>
       <dgm:spPr/>
-      <dgm:t>
-        <a:bodyPr/>
-        <a:lstStyle/>
-        <a:p>
-          <a:endParaRPr lang="es-ES"/>
-        </a:p>
-      </dgm:t>
     </dgm:pt>
     <dgm:pt modelId="{A775CE1C-4BC9-41EF-A322-A2E8B142D336}" type="pres">
       <dgm:prSet presAssocID="{945C1132-7D97-4BD8-88F7-13903564E474}" presName="hierChild4" presStyleCnt="0"/>
@@ -1666,13 +1638,6 @@
     <dgm:pt modelId="{558B13C0-44CE-455C-A7BC-F0C478F2D27C}" type="pres">
       <dgm:prSet presAssocID="{59D8EB2A-7DEB-41DA-BA04-307C522BC04E}" presName="Name37" presStyleLbl="parChTrans1D3" presStyleIdx="0" presStyleCnt="4"/>
       <dgm:spPr/>
-      <dgm:t>
-        <a:bodyPr/>
-        <a:lstStyle/>
-        <a:p>
-          <a:endParaRPr lang="es-ES"/>
-        </a:p>
-      </dgm:t>
     </dgm:pt>
     <dgm:pt modelId="{7B74120E-73A2-4D52-88BB-DE4E37FEA07B}" type="pres">
       <dgm:prSet presAssocID="{FDB73E2E-8229-4B81-84F7-4EAEDD7BC039}" presName="hierRoot2" presStyleCnt="0">
@@ -1704,13 +1669,6 @@
     <dgm:pt modelId="{346FFFED-8797-4654-89BD-D482C3E3A1E2}" type="pres">
       <dgm:prSet presAssocID="{FDB73E2E-8229-4B81-84F7-4EAEDD7BC039}" presName="rootConnector" presStyleLbl="node3" presStyleIdx="0" presStyleCnt="4"/>
       <dgm:spPr/>
-      <dgm:t>
-        <a:bodyPr/>
-        <a:lstStyle/>
-        <a:p>
-          <a:endParaRPr lang="es-ES"/>
-        </a:p>
-      </dgm:t>
     </dgm:pt>
     <dgm:pt modelId="{DF383101-B89D-42DC-B253-CCD1C9DF6094}" type="pres">
       <dgm:prSet presAssocID="{FDB73E2E-8229-4B81-84F7-4EAEDD7BC039}" presName="hierChild4" presStyleCnt="0"/>
@@ -1719,13 +1677,6 @@
     <dgm:pt modelId="{4B677F4A-12F5-4B24-AE26-AE34028223AD}" type="pres">
       <dgm:prSet presAssocID="{E4EE1ACF-B6B1-425F-94E6-AE3F79195B67}" presName="Name37" presStyleLbl="parChTrans1D4" presStyleIdx="0" presStyleCnt="12"/>
       <dgm:spPr/>
-      <dgm:t>
-        <a:bodyPr/>
-        <a:lstStyle/>
-        <a:p>
-          <a:endParaRPr lang="es-ES"/>
-        </a:p>
-      </dgm:t>
     </dgm:pt>
     <dgm:pt modelId="{C52138FE-446C-4CEB-A53C-8B1518D6EF1F}" type="pres">
       <dgm:prSet presAssocID="{F3A70688-F928-4D9D-8394-8134C6AA0C33}" presName="hierRoot2" presStyleCnt="0">
@@ -1757,13 +1708,6 @@
     <dgm:pt modelId="{144CD013-A843-40F6-A872-52E5478EE316}" type="pres">
       <dgm:prSet presAssocID="{F3A70688-F928-4D9D-8394-8134C6AA0C33}" presName="rootConnector" presStyleLbl="node4" presStyleIdx="0" presStyleCnt="12"/>
       <dgm:spPr/>
-      <dgm:t>
-        <a:bodyPr/>
-        <a:lstStyle/>
-        <a:p>
-          <a:endParaRPr lang="es-ES"/>
-        </a:p>
-      </dgm:t>
     </dgm:pt>
     <dgm:pt modelId="{532DCD11-85A6-4913-9865-9849DD262805}" type="pres">
       <dgm:prSet presAssocID="{F3A70688-F928-4D9D-8394-8134C6AA0C33}" presName="hierChild4" presStyleCnt="0"/>
@@ -1772,13 +1716,6 @@
     <dgm:pt modelId="{151CCD83-50F0-4110-9497-26115DDCA3B9}" type="pres">
       <dgm:prSet presAssocID="{C0BC0CAA-3853-48F1-90DA-4864E6D1BFA8}" presName="Name37" presStyleLbl="parChTrans1D4" presStyleIdx="1" presStyleCnt="12"/>
       <dgm:spPr/>
-      <dgm:t>
-        <a:bodyPr/>
-        <a:lstStyle/>
-        <a:p>
-          <a:endParaRPr lang="es-ES"/>
-        </a:p>
-      </dgm:t>
     </dgm:pt>
     <dgm:pt modelId="{7B9054EA-2E59-4E9E-BB9E-D0BCECC7AF7C}" type="pres">
       <dgm:prSet presAssocID="{7F8F49D0-FDDA-498F-83B9-EF4D2E07CA2C}" presName="hierRoot2" presStyleCnt="0">
@@ -1799,24 +1736,10 @@
         </dgm:presLayoutVars>
       </dgm:prSet>
       <dgm:spPr/>
-      <dgm:t>
-        <a:bodyPr/>
-        <a:lstStyle/>
-        <a:p>
-          <a:endParaRPr lang="es-ES"/>
-        </a:p>
-      </dgm:t>
     </dgm:pt>
     <dgm:pt modelId="{6B68C190-3281-4247-B685-48A9B6F877C6}" type="pres">
       <dgm:prSet presAssocID="{7F8F49D0-FDDA-498F-83B9-EF4D2E07CA2C}" presName="rootConnector" presStyleLbl="node4" presStyleIdx="1" presStyleCnt="12"/>
       <dgm:spPr/>
-      <dgm:t>
-        <a:bodyPr/>
-        <a:lstStyle/>
-        <a:p>
-          <a:endParaRPr lang="es-ES"/>
-        </a:p>
-      </dgm:t>
     </dgm:pt>
     <dgm:pt modelId="{3A8AB1FA-45BC-4BC6-9FF9-927EE8F89BE7}" type="pres">
       <dgm:prSet presAssocID="{7F8F49D0-FDDA-498F-83B9-EF4D2E07CA2C}" presName="hierChild4" presStyleCnt="0"/>
@@ -1829,13 +1752,6 @@
     <dgm:pt modelId="{A2157778-9B6B-4982-8B6E-EDE7217709E6}" type="pres">
       <dgm:prSet presAssocID="{1013B2A1-85F1-4D13-B71F-E935BF8DF3FF}" presName="Name37" presStyleLbl="parChTrans1D4" presStyleIdx="2" presStyleCnt="12"/>
       <dgm:spPr/>
-      <dgm:t>
-        <a:bodyPr/>
-        <a:lstStyle/>
-        <a:p>
-          <a:endParaRPr lang="es-ES"/>
-        </a:p>
-      </dgm:t>
     </dgm:pt>
     <dgm:pt modelId="{C7947CEA-B014-4925-86F4-8FF1351F6D95}" type="pres">
       <dgm:prSet presAssocID="{38D44E36-A249-4AE2-8871-0AA28B7DF9BA}" presName="hierRoot2" presStyleCnt="0">
@@ -1867,13 +1783,6 @@
     <dgm:pt modelId="{E5F258B3-2DD6-4C50-A25B-AC85303E5AC9}" type="pres">
       <dgm:prSet presAssocID="{38D44E36-A249-4AE2-8871-0AA28B7DF9BA}" presName="rootConnector" presStyleLbl="node4" presStyleIdx="2" presStyleCnt="12"/>
       <dgm:spPr/>
-      <dgm:t>
-        <a:bodyPr/>
-        <a:lstStyle/>
-        <a:p>
-          <a:endParaRPr lang="es-ES"/>
-        </a:p>
-      </dgm:t>
     </dgm:pt>
     <dgm:pt modelId="{31BE66B6-60A3-46C1-A2A6-E3D3BEB139C8}" type="pres">
       <dgm:prSet presAssocID="{38D44E36-A249-4AE2-8871-0AA28B7DF9BA}" presName="hierChild4" presStyleCnt="0"/>
@@ -1890,13 +1799,6 @@
     <dgm:pt modelId="{78B49EE1-A953-4CA9-91A6-0ACF8DC7C457}" type="pres">
       <dgm:prSet presAssocID="{BDE7C457-3173-4C27-A90E-D80C63101430}" presName="Name37" presStyleLbl="parChTrans1D4" presStyleIdx="3" presStyleCnt="12"/>
       <dgm:spPr/>
-      <dgm:t>
-        <a:bodyPr/>
-        <a:lstStyle/>
-        <a:p>
-          <a:endParaRPr lang="es-ES"/>
-        </a:p>
-      </dgm:t>
     </dgm:pt>
     <dgm:pt modelId="{3270D517-48C4-42EC-82DF-20AD30D97CEA}" type="pres">
       <dgm:prSet presAssocID="{71C4292B-DED4-46A5-8A85-FFE464DD7BEB}" presName="hierRoot2" presStyleCnt="0">
@@ -1917,24 +1819,10 @@
         </dgm:presLayoutVars>
       </dgm:prSet>
       <dgm:spPr/>
-      <dgm:t>
-        <a:bodyPr/>
-        <a:lstStyle/>
-        <a:p>
-          <a:endParaRPr lang="es-ES"/>
-        </a:p>
-      </dgm:t>
     </dgm:pt>
     <dgm:pt modelId="{FE5BCD6D-0222-490A-95AD-1A751FABD263}" type="pres">
       <dgm:prSet presAssocID="{71C4292B-DED4-46A5-8A85-FFE464DD7BEB}" presName="rootConnector" presStyleLbl="node4" presStyleIdx="3" presStyleCnt="12"/>
       <dgm:spPr/>
-      <dgm:t>
-        <a:bodyPr/>
-        <a:lstStyle/>
-        <a:p>
-          <a:endParaRPr lang="es-ES"/>
-        </a:p>
-      </dgm:t>
     </dgm:pt>
     <dgm:pt modelId="{2EF9E086-EC2E-425D-9543-FA0E2571C937}" type="pres">
       <dgm:prSet presAssocID="{71C4292B-DED4-46A5-8A85-FFE464DD7BEB}" presName="hierChild4" presStyleCnt="0"/>
@@ -1943,13 +1831,6 @@
     <dgm:pt modelId="{88C8B171-F56F-4AA2-BCF0-072AC142BCC0}" type="pres">
       <dgm:prSet presAssocID="{E2602E78-02E0-41E4-A2DD-C8FE37C49879}" presName="Name37" presStyleLbl="parChTrans1D4" presStyleIdx="4" presStyleCnt="12"/>
       <dgm:spPr/>
-      <dgm:t>
-        <a:bodyPr/>
-        <a:lstStyle/>
-        <a:p>
-          <a:endParaRPr lang="es-ES"/>
-        </a:p>
-      </dgm:t>
     </dgm:pt>
     <dgm:pt modelId="{A64A9339-9013-4175-BF01-3B0ADAA168EE}" type="pres">
       <dgm:prSet presAssocID="{326352C7-E7FD-431F-8DFF-EEE72A36D37E}" presName="hierRoot2" presStyleCnt="0">
@@ -1981,13 +1862,6 @@
     <dgm:pt modelId="{9A3217EE-ED24-4EA4-8D67-B32DB9390903}" type="pres">
       <dgm:prSet presAssocID="{326352C7-E7FD-431F-8DFF-EEE72A36D37E}" presName="rootConnector" presStyleLbl="node4" presStyleIdx="4" presStyleCnt="12"/>
       <dgm:spPr/>
-      <dgm:t>
-        <a:bodyPr/>
-        <a:lstStyle/>
-        <a:p>
-          <a:endParaRPr lang="es-ES"/>
-        </a:p>
-      </dgm:t>
     </dgm:pt>
     <dgm:pt modelId="{07161A43-C766-4A0A-B59F-02947D977381}" type="pres">
       <dgm:prSet presAssocID="{326352C7-E7FD-431F-8DFF-EEE72A36D37E}" presName="hierChild4" presStyleCnt="0"/>
@@ -2000,13 +1874,6 @@
     <dgm:pt modelId="{461759D0-3931-4088-8AD1-5183E0C0F29B}" type="pres">
       <dgm:prSet presAssocID="{34F69F19-BDC0-414E-8EA1-5C137762A583}" presName="Name37" presStyleLbl="parChTrans1D4" presStyleIdx="5" presStyleCnt="12"/>
       <dgm:spPr/>
-      <dgm:t>
-        <a:bodyPr/>
-        <a:lstStyle/>
-        <a:p>
-          <a:endParaRPr lang="es-ES"/>
-        </a:p>
-      </dgm:t>
     </dgm:pt>
     <dgm:pt modelId="{3E1149FF-EF20-45EC-B9EF-02F831827A06}" type="pres">
       <dgm:prSet presAssocID="{26A0E1D5-D193-462B-96B0-D6085BFFB12C}" presName="hierRoot2" presStyleCnt="0">
@@ -2027,24 +1894,10 @@
         </dgm:presLayoutVars>
       </dgm:prSet>
       <dgm:spPr/>
-      <dgm:t>
-        <a:bodyPr/>
-        <a:lstStyle/>
-        <a:p>
-          <a:endParaRPr lang="es-ES"/>
-        </a:p>
-      </dgm:t>
     </dgm:pt>
     <dgm:pt modelId="{A5149936-CACE-49EB-8894-B0148CD291C6}" type="pres">
       <dgm:prSet presAssocID="{26A0E1D5-D193-462B-96B0-D6085BFFB12C}" presName="rootConnector" presStyleLbl="node4" presStyleIdx="5" presStyleCnt="12"/>
       <dgm:spPr/>
-      <dgm:t>
-        <a:bodyPr/>
-        <a:lstStyle/>
-        <a:p>
-          <a:endParaRPr lang="es-ES"/>
-        </a:p>
-      </dgm:t>
     </dgm:pt>
     <dgm:pt modelId="{77F12921-9C89-4529-8B63-4CE0C8BE2546}" type="pres">
       <dgm:prSet presAssocID="{26A0E1D5-D193-462B-96B0-D6085BFFB12C}" presName="hierChild4" presStyleCnt="0"/>
@@ -2057,13 +1910,6 @@
     <dgm:pt modelId="{5CCC9681-1BFE-47F2-B6FF-103AEC18E6AC}" type="pres">
       <dgm:prSet presAssocID="{ED843AF2-6A1E-40CA-BBD7-8F4823E8E2A2}" presName="Name37" presStyleLbl="parChTrans1D4" presStyleIdx="6" presStyleCnt="12"/>
       <dgm:spPr/>
-      <dgm:t>
-        <a:bodyPr/>
-        <a:lstStyle/>
-        <a:p>
-          <a:endParaRPr lang="es-ES"/>
-        </a:p>
-      </dgm:t>
     </dgm:pt>
     <dgm:pt modelId="{4410EA49-A76F-4F86-98E1-6EA7F2E41DFC}" type="pres">
       <dgm:prSet presAssocID="{6163160A-E89C-4FD7-A21E-9191A4E74F49}" presName="hierRoot2" presStyleCnt="0">
@@ -2084,24 +1930,10 @@
         </dgm:presLayoutVars>
       </dgm:prSet>
       <dgm:spPr/>
-      <dgm:t>
-        <a:bodyPr/>
-        <a:lstStyle/>
-        <a:p>
-          <a:endParaRPr lang="es-ES"/>
-        </a:p>
-      </dgm:t>
     </dgm:pt>
     <dgm:pt modelId="{FECBF60F-6947-49A2-BBC5-86997D821BB1}" type="pres">
       <dgm:prSet presAssocID="{6163160A-E89C-4FD7-A21E-9191A4E74F49}" presName="rootConnector" presStyleLbl="node4" presStyleIdx="6" presStyleCnt="12"/>
       <dgm:spPr/>
-      <dgm:t>
-        <a:bodyPr/>
-        <a:lstStyle/>
-        <a:p>
-          <a:endParaRPr lang="es-ES"/>
-        </a:p>
-      </dgm:t>
     </dgm:pt>
     <dgm:pt modelId="{77841592-EF7A-4F01-8BB9-ADABBF6FA661}" type="pres">
       <dgm:prSet presAssocID="{6163160A-E89C-4FD7-A21E-9191A4E74F49}" presName="hierChild4" presStyleCnt="0"/>
@@ -2122,13 +1954,6 @@
     <dgm:pt modelId="{FF0D9A6C-3A7B-4A40-87C4-0AB3ACC39E81}" type="pres">
       <dgm:prSet presAssocID="{B46F2D23-AC8F-4B26-8A0C-3D49C0FE238D}" presName="Name37" presStyleLbl="parChTrans1D3" presStyleIdx="1" presStyleCnt="4"/>
       <dgm:spPr/>
-      <dgm:t>
-        <a:bodyPr/>
-        <a:lstStyle/>
-        <a:p>
-          <a:endParaRPr lang="es-ES"/>
-        </a:p>
-      </dgm:t>
     </dgm:pt>
     <dgm:pt modelId="{C6F0CBD7-18F9-49A8-B8A1-36579F79ADF8}" type="pres">
       <dgm:prSet presAssocID="{03F87A64-5089-452D-BFC5-09BE3A3CFA03}" presName="hierRoot2" presStyleCnt="0">
@@ -2160,13 +1985,6 @@
     <dgm:pt modelId="{2DD22A6F-D4A7-4F29-9DF7-9297BFC5C2AF}" type="pres">
       <dgm:prSet presAssocID="{03F87A64-5089-452D-BFC5-09BE3A3CFA03}" presName="rootConnector" presStyleLbl="node3" presStyleIdx="1" presStyleCnt="4"/>
       <dgm:spPr/>
-      <dgm:t>
-        <a:bodyPr/>
-        <a:lstStyle/>
-        <a:p>
-          <a:endParaRPr lang="es-ES"/>
-        </a:p>
-      </dgm:t>
     </dgm:pt>
     <dgm:pt modelId="{BB5F3B09-0608-41F1-A8DD-80B8095F84B2}" type="pres">
       <dgm:prSet presAssocID="{03F87A64-5089-452D-BFC5-09BE3A3CFA03}" presName="hierChild4" presStyleCnt="0"/>
@@ -2175,13 +1993,6 @@
     <dgm:pt modelId="{96D70B66-8DB3-48EE-8B2B-A93623A01AB5}" type="pres">
       <dgm:prSet presAssocID="{B39615C1-2B88-4466-B377-ADF26F695F87}" presName="Name37" presStyleLbl="parChTrans1D4" presStyleIdx="7" presStyleCnt="12"/>
       <dgm:spPr/>
-      <dgm:t>
-        <a:bodyPr/>
-        <a:lstStyle/>
-        <a:p>
-          <a:endParaRPr lang="es-ES"/>
-        </a:p>
-      </dgm:t>
     </dgm:pt>
     <dgm:pt modelId="{5EBB082B-E10C-47D2-9BEB-557E42D8D918}" type="pres">
       <dgm:prSet presAssocID="{5D724A45-8416-403A-846A-67D222F64FEB}" presName="hierRoot2" presStyleCnt="0">
@@ -2213,13 +2024,6 @@
     <dgm:pt modelId="{DAB1A021-F421-4FF9-A748-622F02A8FFD6}" type="pres">
       <dgm:prSet presAssocID="{5D724A45-8416-403A-846A-67D222F64FEB}" presName="rootConnector" presStyleLbl="node4" presStyleIdx="7" presStyleCnt="12"/>
       <dgm:spPr/>
-      <dgm:t>
-        <a:bodyPr/>
-        <a:lstStyle/>
-        <a:p>
-          <a:endParaRPr lang="es-ES"/>
-        </a:p>
-      </dgm:t>
     </dgm:pt>
     <dgm:pt modelId="{009E3D6E-E072-4258-8996-0AA1F48B5147}" type="pres">
       <dgm:prSet presAssocID="{5D724A45-8416-403A-846A-67D222F64FEB}" presName="hierChild4" presStyleCnt="0"/>
@@ -2236,13 +2040,6 @@
     <dgm:pt modelId="{61D134F2-F30B-42D4-AA7E-3C8A198CD3AF}" type="pres">
       <dgm:prSet presAssocID="{4C4458EA-5A97-40D4-B783-52AA55F695DB}" presName="Name37" presStyleLbl="parChTrans1D3" presStyleIdx="2" presStyleCnt="4"/>
       <dgm:spPr/>
-      <dgm:t>
-        <a:bodyPr/>
-        <a:lstStyle/>
-        <a:p>
-          <a:endParaRPr lang="es-ES"/>
-        </a:p>
-      </dgm:t>
     </dgm:pt>
     <dgm:pt modelId="{5A39B77F-AAB1-4BC6-9C75-67832BE4B5B2}" type="pres">
       <dgm:prSet presAssocID="{2B118BBB-D843-42E0-8A72-800EB8E57854}" presName="hierRoot2" presStyleCnt="0">
@@ -2274,13 +2071,6 @@
     <dgm:pt modelId="{190B4781-F618-40FD-B594-2E70BAB01F6F}" type="pres">
       <dgm:prSet presAssocID="{2B118BBB-D843-42E0-8A72-800EB8E57854}" presName="rootConnector" presStyleLbl="node3" presStyleIdx="2" presStyleCnt="4"/>
       <dgm:spPr/>
-      <dgm:t>
-        <a:bodyPr/>
-        <a:lstStyle/>
-        <a:p>
-          <a:endParaRPr lang="es-ES"/>
-        </a:p>
-      </dgm:t>
     </dgm:pt>
     <dgm:pt modelId="{14D91AD8-F30D-462C-8114-9D1096784FED}" type="pres">
       <dgm:prSet presAssocID="{2B118BBB-D843-42E0-8A72-800EB8E57854}" presName="hierChild4" presStyleCnt="0"/>
@@ -2289,13 +2079,6 @@
     <dgm:pt modelId="{1065FBFF-DDFA-4AF3-91AB-BFDB62A360D9}" type="pres">
       <dgm:prSet presAssocID="{25699D91-0FA7-452F-91D3-02954849E7E1}" presName="Name37" presStyleLbl="parChTrans1D4" presStyleIdx="8" presStyleCnt="12"/>
       <dgm:spPr/>
-      <dgm:t>
-        <a:bodyPr/>
-        <a:lstStyle/>
-        <a:p>
-          <a:endParaRPr lang="es-ES"/>
-        </a:p>
-      </dgm:t>
     </dgm:pt>
     <dgm:pt modelId="{A182A6A8-029B-4548-B185-8FF976DF5063}" type="pres">
       <dgm:prSet presAssocID="{7F54E24C-D986-4CE6-BECA-C6DB9CA3017B}" presName="hierRoot2" presStyleCnt="0">
@@ -2327,13 +2110,6 @@
     <dgm:pt modelId="{FAE2A438-73ED-4663-A56B-9C9D74FFB024}" type="pres">
       <dgm:prSet presAssocID="{7F54E24C-D986-4CE6-BECA-C6DB9CA3017B}" presName="rootConnector" presStyleLbl="node4" presStyleIdx="8" presStyleCnt="12"/>
       <dgm:spPr/>
-      <dgm:t>
-        <a:bodyPr/>
-        <a:lstStyle/>
-        <a:p>
-          <a:endParaRPr lang="es-ES"/>
-        </a:p>
-      </dgm:t>
     </dgm:pt>
     <dgm:pt modelId="{D939CC3B-8684-4252-9AD6-D64BE8528603}" type="pres">
       <dgm:prSet presAssocID="{7F54E24C-D986-4CE6-BECA-C6DB9CA3017B}" presName="hierChild4" presStyleCnt="0"/>
@@ -2342,13 +2118,6 @@
     <dgm:pt modelId="{34F62DD5-1052-43B3-8EBB-DAEFA03131F2}" type="pres">
       <dgm:prSet presAssocID="{B0B0EB76-7820-4F92-A2A1-2892F05528D1}" presName="Name37" presStyleLbl="parChTrans1D4" presStyleIdx="9" presStyleCnt="12"/>
       <dgm:spPr/>
-      <dgm:t>
-        <a:bodyPr/>
-        <a:lstStyle/>
-        <a:p>
-          <a:endParaRPr lang="es-ES"/>
-        </a:p>
-      </dgm:t>
     </dgm:pt>
     <dgm:pt modelId="{563A623F-0442-4802-B8BE-A5B4C7B9F6FC}" type="pres">
       <dgm:prSet presAssocID="{10DFD1AE-B84E-4BC3-AB3C-ED109122078B}" presName="hierRoot2" presStyleCnt="0">
@@ -2369,24 +2138,10 @@
         </dgm:presLayoutVars>
       </dgm:prSet>
       <dgm:spPr/>
-      <dgm:t>
-        <a:bodyPr/>
-        <a:lstStyle/>
-        <a:p>
-          <a:endParaRPr lang="es-ES"/>
-        </a:p>
-      </dgm:t>
     </dgm:pt>
     <dgm:pt modelId="{8E412BDD-BD39-466F-B64B-9D4C39F0DA48}" type="pres">
       <dgm:prSet presAssocID="{10DFD1AE-B84E-4BC3-AB3C-ED109122078B}" presName="rootConnector" presStyleLbl="node4" presStyleIdx="9" presStyleCnt="12"/>
       <dgm:spPr/>
-      <dgm:t>
-        <a:bodyPr/>
-        <a:lstStyle/>
-        <a:p>
-          <a:endParaRPr lang="es-ES"/>
-        </a:p>
-      </dgm:t>
     </dgm:pt>
     <dgm:pt modelId="{DF2FC5A4-DBF3-4FE9-ADA6-205BA3F8CA91}" type="pres">
       <dgm:prSet presAssocID="{10DFD1AE-B84E-4BC3-AB3C-ED109122078B}" presName="hierChild4" presStyleCnt="0"/>
@@ -2399,13 +2154,6 @@
     <dgm:pt modelId="{B2D38C96-EDAD-486F-A419-DE124EA8DE69}" type="pres">
       <dgm:prSet presAssocID="{785EE92E-B107-40A2-98D9-71390D2A33F0}" presName="Name37" presStyleLbl="parChTrans1D4" presStyleIdx="10" presStyleCnt="12"/>
       <dgm:spPr/>
-      <dgm:t>
-        <a:bodyPr/>
-        <a:lstStyle/>
-        <a:p>
-          <a:endParaRPr lang="es-ES"/>
-        </a:p>
-      </dgm:t>
     </dgm:pt>
     <dgm:pt modelId="{06766F9F-7572-447E-B2E8-C92C41BC5C45}" type="pres">
       <dgm:prSet presAssocID="{19F8CE35-A75F-4126-91A3-B6BBEE117D20}" presName="hierRoot2" presStyleCnt="0">
@@ -2426,24 +2174,10 @@
         </dgm:presLayoutVars>
       </dgm:prSet>
       <dgm:spPr/>
-      <dgm:t>
-        <a:bodyPr/>
-        <a:lstStyle/>
-        <a:p>
-          <a:endParaRPr lang="es-ES"/>
-        </a:p>
-      </dgm:t>
     </dgm:pt>
     <dgm:pt modelId="{B5FFA68C-A420-4E2D-81A6-B3BCF4097854}" type="pres">
       <dgm:prSet presAssocID="{19F8CE35-A75F-4126-91A3-B6BBEE117D20}" presName="rootConnector" presStyleLbl="node4" presStyleIdx="10" presStyleCnt="12"/>
       <dgm:spPr/>
-      <dgm:t>
-        <a:bodyPr/>
-        <a:lstStyle/>
-        <a:p>
-          <a:endParaRPr lang="es-ES"/>
-        </a:p>
-      </dgm:t>
     </dgm:pt>
     <dgm:pt modelId="{A7933785-DA22-4F35-818D-76489A222D10}" type="pres">
       <dgm:prSet presAssocID="{19F8CE35-A75F-4126-91A3-B6BBEE117D20}" presName="hierChild4" presStyleCnt="0"/>
@@ -2460,13 +2194,6 @@
     <dgm:pt modelId="{932D3C89-6B17-4A87-AEDB-DCE76B9D6F36}" type="pres">
       <dgm:prSet presAssocID="{61C2769A-E563-434C-A515-C856BAF14B1D}" presName="Name37" presStyleLbl="parChTrans1D4" presStyleIdx="11" presStyleCnt="12"/>
       <dgm:spPr/>
-      <dgm:t>
-        <a:bodyPr/>
-        <a:lstStyle/>
-        <a:p>
-          <a:endParaRPr lang="es-ES"/>
-        </a:p>
-      </dgm:t>
     </dgm:pt>
     <dgm:pt modelId="{76FFCF6D-6B4F-498A-B2A3-D3D4A5ADB8D4}" type="pres">
       <dgm:prSet presAssocID="{2969E488-A606-4FA6-AF9D-9B06AD30E469}" presName="hierRoot2" presStyleCnt="0">
@@ -2498,13 +2225,6 @@
     <dgm:pt modelId="{4545232F-77AE-4609-A7AB-108A88459780}" type="pres">
       <dgm:prSet presAssocID="{2969E488-A606-4FA6-AF9D-9B06AD30E469}" presName="rootConnector" presStyleLbl="node4" presStyleIdx="11" presStyleCnt="12"/>
       <dgm:spPr/>
-      <dgm:t>
-        <a:bodyPr/>
-        <a:lstStyle/>
-        <a:p>
-          <a:endParaRPr lang="es-ES"/>
-        </a:p>
-      </dgm:t>
     </dgm:pt>
     <dgm:pt modelId="{5421DD2A-7E03-4443-9E1B-E95046D9E908}" type="pres">
       <dgm:prSet presAssocID="{2969E488-A606-4FA6-AF9D-9B06AD30E469}" presName="hierChild4" presStyleCnt="0"/>
@@ -2521,13 +2241,6 @@
     <dgm:pt modelId="{3A0459FA-C8BE-407E-A460-CA861E4292F1}" type="pres">
       <dgm:prSet presAssocID="{DBE716D2-725F-4A64-908C-12C4E31747F6}" presName="Name37" presStyleLbl="parChTrans1D3" presStyleIdx="3" presStyleCnt="4"/>
       <dgm:spPr/>
-      <dgm:t>
-        <a:bodyPr/>
-        <a:lstStyle/>
-        <a:p>
-          <a:endParaRPr lang="es-ES"/>
-        </a:p>
-      </dgm:t>
     </dgm:pt>
     <dgm:pt modelId="{722CC0CC-C822-4F07-BABB-76468935D635}" type="pres">
       <dgm:prSet presAssocID="{4FA66C56-8BF5-4271-94E8-5894A7CFB0DD}" presName="hierRoot2" presStyleCnt="0">
@@ -2559,13 +2272,6 @@
     <dgm:pt modelId="{F80319B1-A056-44FE-951E-49FD404E8C7A}" type="pres">
       <dgm:prSet presAssocID="{4FA66C56-8BF5-4271-94E8-5894A7CFB0DD}" presName="rootConnector" presStyleLbl="node3" presStyleIdx="3" presStyleCnt="4"/>
       <dgm:spPr/>
-      <dgm:t>
-        <a:bodyPr/>
-        <a:lstStyle/>
-        <a:p>
-          <a:endParaRPr lang="es-ES"/>
-        </a:p>
-      </dgm:t>
     </dgm:pt>
     <dgm:pt modelId="{20AEF90C-6FB2-4F2C-909B-54659AC708AC}" type="pres">
       <dgm:prSet presAssocID="{4FA66C56-8BF5-4271-94E8-5894A7CFB0DD}" presName="hierChild4" presStyleCnt="0"/>
@@ -2585,78 +2291,78 @@
     </dgm:pt>
   </dgm:ptLst>
   <dgm:cxnLst>
+    <dgm:cxn modelId="{4CF19966-72C6-44E4-9887-9ADCA8E26B75}" srcId="{945C1132-7D97-4BD8-88F7-13903564E474}" destId="{FDB73E2E-8229-4B81-84F7-4EAEDD7BC039}" srcOrd="0" destOrd="0" parTransId="{59D8EB2A-7DEB-41DA-BA04-307C522BC04E}" sibTransId="{C4CBA7FE-C2F3-4DEA-9BFC-FBE871AC7A3D}"/>
+    <dgm:cxn modelId="{1815BC2D-4261-424A-A191-3497CC5D0E40}" type="presOf" srcId="{2969E488-A606-4FA6-AF9D-9B06AD30E469}" destId="{EFB10B4D-C2E2-4C12-93E1-11EEC999F6F5}" srcOrd="0" destOrd="0" presId="urn:microsoft.com/office/officeart/2005/8/layout/orgChart1"/>
+    <dgm:cxn modelId="{21B30B7E-0FBD-4BE5-B6DE-C9C87CBD5011}" srcId="{2B118BBB-D843-42E0-8A72-800EB8E57854}" destId="{2969E488-A606-4FA6-AF9D-9B06AD30E469}" srcOrd="1" destOrd="0" parTransId="{61C2769A-E563-434C-A515-C856BAF14B1D}" sibTransId="{A7C227A8-D6A1-4102-88F5-04302D5932C7}"/>
+    <dgm:cxn modelId="{8286145D-2E09-40F5-9C1F-72BABFD75B08}" type="presOf" srcId="{5D724A45-8416-403A-846A-67D222F64FEB}" destId="{DAB1A021-F421-4FF9-A748-622F02A8FFD6}" srcOrd="1" destOrd="0" presId="urn:microsoft.com/office/officeart/2005/8/layout/orgChart1"/>
+    <dgm:cxn modelId="{5DF76388-91B4-48D3-BDDF-8B55CC579F0C}" srcId="{7E50C87A-0B3E-4760-93B4-8A48B5576445}" destId="{945C1132-7D97-4BD8-88F7-13903564E474}" srcOrd="0" destOrd="0" parTransId="{1425B758-DEA2-4F01-AC4D-636715D3C9B5}" sibTransId="{D5D011D7-E58F-462B-B81E-3B7499D9D51A}"/>
+    <dgm:cxn modelId="{8E90EAD4-7719-4E5F-9297-2CF7F69DF47C}" type="presOf" srcId="{6163160A-E89C-4FD7-A21E-9191A4E74F49}" destId="{FECBF60F-6947-49A2-BBC5-86997D821BB1}" srcOrd="1" destOrd="0" presId="urn:microsoft.com/office/officeart/2005/8/layout/orgChart1"/>
+    <dgm:cxn modelId="{15D582AC-A8B8-479C-BF0E-72A0484CECDC}" type="presOf" srcId="{2969E488-A606-4FA6-AF9D-9B06AD30E469}" destId="{4545232F-77AE-4609-A7AB-108A88459780}" srcOrd="1" destOrd="0" presId="urn:microsoft.com/office/officeart/2005/8/layout/orgChart1"/>
+    <dgm:cxn modelId="{DE5F656F-988A-467E-BEB7-0CECE218E77E}" srcId="{945C1132-7D97-4BD8-88F7-13903564E474}" destId="{2B118BBB-D843-42E0-8A72-800EB8E57854}" srcOrd="2" destOrd="0" parTransId="{4C4458EA-5A97-40D4-B783-52AA55F695DB}" sibTransId="{51B86B28-B815-4EC1-A0E3-42069999FEC7}"/>
+    <dgm:cxn modelId="{25F36C93-4080-4079-AA34-44E572F05F02}" type="presOf" srcId="{03F87A64-5089-452D-BFC5-09BE3A3CFA03}" destId="{712DE049-E793-480B-AD3F-183528C8DBB0}" srcOrd="0" destOrd="0" presId="urn:microsoft.com/office/officeart/2005/8/layout/orgChart1"/>
+    <dgm:cxn modelId="{757C8476-9E9B-4B09-AF4D-E09851583752}" srcId="{7F54E24C-D986-4CE6-BECA-C6DB9CA3017B}" destId="{19F8CE35-A75F-4126-91A3-B6BBEE117D20}" srcOrd="1" destOrd="0" parTransId="{785EE92E-B107-40A2-98D9-71390D2A33F0}" sibTransId="{23362244-8668-4DCE-89B0-BB417E237ED2}"/>
+    <dgm:cxn modelId="{D4272794-CCB8-4226-951D-DF5BADBA2F99}" type="presOf" srcId="{B39615C1-2B88-4466-B377-ADF26F695F87}" destId="{96D70B66-8DB3-48EE-8B2B-A93623A01AB5}" srcOrd="0" destOrd="0" presId="urn:microsoft.com/office/officeart/2005/8/layout/orgChart1"/>
+    <dgm:cxn modelId="{21810748-E024-40C9-924F-556D9F15FC57}" srcId="{FDB73E2E-8229-4B81-84F7-4EAEDD7BC039}" destId="{F3A70688-F928-4D9D-8394-8134C6AA0C33}" srcOrd="0" destOrd="0" parTransId="{E4EE1ACF-B6B1-425F-94E6-AE3F79195B67}" sibTransId="{5F4F0652-380D-42C7-86EB-8047526A2149}"/>
+    <dgm:cxn modelId="{7971093B-049F-4B70-B26F-EA92ABBE9932}" type="presOf" srcId="{10DFD1AE-B84E-4BC3-AB3C-ED109122078B}" destId="{B0B0C68B-DA16-4B12-8F97-FE7853EDA1DE}" srcOrd="0" destOrd="0" presId="urn:microsoft.com/office/officeart/2005/8/layout/orgChart1"/>
+    <dgm:cxn modelId="{3FA4BC05-EDF1-429E-8E35-310EF477C081}" type="presOf" srcId="{785EE92E-B107-40A2-98D9-71390D2A33F0}" destId="{B2D38C96-EDAD-486F-A419-DE124EA8DE69}" srcOrd="0" destOrd="0" presId="urn:microsoft.com/office/officeart/2005/8/layout/orgChart1"/>
+    <dgm:cxn modelId="{131F6023-317E-451B-99EC-C34109B484B5}" type="presOf" srcId="{71C4292B-DED4-46A5-8A85-FFE464DD7BEB}" destId="{844F06C3-D1A1-4734-8AB9-C5FC408B45E9}" srcOrd="0" destOrd="0" presId="urn:microsoft.com/office/officeart/2005/8/layout/orgChart1"/>
+    <dgm:cxn modelId="{6C3867EB-699D-4C21-B289-3B15AF80FADC}" type="presOf" srcId="{7F54E24C-D986-4CE6-BECA-C6DB9CA3017B}" destId="{FAE2A438-73ED-4663-A56B-9C9D74FFB024}" srcOrd="1" destOrd="0" presId="urn:microsoft.com/office/officeart/2005/8/layout/orgChart1"/>
+    <dgm:cxn modelId="{7842A1DE-7689-448A-BA41-CC4928FB5E25}" type="presOf" srcId="{4C4458EA-5A97-40D4-B783-52AA55F695DB}" destId="{61D134F2-F30B-42D4-AA7E-3C8A198CD3AF}" srcOrd="0" destOrd="0" presId="urn:microsoft.com/office/officeart/2005/8/layout/orgChart1"/>
+    <dgm:cxn modelId="{C96FC46F-F913-4BFF-B8C3-BF3288214388}" type="presOf" srcId="{10DFD1AE-B84E-4BC3-AB3C-ED109122078B}" destId="{8E412BDD-BD39-466F-B64B-9D4C39F0DA48}" srcOrd="1" destOrd="0" presId="urn:microsoft.com/office/officeart/2005/8/layout/orgChart1"/>
+    <dgm:cxn modelId="{E2AEA864-75C9-4304-8DB7-AB294050D379}" type="presOf" srcId="{34F69F19-BDC0-414E-8EA1-5C137762A583}" destId="{461759D0-3931-4088-8AD1-5183E0C0F29B}" srcOrd="0" destOrd="0" presId="urn:microsoft.com/office/officeart/2005/8/layout/orgChart1"/>
+    <dgm:cxn modelId="{4BD0F14F-58A9-4200-B3D3-6D51B637BE2E}" type="presOf" srcId="{7F8F49D0-FDDA-498F-83B9-EF4D2E07CA2C}" destId="{6B68C190-3281-4247-B685-48A9B6F877C6}" srcOrd="1" destOrd="0" presId="urn:microsoft.com/office/officeart/2005/8/layout/orgChart1"/>
+    <dgm:cxn modelId="{8DDB0637-0CFD-431B-A638-5702E4A4D09E}" type="presOf" srcId="{4FA66C56-8BF5-4271-94E8-5894A7CFB0DD}" destId="{BDD90FF4-5599-4AB0-807E-7A3A6E8AE7BA}" srcOrd="0" destOrd="0" presId="urn:microsoft.com/office/officeart/2005/8/layout/orgChart1"/>
+    <dgm:cxn modelId="{793A7BE9-F598-4E03-8052-C56513D99401}" type="presOf" srcId="{1425B758-DEA2-4F01-AC4D-636715D3C9B5}" destId="{183BE953-B502-4590-B966-D8AD95E3805F}" srcOrd="0" destOrd="0" presId="urn:microsoft.com/office/officeart/2005/8/layout/orgChart1"/>
+    <dgm:cxn modelId="{40392672-91FF-4E98-A4A2-0CD639D1806E}" srcId="{7F54E24C-D986-4CE6-BECA-C6DB9CA3017B}" destId="{10DFD1AE-B84E-4BC3-AB3C-ED109122078B}" srcOrd="0" destOrd="0" parTransId="{B0B0EB76-7820-4F92-A2A1-2892F05528D1}" sibTransId="{D37AC793-BA5A-4332-8A87-D504D6B2301E}"/>
+    <dgm:cxn modelId="{8565EB77-117D-4DB0-9491-1BFA8B676D96}" srcId="{71C4292B-DED4-46A5-8A85-FFE464DD7BEB}" destId="{26A0E1D5-D193-462B-96B0-D6085BFFB12C}" srcOrd="1" destOrd="0" parTransId="{34F69F19-BDC0-414E-8EA1-5C137762A583}" sibTransId="{DB755309-07D9-40CB-AB53-EAE409164477}"/>
+    <dgm:cxn modelId="{A2E3F116-88F1-4206-804F-16F1E90B976D}" type="presOf" srcId="{C0BC0CAA-3853-48F1-90DA-4864E6D1BFA8}" destId="{151CCD83-50F0-4110-9497-26115DDCA3B9}" srcOrd="0" destOrd="0" presId="urn:microsoft.com/office/officeart/2005/8/layout/orgChart1"/>
+    <dgm:cxn modelId="{39022474-320D-4532-854E-A801573F3ACC}" srcId="{945C1132-7D97-4BD8-88F7-13903564E474}" destId="{03F87A64-5089-452D-BFC5-09BE3A3CFA03}" srcOrd="1" destOrd="0" parTransId="{B46F2D23-AC8F-4B26-8A0C-3D49C0FE238D}" sibTransId="{317E8F6F-233D-40C9-954A-5C4313CE1283}"/>
+    <dgm:cxn modelId="{93B99249-A5C7-41D8-B65A-B44A7261D4C0}" type="presOf" srcId="{1013B2A1-85F1-4D13-B71F-E935BF8DF3FF}" destId="{A2157778-9B6B-4982-8B6E-EDE7217709E6}" srcOrd="0" destOrd="0" presId="urn:microsoft.com/office/officeart/2005/8/layout/orgChart1"/>
+    <dgm:cxn modelId="{A23780E9-BB93-43F0-ACF4-668B3687559D}" srcId="{71C4292B-DED4-46A5-8A85-FFE464DD7BEB}" destId="{6163160A-E89C-4FD7-A21E-9191A4E74F49}" srcOrd="2" destOrd="0" parTransId="{ED843AF2-6A1E-40CA-BBD7-8F4823E8E2A2}" sibTransId="{E9B4EB7C-88E1-4F76-99D9-F983EE3CA605}"/>
+    <dgm:cxn modelId="{3096B152-7E47-4938-9D93-EF92C044F9D0}" type="presOf" srcId="{25699D91-0FA7-452F-91D3-02954849E7E1}" destId="{1065FBFF-DDFA-4AF3-91AB-BFDB62A360D9}" srcOrd="0" destOrd="0" presId="urn:microsoft.com/office/officeart/2005/8/layout/orgChart1"/>
+    <dgm:cxn modelId="{0A4E510E-5DA4-48E3-AC56-A4D3771CBEA6}" type="presOf" srcId="{B0B0EB76-7820-4F92-A2A1-2892F05528D1}" destId="{34F62DD5-1052-43B3-8EBB-DAEFA03131F2}" srcOrd="0" destOrd="0" presId="urn:microsoft.com/office/officeart/2005/8/layout/orgChart1"/>
+    <dgm:cxn modelId="{D628E722-9B11-4B71-BCCD-1BBA872B1E9A}" type="presOf" srcId="{B46F2D23-AC8F-4B26-8A0C-3D49C0FE238D}" destId="{FF0D9A6C-3A7B-4A40-87C4-0AB3ACC39E81}" srcOrd="0" destOrd="0" presId="urn:microsoft.com/office/officeart/2005/8/layout/orgChart1"/>
+    <dgm:cxn modelId="{17CADABC-E7F8-407C-81D0-873A18A7A0C3}" type="presOf" srcId="{61C2769A-E563-434C-A515-C856BAF14B1D}" destId="{932D3C89-6B17-4A87-AEDB-DCE76B9D6F36}" srcOrd="0" destOrd="0" presId="urn:microsoft.com/office/officeart/2005/8/layout/orgChart1"/>
+    <dgm:cxn modelId="{3E77942B-4A7D-4FB0-9833-AFBD03F76B50}" type="presOf" srcId="{59D8EB2A-7DEB-41DA-BA04-307C522BC04E}" destId="{558B13C0-44CE-455C-A7BC-F0C478F2D27C}" srcOrd="0" destOrd="0" presId="urn:microsoft.com/office/officeart/2005/8/layout/orgChart1"/>
+    <dgm:cxn modelId="{9577061B-0B76-4D90-812B-5F3D38C3920B}" srcId="{FDB73E2E-8229-4B81-84F7-4EAEDD7BC039}" destId="{71C4292B-DED4-46A5-8A85-FFE464DD7BEB}" srcOrd="1" destOrd="0" parTransId="{BDE7C457-3173-4C27-A90E-D80C63101430}" sibTransId="{FC5609C8-C23A-4EEA-9FD6-5B6A38AFEF2E}"/>
+    <dgm:cxn modelId="{044655BE-0068-49C1-85B6-344F87F0722A}" type="presOf" srcId="{BDE7C457-3173-4C27-A90E-D80C63101430}" destId="{78B49EE1-A953-4CA9-91A6-0ACF8DC7C457}" srcOrd="0" destOrd="0" presId="urn:microsoft.com/office/officeart/2005/8/layout/orgChart1"/>
+    <dgm:cxn modelId="{9B84C661-3AD6-4390-895C-64FD8928B980}" type="presOf" srcId="{2B118BBB-D843-42E0-8A72-800EB8E57854}" destId="{9A1BDE6D-F63E-44A9-B546-F6FB566021D3}" srcOrd="0" destOrd="0" presId="urn:microsoft.com/office/officeart/2005/8/layout/orgChart1"/>
+    <dgm:cxn modelId="{AC6C5FB6-8496-4039-9605-114BA6709916}" type="presOf" srcId="{4FA66C56-8BF5-4271-94E8-5894A7CFB0DD}" destId="{F80319B1-A056-44FE-951E-49FD404E8C7A}" srcOrd="1" destOrd="0" presId="urn:microsoft.com/office/officeart/2005/8/layout/orgChart1"/>
+    <dgm:cxn modelId="{C687FE52-A418-4726-AD47-10C95F770FB5}" type="presOf" srcId="{E4EE1ACF-B6B1-425F-94E6-AE3F79195B67}" destId="{4B677F4A-12F5-4B24-AE26-AE34028223AD}" srcOrd="0" destOrd="0" presId="urn:microsoft.com/office/officeart/2005/8/layout/orgChart1"/>
+    <dgm:cxn modelId="{67E955AD-9BF2-409D-B5AF-2094A37927C8}" type="presOf" srcId="{19F8CE35-A75F-4126-91A3-B6BBEE117D20}" destId="{B5FFA68C-A420-4E2D-81A6-B3BCF4097854}" srcOrd="1" destOrd="0" presId="urn:microsoft.com/office/officeart/2005/8/layout/orgChart1"/>
+    <dgm:cxn modelId="{C77B18AB-D526-48D9-837F-E2E5402D966D}" type="presOf" srcId="{FDB73E2E-8229-4B81-84F7-4EAEDD7BC039}" destId="{DE1E07C0-54EA-42A0-976C-C21DD28A25F3}" srcOrd="0" destOrd="0" presId="urn:microsoft.com/office/officeart/2005/8/layout/orgChart1"/>
+    <dgm:cxn modelId="{B3616821-19EB-4742-A503-A49EE94CA5F3}" type="presOf" srcId="{6163160A-E89C-4FD7-A21E-9191A4E74F49}" destId="{007F0051-0440-4814-A02A-7B72D8C688B1}" srcOrd="0" destOrd="0" presId="urn:microsoft.com/office/officeart/2005/8/layout/orgChart1"/>
+    <dgm:cxn modelId="{A2AFF393-4BBE-48B7-AD60-0DCBDB4011F4}" type="presOf" srcId="{97AE52A0-4672-49BD-BBDB-5FB857A273F3}" destId="{0FBA4F10-6B3C-4B5C-BB8E-AC2FAD34D08F}" srcOrd="0" destOrd="0" presId="urn:microsoft.com/office/officeart/2005/8/layout/orgChart1"/>
+    <dgm:cxn modelId="{C0D97287-8878-4849-9385-4D7CD68EF86A}" type="presOf" srcId="{945C1132-7D97-4BD8-88F7-13903564E474}" destId="{7DA1E3A6-4FE3-434D-BA52-F655E9C04179}" srcOrd="1" destOrd="0" presId="urn:microsoft.com/office/officeart/2005/8/layout/orgChart1"/>
+    <dgm:cxn modelId="{E015F202-D4A0-4A39-A0CC-7C2DC685BA11}" type="presOf" srcId="{38D44E36-A249-4AE2-8871-0AA28B7DF9BA}" destId="{F8B08D76-6C47-4585-BACC-4A006AA610E1}" srcOrd="0" destOrd="0" presId="urn:microsoft.com/office/officeart/2005/8/layout/orgChart1"/>
+    <dgm:cxn modelId="{B44A9C48-6F3B-4A18-9525-EA3321A2D9F7}" type="presOf" srcId="{2B118BBB-D843-42E0-8A72-800EB8E57854}" destId="{190B4781-F618-40FD-B594-2E70BAB01F6F}" srcOrd="1" destOrd="0" presId="urn:microsoft.com/office/officeart/2005/8/layout/orgChart1"/>
+    <dgm:cxn modelId="{0EB9E472-F868-40F4-910D-151C7F202D20}" srcId="{03F87A64-5089-452D-BFC5-09BE3A3CFA03}" destId="{5D724A45-8416-403A-846A-67D222F64FEB}" srcOrd="0" destOrd="0" parTransId="{B39615C1-2B88-4466-B377-ADF26F695F87}" sibTransId="{4F287419-68BB-4951-B09B-0722AE704E8C}"/>
+    <dgm:cxn modelId="{D335E25E-D306-4448-9D0B-45C59CFDC663}" srcId="{97AE52A0-4672-49BD-BBDB-5FB857A273F3}" destId="{7E50C87A-0B3E-4760-93B4-8A48B5576445}" srcOrd="0" destOrd="0" parTransId="{9BA585B9-31F4-4728-88CA-02CAA4B9E515}" sibTransId="{D1A794A6-0A9D-461D-BABF-ECB32696E163}"/>
+    <dgm:cxn modelId="{59F97569-AD1A-46C3-A4E5-D9466D866E07}" type="presOf" srcId="{7F54E24C-D986-4CE6-BECA-C6DB9CA3017B}" destId="{36414E22-B18F-42E1-AFCD-BB293E10E0CB}" srcOrd="0" destOrd="0" presId="urn:microsoft.com/office/officeart/2005/8/layout/orgChart1"/>
+    <dgm:cxn modelId="{076B6656-6420-4727-BD3B-9646E748B2E0}" type="presOf" srcId="{326352C7-E7FD-431F-8DFF-EEE72A36D37E}" destId="{26E2F12D-A4EB-4542-8790-A886C892FF08}" srcOrd="0" destOrd="0" presId="urn:microsoft.com/office/officeart/2005/8/layout/orgChart1"/>
+    <dgm:cxn modelId="{5955E0DF-DAA7-46D1-9E1B-2C61374F1C7D}" type="presOf" srcId="{ED843AF2-6A1E-40CA-BBD7-8F4823E8E2A2}" destId="{5CCC9681-1BFE-47F2-B6FF-103AEC18E6AC}" srcOrd="0" destOrd="0" presId="urn:microsoft.com/office/officeart/2005/8/layout/orgChart1"/>
+    <dgm:cxn modelId="{0DB9978C-38AA-4742-8CFC-0A9C3D9AC7E8}" type="presOf" srcId="{7E50C87A-0B3E-4760-93B4-8A48B5576445}" destId="{EE2AB050-6235-4992-9EFA-3B2AEC15AC6B}" srcOrd="0" destOrd="0" presId="urn:microsoft.com/office/officeart/2005/8/layout/orgChart1"/>
+    <dgm:cxn modelId="{5C0C2833-94A4-410E-A27B-C46C07B7FCED}" type="presOf" srcId="{7F8F49D0-FDDA-498F-83B9-EF4D2E07CA2C}" destId="{383BC4FD-39C5-44DA-8365-3D5E0F332FBB}" srcOrd="0" destOrd="0" presId="urn:microsoft.com/office/officeart/2005/8/layout/orgChart1"/>
+    <dgm:cxn modelId="{EB008B96-8B78-4536-8DFF-F330B763BBE6}" srcId="{2B118BBB-D843-42E0-8A72-800EB8E57854}" destId="{7F54E24C-D986-4CE6-BECA-C6DB9CA3017B}" srcOrd="0" destOrd="0" parTransId="{25699D91-0FA7-452F-91D3-02954849E7E1}" sibTransId="{E71CD657-B7CF-44A6-973F-49F15DC2BE24}"/>
+    <dgm:cxn modelId="{00216865-4A71-46E7-A473-9E310D3AE8CF}" type="presOf" srcId="{5D724A45-8416-403A-846A-67D222F64FEB}" destId="{79A27C9B-0766-48A2-B767-FFCFA6355F3D}" srcOrd="0" destOrd="0" presId="urn:microsoft.com/office/officeart/2005/8/layout/orgChart1"/>
+    <dgm:cxn modelId="{986AA6F3-966C-407C-B64D-2571E4600C8E}" type="presOf" srcId="{E2602E78-02E0-41E4-A2DD-C8FE37C49879}" destId="{88C8B171-F56F-4AA2-BCF0-072AC142BCC0}" srcOrd="0" destOrd="0" presId="urn:microsoft.com/office/officeart/2005/8/layout/orgChart1"/>
+    <dgm:cxn modelId="{8FB822CD-1B93-4396-809C-0305156F0D79}" type="presOf" srcId="{DBE716D2-725F-4A64-908C-12C4E31747F6}" destId="{3A0459FA-C8BE-407E-A460-CA861E4292F1}" srcOrd="0" destOrd="0" presId="urn:microsoft.com/office/officeart/2005/8/layout/orgChart1"/>
+    <dgm:cxn modelId="{D664576F-1A30-4C63-94E6-5FC5B7FE6DAF}" type="presOf" srcId="{7E50C87A-0B3E-4760-93B4-8A48B5576445}" destId="{55AE658B-C3AD-4E79-8E64-D07EFD86E966}" srcOrd="1" destOrd="0" presId="urn:microsoft.com/office/officeart/2005/8/layout/orgChart1"/>
+    <dgm:cxn modelId="{ADEBA918-CA3D-436D-AB3F-187D9A02BE5E}" type="presOf" srcId="{945C1132-7D97-4BD8-88F7-13903564E474}" destId="{A2F973BD-E5D4-4562-AE41-9A2662E20A66}" srcOrd="0" destOrd="0" presId="urn:microsoft.com/office/officeart/2005/8/layout/orgChart1"/>
+    <dgm:cxn modelId="{D1C9EB45-2DE2-4C41-BC6E-FFFAF2E21310}" type="presOf" srcId="{F3A70688-F928-4D9D-8394-8134C6AA0C33}" destId="{144CD013-A843-40F6-A872-52E5478EE316}" srcOrd="1" destOrd="0" presId="urn:microsoft.com/office/officeart/2005/8/layout/orgChart1"/>
+    <dgm:cxn modelId="{582B8AD1-51F7-4444-9E0E-7F8399C314D3}" type="presOf" srcId="{38D44E36-A249-4AE2-8871-0AA28B7DF9BA}" destId="{E5F258B3-2DD6-4C50-A25B-AC85303E5AC9}" srcOrd="1" destOrd="0" presId="urn:microsoft.com/office/officeart/2005/8/layout/orgChart1"/>
+    <dgm:cxn modelId="{81C7E3B3-CCA9-4F0E-9F8E-E09C35F3A110}" srcId="{945C1132-7D97-4BD8-88F7-13903564E474}" destId="{4FA66C56-8BF5-4271-94E8-5894A7CFB0DD}" srcOrd="3" destOrd="0" parTransId="{DBE716D2-725F-4A64-908C-12C4E31747F6}" sibTransId="{3F5CADA7-0C81-42C9-8C95-B9E87A86F94C}"/>
+    <dgm:cxn modelId="{2A0F0106-CD2A-48E6-A064-1F8FC3D8E5EE}" type="presOf" srcId="{71C4292B-DED4-46A5-8A85-FFE464DD7BEB}" destId="{FE5BCD6D-0222-490A-95AD-1A751FABD263}" srcOrd="1" destOrd="0" presId="urn:microsoft.com/office/officeart/2005/8/layout/orgChart1"/>
+    <dgm:cxn modelId="{B88582E4-AA4A-479F-BE61-9725B3138BB5}" type="presOf" srcId="{326352C7-E7FD-431F-8DFF-EEE72A36D37E}" destId="{9A3217EE-ED24-4EA4-8D67-B32DB9390903}" srcOrd="1" destOrd="0" presId="urn:microsoft.com/office/officeart/2005/8/layout/orgChart1"/>
+    <dgm:cxn modelId="{FBC6D3B2-CCC7-4B5E-991E-67A48DB7401B}" srcId="{F3A70688-F928-4D9D-8394-8134C6AA0C33}" destId="{7F8F49D0-FDDA-498F-83B9-EF4D2E07CA2C}" srcOrd="0" destOrd="0" parTransId="{C0BC0CAA-3853-48F1-90DA-4864E6D1BFA8}" sibTransId="{D5B7ADCF-63DC-45D8-9298-4197DF7BCDB3}"/>
     <dgm:cxn modelId="{F4722E47-F60E-47C6-924B-D65D115ACEFE}" type="presOf" srcId="{03F87A64-5089-452D-BFC5-09BE3A3CFA03}" destId="{2DD22A6F-D4A7-4F29-9DF7-9297BFC5C2AF}" srcOrd="1" destOrd="0" presId="urn:microsoft.com/office/officeart/2005/8/layout/orgChart1"/>
-    <dgm:cxn modelId="{17CADABC-E7F8-407C-81D0-873A18A7A0C3}" type="presOf" srcId="{61C2769A-E563-434C-A515-C856BAF14B1D}" destId="{932D3C89-6B17-4A87-AEDB-DCE76B9D6F36}" srcOrd="0" destOrd="0" presId="urn:microsoft.com/office/officeart/2005/8/layout/orgChart1"/>
-    <dgm:cxn modelId="{EB008B96-8B78-4536-8DFF-F330B763BBE6}" srcId="{2B118BBB-D843-42E0-8A72-800EB8E57854}" destId="{7F54E24C-D986-4CE6-BECA-C6DB9CA3017B}" srcOrd="0" destOrd="0" parTransId="{25699D91-0FA7-452F-91D3-02954849E7E1}" sibTransId="{E71CD657-B7CF-44A6-973F-49F15DC2BE24}"/>
-    <dgm:cxn modelId="{076B6656-6420-4727-BD3B-9646E748B2E0}" type="presOf" srcId="{326352C7-E7FD-431F-8DFF-EEE72A36D37E}" destId="{26E2F12D-A4EB-4542-8790-A886C892FF08}" srcOrd="0" destOrd="0" presId="urn:microsoft.com/office/officeart/2005/8/layout/orgChart1"/>
-    <dgm:cxn modelId="{ADEBA918-CA3D-436D-AB3F-187D9A02BE5E}" type="presOf" srcId="{945C1132-7D97-4BD8-88F7-13903564E474}" destId="{A2F973BD-E5D4-4562-AE41-9A2662E20A66}" srcOrd="0" destOrd="0" presId="urn:microsoft.com/office/officeart/2005/8/layout/orgChart1"/>
-    <dgm:cxn modelId="{8DDB0637-0CFD-431B-A638-5702E4A4D09E}" type="presOf" srcId="{4FA66C56-8BF5-4271-94E8-5894A7CFB0DD}" destId="{BDD90FF4-5599-4AB0-807E-7A3A6E8AE7BA}" srcOrd="0" destOrd="0" presId="urn:microsoft.com/office/officeart/2005/8/layout/orgChart1"/>
+    <dgm:cxn modelId="{EC2C8016-9B60-4664-AB26-C0540BECF9B2}" type="presOf" srcId="{FDB73E2E-8229-4B81-84F7-4EAEDD7BC039}" destId="{346FFFED-8797-4654-89BD-D482C3E3A1E2}" srcOrd="1" destOrd="0" presId="urn:microsoft.com/office/officeart/2005/8/layout/orgChart1"/>
+    <dgm:cxn modelId="{021D8420-FE7A-4FED-A916-9DA1CA571BFC}" type="presOf" srcId="{19F8CE35-A75F-4126-91A3-B6BBEE117D20}" destId="{1E186E43-56D7-4F5A-9A17-0F9567F84B52}" srcOrd="0" destOrd="0" presId="urn:microsoft.com/office/officeart/2005/8/layout/orgChart1"/>
     <dgm:cxn modelId="{1047D107-5BD6-4DE7-A0D8-B63BC95FDB8F}" srcId="{71C4292B-DED4-46A5-8A85-FFE464DD7BEB}" destId="{326352C7-E7FD-431F-8DFF-EEE72A36D37E}" srcOrd="0" destOrd="0" parTransId="{E2602E78-02E0-41E4-A2DD-C8FE37C49879}" sibTransId="{5F1F7054-781E-4745-8904-953F26E414F4}"/>
-    <dgm:cxn modelId="{4BD0F14F-58A9-4200-B3D3-6D51B637BE2E}" type="presOf" srcId="{7F8F49D0-FDDA-498F-83B9-EF4D2E07CA2C}" destId="{6B68C190-3281-4247-B685-48A9B6F877C6}" srcOrd="1" destOrd="0" presId="urn:microsoft.com/office/officeart/2005/8/layout/orgChart1"/>
-    <dgm:cxn modelId="{C96FC46F-F913-4BFF-B8C3-BF3288214388}" type="presOf" srcId="{10DFD1AE-B84E-4BC3-AB3C-ED109122078B}" destId="{8E412BDD-BD39-466F-B64B-9D4C39F0DA48}" srcOrd="1" destOrd="0" presId="urn:microsoft.com/office/officeart/2005/8/layout/orgChart1"/>
-    <dgm:cxn modelId="{FBC6D3B2-CCC7-4B5E-991E-67A48DB7401B}" srcId="{F3A70688-F928-4D9D-8394-8134C6AA0C33}" destId="{7F8F49D0-FDDA-498F-83B9-EF4D2E07CA2C}" srcOrd="0" destOrd="0" parTransId="{C0BC0CAA-3853-48F1-90DA-4864E6D1BFA8}" sibTransId="{D5B7ADCF-63DC-45D8-9298-4197DF7BCDB3}"/>
-    <dgm:cxn modelId="{D4272794-CCB8-4226-951D-DF5BADBA2F99}" type="presOf" srcId="{B39615C1-2B88-4466-B377-ADF26F695F87}" destId="{96D70B66-8DB3-48EE-8B2B-A93623A01AB5}" srcOrd="0" destOrd="0" presId="urn:microsoft.com/office/officeart/2005/8/layout/orgChart1"/>
-    <dgm:cxn modelId="{DE5F656F-988A-467E-BEB7-0CECE218E77E}" srcId="{945C1132-7D97-4BD8-88F7-13903564E474}" destId="{2B118BBB-D843-42E0-8A72-800EB8E57854}" srcOrd="2" destOrd="0" parTransId="{4C4458EA-5A97-40D4-B783-52AA55F695DB}" sibTransId="{51B86B28-B815-4EC1-A0E3-42069999FEC7}"/>
-    <dgm:cxn modelId="{B44A9C48-6F3B-4A18-9525-EA3321A2D9F7}" type="presOf" srcId="{2B118BBB-D843-42E0-8A72-800EB8E57854}" destId="{190B4781-F618-40FD-B594-2E70BAB01F6F}" srcOrd="1" destOrd="0" presId="urn:microsoft.com/office/officeart/2005/8/layout/orgChart1"/>
-    <dgm:cxn modelId="{6C3867EB-699D-4C21-B289-3B15AF80FADC}" type="presOf" srcId="{7F54E24C-D986-4CE6-BECA-C6DB9CA3017B}" destId="{FAE2A438-73ED-4663-A56B-9C9D74FFB024}" srcOrd="1" destOrd="0" presId="urn:microsoft.com/office/officeart/2005/8/layout/orgChart1"/>
-    <dgm:cxn modelId="{1815BC2D-4261-424A-A191-3497CC5D0E40}" type="presOf" srcId="{2969E488-A606-4FA6-AF9D-9B06AD30E469}" destId="{EFB10B4D-C2E2-4C12-93E1-11EEC999F6F5}" srcOrd="0" destOrd="0" presId="urn:microsoft.com/office/officeart/2005/8/layout/orgChart1"/>
-    <dgm:cxn modelId="{40392672-91FF-4E98-A4A2-0CD639D1806E}" srcId="{7F54E24C-D986-4CE6-BECA-C6DB9CA3017B}" destId="{10DFD1AE-B84E-4BC3-AB3C-ED109122078B}" srcOrd="0" destOrd="0" parTransId="{B0B0EB76-7820-4F92-A2A1-2892F05528D1}" sibTransId="{D37AC793-BA5A-4332-8A87-D504D6B2301E}"/>
-    <dgm:cxn modelId="{A23780E9-BB93-43F0-ACF4-668B3687559D}" srcId="{71C4292B-DED4-46A5-8A85-FFE464DD7BEB}" destId="{6163160A-E89C-4FD7-A21E-9191A4E74F49}" srcOrd="2" destOrd="0" parTransId="{ED843AF2-6A1E-40CA-BBD7-8F4823E8E2A2}" sibTransId="{E9B4EB7C-88E1-4F76-99D9-F983EE3CA605}"/>
-    <dgm:cxn modelId="{D628E722-9B11-4B71-BCCD-1BBA872B1E9A}" type="presOf" srcId="{B46F2D23-AC8F-4B26-8A0C-3D49C0FE238D}" destId="{FF0D9A6C-3A7B-4A40-87C4-0AB3ACC39E81}" srcOrd="0" destOrd="0" presId="urn:microsoft.com/office/officeart/2005/8/layout/orgChart1"/>
-    <dgm:cxn modelId="{8FB822CD-1B93-4396-809C-0305156F0D79}" type="presOf" srcId="{DBE716D2-725F-4A64-908C-12C4E31747F6}" destId="{3A0459FA-C8BE-407E-A460-CA861E4292F1}" srcOrd="0" destOrd="0" presId="urn:microsoft.com/office/officeart/2005/8/layout/orgChart1"/>
-    <dgm:cxn modelId="{39022474-320D-4532-854E-A801573F3ACC}" srcId="{945C1132-7D97-4BD8-88F7-13903564E474}" destId="{03F87A64-5089-452D-BFC5-09BE3A3CFA03}" srcOrd="1" destOrd="0" parTransId="{B46F2D23-AC8F-4B26-8A0C-3D49C0FE238D}" sibTransId="{317E8F6F-233D-40C9-954A-5C4313CE1283}"/>
-    <dgm:cxn modelId="{C77B18AB-D526-48D9-837F-E2E5402D966D}" type="presOf" srcId="{FDB73E2E-8229-4B81-84F7-4EAEDD7BC039}" destId="{DE1E07C0-54EA-42A0-976C-C21DD28A25F3}" srcOrd="0" destOrd="0" presId="urn:microsoft.com/office/officeart/2005/8/layout/orgChart1"/>
-    <dgm:cxn modelId="{59F97569-AD1A-46C3-A4E5-D9466D866E07}" type="presOf" srcId="{7F54E24C-D986-4CE6-BECA-C6DB9CA3017B}" destId="{36414E22-B18F-42E1-AFCD-BB293E10E0CB}" srcOrd="0" destOrd="0" presId="urn:microsoft.com/office/officeart/2005/8/layout/orgChart1"/>
-    <dgm:cxn modelId="{3FA4BC05-EDF1-429E-8E35-310EF477C081}" type="presOf" srcId="{785EE92E-B107-40A2-98D9-71390D2A33F0}" destId="{B2D38C96-EDAD-486F-A419-DE124EA8DE69}" srcOrd="0" destOrd="0" presId="urn:microsoft.com/office/officeart/2005/8/layout/orgChart1"/>
-    <dgm:cxn modelId="{D664576F-1A30-4C63-94E6-5FC5B7FE6DAF}" type="presOf" srcId="{7E50C87A-0B3E-4760-93B4-8A48B5576445}" destId="{55AE658B-C3AD-4E79-8E64-D07EFD86E966}" srcOrd="1" destOrd="0" presId="urn:microsoft.com/office/officeart/2005/8/layout/orgChart1"/>
-    <dgm:cxn modelId="{21810748-E024-40C9-924F-556D9F15FC57}" srcId="{FDB73E2E-8229-4B81-84F7-4EAEDD7BC039}" destId="{F3A70688-F928-4D9D-8394-8134C6AA0C33}" srcOrd="0" destOrd="0" parTransId="{E4EE1ACF-B6B1-425F-94E6-AE3F79195B67}" sibTransId="{5F4F0652-380D-42C7-86EB-8047526A2149}"/>
-    <dgm:cxn modelId="{21B30B7E-0FBD-4BE5-B6DE-C9C87CBD5011}" srcId="{2B118BBB-D843-42E0-8A72-800EB8E57854}" destId="{2969E488-A606-4FA6-AF9D-9B06AD30E469}" srcOrd="1" destOrd="0" parTransId="{61C2769A-E563-434C-A515-C856BAF14B1D}" sibTransId="{A7C227A8-D6A1-4102-88F5-04302D5932C7}"/>
+    <dgm:cxn modelId="{530BF506-5E16-44B3-9AF5-7AD2389EF91B}" type="presOf" srcId="{26A0E1D5-D193-462B-96B0-D6085BFFB12C}" destId="{FA5460B7-F2C6-4079-843D-CFA6C5982384}" srcOrd="0" destOrd="0" presId="urn:microsoft.com/office/officeart/2005/8/layout/orgChart1"/>
+    <dgm:cxn modelId="{C0FC393A-AD03-470D-8816-1710C1FADD85}" type="presOf" srcId="{26A0E1D5-D193-462B-96B0-D6085BFFB12C}" destId="{A5149936-CACE-49EB-8894-B0148CD291C6}" srcOrd="1" destOrd="0" presId="urn:microsoft.com/office/officeart/2005/8/layout/orgChart1"/>
+    <dgm:cxn modelId="{5553594E-D169-4A77-B4F6-4C5FAF03E48B}" type="presOf" srcId="{F3A70688-F928-4D9D-8394-8134C6AA0C33}" destId="{93929061-9531-47E5-95F8-8905AFDA3591}" srcOrd="0" destOrd="0" presId="urn:microsoft.com/office/officeart/2005/8/layout/orgChart1"/>
     <dgm:cxn modelId="{524FBB5A-C3A7-4F3F-B58E-63097F1AA10E}" srcId="{F3A70688-F928-4D9D-8394-8134C6AA0C33}" destId="{38D44E36-A249-4AE2-8871-0AA28B7DF9BA}" srcOrd="1" destOrd="0" parTransId="{1013B2A1-85F1-4D13-B71F-E935BF8DF3FF}" sibTransId="{96E5258E-A67D-47E8-B1E5-8769CFA1DB55}"/>
-    <dgm:cxn modelId="{15D582AC-A8B8-479C-BF0E-72A0484CECDC}" type="presOf" srcId="{2969E488-A606-4FA6-AF9D-9B06AD30E469}" destId="{4545232F-77AE-4609-A7AB-108A88459780}" srcOrd="1" destOrd="0" presId="urn:microsoft.com/office/officeart/2005/8/layout/orgChart1"/>
-    <dgm:cxn modelId="{0DB9978C-38AA-4742-8CFC-0A9C3D9AC7E8}" type="presOf" srcId="{7E50C87A-0B3E-4760-93B4-8A48B5576445}" destId="{EE2AB050-6235-4992-9EFA-3B2AEC15AC6B}" srcOrd="0" destOrd="0" presId="urn:microsoft.com/office/officeart/2005/8/layout/orgChart1"/>
-    <dgm:cxn modelId="{3096B152-7E47-4938-9D93-EF92C044F9D0}" type="presOf" srcId="{25699D91-0FA7-452F-91D3-02954849E7E1}" destId="{1065FBFF-DDFA-4AF3-91AB-BFDB62A360D9}" srcOrd="0" destOrd="0" presId="urn:microsoft.com/office/officeart/2005/8/layout/orgChart1"/>
-    <dgm:cxn modelId="{C687FE52-A418-4726-AD47-10C95F770FB5}" type="presOf" srcId="{E4EE1ACF-B6B1-425F-94E6-AE3F79195B67}" destId="{4B677F4A-12F5-4B24-AE26-AE34028223AD}" srcOrd="0" destOrd="0" presId="urn:microsoft.com/office/officeart/2005/8/layout/orgChart1"/>
-    <dgm:cxn modelId="{7842A1DE-7689-448A-BA41-CC4928FB5E25}" type="presOf" srcId="{4C4458EA-5A97-40D4-B783-52AA55F695DB}" destId="{61D134F2-F30B-42D4-AA7E-3C8A198CD3AF}" srcOrd="0" destOrd="0" presId="urn:microsoft.com/office/officeart/2005/8/layout/orgChart1"/>
-    <dgm:cxn modelId="{8E90EAD4-7719-4E5F-9297-2CF7F69DF47C}" type="presOf" srcId="{6163160A-E89C-4FD7-A21E-9191A4E74F49}" destId="{FECBF60F-6947-49A2-BBC5-86997D821BB1}" srcOrd="1" destOrd="0" presId="urn:microsoft.com/office/officeart/2005/8/layout/orgChart1"/>
-    <dgm:cxn modelId="{757C8476-9E9B-4B09-AF4D-E09851583752}" srcId="{7F54E24C-D986-4CE6-BECA-C6DB9CA3017B}" destId="{19F8CE35-A75F-4126-91A3-B6BBEE117D20}" srcOrd="1" destOrd="0" parTransId="{785EE92E-B107-40A2-98D9-71390D2A33F0}" sibTransId="{23362244-8668-4DCE-89B0-BB417E237ED2}"/>
-    <dgm:cxn modelId="{C0D97287-8878-4849-9385-4D7CD68EF86A}" type="presOf" srcId="{945C1132-7D97-4BD8-88F7-13903564E474}" destId="{7DA1E3A6-4FE3-434D-BA52-F655E9C04179}" srcOrd="1" destOrd="0" presId="urn:microsoft.com/office/officeart/2005/8/layout/orgChart1"/>
-    <dgm:cxn modelId="{986AA6F3-966C-407C-B64D-2571E4600C8E}" type="presOf" srcId="{E2602E78-02E0-41E4-A2DD-C8FE37C49879}" destId="{88C8B171-F56F-4AA2-BCF0-072AC142BCC0}" srcOrd="0" destOrd="0" presId="urn:microsoft.com/office/officeart/2005/8/layout/orgChart1"/>
-    <dgm:cxn modelId="{E2AEA864-75C9-4304-8DB7-AB294050D379}" type="presOf" srcId="{34F69F19-BDC0-414E-8EA1-5C137762A583}" destId="{461759D0-3931-4088-8AD1-5183E0C0F29B}" srcOrd="0" destOrd="0" presId="urn:microsoft.com/office/officeart/2005/8/layout/orgChart1"/>
-    <dgm:cxn modelId="{0A4E510E-5DA4-48E3-AC56-A4D3771CBEA6}" type="presOf" srcId="{B0B0EB76-7820-4F92-A2A1-2892F05528D1}" destId="{34F62DD5-1052-43B3-8EBB-DAEFA03131F2}" srcOrd="0" destOrd="0" presId="urn:microsoft.com/office/officeart/2005/8/layout/orgChart1"/>
-    <dgm:cxn modelId="{AC6C5FB6-8496-4039-9605-114BA6709916}" type="presOf" srcId="{4FA66C56-8BF5-4271-94E8-5894A7CFB0DD}" destId="{F80319B1-A056-44FE-951E-49FD404E8C7A}" srcOrd="1" destOrd="0" presId="urn:microsoft.com/office/officeart/2005/8/layout/orgChart1"/>
-    <dgm:cxn modelId="{D1C9EB45-2DE2-4C41-BC6E-FFFAF2E21310}" type="presOf" srcId="{F3A70688-F928-4D9D-8394-8134C6AA0C33}" destId="{144CD013-A843-40F6-A872-52E5478EE316}" srcOrd="1" destOrd="0" presId="urn:microsoft.com/office/officeart/2005/8/layout/orgChart1"/>
-    <dgm:cxn modelId="{B3616821-19EB-4742-A503-A49EE94CA5F3}" type="presOf" srcId="{6163160A-E89C-4FD7-A21E-9191A4E74F49}" destId="{007F0051-0440-4814-A02A-7B72D8C688B1}" srcOrd="0" destOrd="0" presId="urn:microsoft.com/office/officeart/2005/8/layout/orgChart1"/>
-    <dgm:cxn modelId="{E015F202-D4A0-4A39-A0CC-7C2DC685BA11}" type="presOf" srcId="{38D44E36-A249-4AE2-8871-0AA28B7DF9BA}" destId="{F8B08D76-6C47-4585-BACC-4A006AA610E1}" srcOrd="0" destOrd="0" presId="urn:microsoft.com/office/officeart/2005/8/layout/orgChart1"/>
-    <dgm:cxn modelId="{8286145D-2E09-40F5-9C1F-72BABFD75B08}" type="presOf" srcId="{5D724A45-8416-403A-846A-67D222F64FEB}" destId="{DAB1A021-F421-4FF9-A748-622F02A8FFD6}" srcOrd="1" destOrd="0" presId="urn:microsoft.com/office/officeart/2005/8/layout/orgChart1"/>
-    <dgm:cxn modelId="{C0FC393A-AD03-470D-8816-1710C1FADD85}" type="presOf" srcId="{26A0E1D5-D193-462B-96B0-D6085BFFB12C}" destId="{A5149936-CACE-49EB-8894-B0148CD291C6}" srcOrd="1" destOrd="0" presId="urn:microsoft.com/office/officeart/2005/8/layout/orgChart1"/>
-    <dgm:cxn modelId="{4CF19966-72C6-44E4-9887-9ADCA8E26B75}" srcId="{945C1132-7D97-4BD8-88F7-13903564E474}" destId="{FDB73E2E-8229-4B81-84F7-4EAEDD7BC039}" srcOrd="0" destOrd="0" parTransId="{59D8EB2A-7DEB-41DA-BA04-307C522BC04E}" sibTransId="{C4CBA7FE-C2F3-4DEA-9BFC-FBE871AC7A3D}"/>
-    <dgm:cxn modelId="{021D8420-FE7A-4FED-A916-9DA1CA571BFC}" type="presOf" srcId="{19F8CE35-A75F-4126-91A3-B6BBEE117D20}" destId="{1E186E43-56D7-4F5A-9A17-0F9567F84B52}" srcOrd="0" destOrd="0" presId="urn:microsoft.com/office/officeart/2005/8/layout/orgChart1"/>
-    <dgm:cxn modelId="{5DF76388-91B4-48D3-BDDF-8B55CC579F0C}" srcId="{7E50C87A-0B3E-4760-93B4-8A48B5576445}" destId="{945C1132-7D97-4BD8-88F7-13903564E474}" srcOrd="0" destOrd="0" parTransId="{1425B758-DEA2-4F01-AC4D-636715D3C9B5}" sibTransId="{D5D011D7-E58F-462B-B81E-3B7499D9D51A}"/>
-    <dgm:cxn modelId="{131F6023-317E-451B-99EC-C34109B484B5}" type="presOf" srcId="{71C4292B-DED4-46A5-8A85-FFE464DD7BEB}" destId="{844F06C3-D1A1-4734-8AB9-C5FC408B45E9}" srcOrd="0" destOrd="0" presId="urn:microsoft.com/office/officeart/2005/8/layout/orgChart1"/>
-    <dgm:cxn modelId="{530BF506-5E16-44B3-9AF5-7AD2389EF91B}" type="presOf" srcId="{26A0E1D5-D193-462B-96B0-D6085BFFB12C}" destId="{FA5460B7-F2C6-4079-843D-CFA6C5982384}" srcOrd="0" destOrd="0" presId="urn:microsoft.com/office/officeart/2005/8/layout/orgChart1"/>
-    <dgm:cxn modelId="{3E77942B-4A7D-4FB0-9833-AFBD03F76B50}" type="presOf" srcId="{59D8EB2A-7DEB-41DA-BA04-307C522BC04E}" destId="{558B13C0-44CE-455C-A7BC-F0C478F2D27C}" srcOrd="0" destOrd="0" presId="urn:microsoft.com/office/officeart/2005/8/layout/orgChart1"/>
-    <dgm:cxn modelId="{582B8AD1-51F7-4444-9E0E-7F8399C314D3}" type="presOf" srcId="{38D44E36-A249-4AE2-8871-0AA28B7DF9BA}" destId="{E5F258B3-2DD6-4C50-A25B-AC85303E5AC9}" srcOrd="1" destOrd="0" presId="urn:microsoft.com/office/officeart/2005/8/layout/orgChart1"/>
-    <dgm:cxn modelId="{5C0C2833-94A4-410E-A27B-C46C07B7FCED}" type="presOf" srcId="{7F8F49D0-FDDA-498F-83B9-EF4D2E07CA2C}" destId="{383BC4FD-39C5-44DA-8365-3D5E0F332FBB}" srcOrd="0" destOrd="0" presId="urn:microsoft.com/office/officeart/2005/8/layout/orgChart1"/>
-    <dgm:cxn modelId="{93B99249-A5C7-41D8-B65A-B44A7261D4C0}" type="presOf" srcId="{1013B2A1-85F1-4D13-B71F-E935BF8DF3FF}" destId="{A2157778-9B6B-4982-8B6E-EDE7217709E6}" srcOrd="0" destOrd="0" presId="urn:microsoft.com/office/officeart/2005/8/layout/orgChart1"/>
-    <dgm:cxn modelId="{5553594E-D169-4A77-B4F6-4C5FAF03E48B}" type="presOf" srcId="{F3A70688-F928-4D9D-8394-8134C6AA0C33}" destId="{93929061-9531-47E5-95F8-8905AFDA3591}" srcOrd="0" destOrd="0" presId="urn:microsoft.com/office/officeart/2005/8/layout/orgChart1"/>
-    <dgm:cxn modelId="{5955E0DF-DAA7-46D1-9E1B-2C61374F1C7D}" type="presOf" srcId="{ED843AF2-6A1E-40CA-BBD7-8F4823E8E2A2}" destId="{5CCC9681-1BFE-47F2-B6FF-103AEC18E6AC}" srcOrd="0" destOrd="0" presId="urn:microsoft.com/office/officeart/2005/8/layout/orgChart1"/>
-    <dgm:cxn modelId="{B88582E4-AA4A-479F-BE61-9725B3138BB5}" type="presOf" srcId="{326352C7-E7FD-431F-8DFF-EEE72A36D37E}" destId="{9A3217EE-ED24-4EA4-8D67-B32DB9390903}" srcOrd="1" destOrd="0" presId="urn:microsoft.com/office/officeart/2005/8/layout/orgChart1"/>
-    <dgm:cxn modelId="{8565EB77-117D-4DB0-9491-1BFA8B676D96}" srcId="{71C4292B-DED4-46A5-8A85-FFE464DD7BEB}" destId="{26A0E1D5-D193-462B-96B0-D6085BFFB12C}" srcOrd="1" destOrd="0" parTransId="{34F69F19-BDC0-414E-8EA1-5C137762A583}" sibTransId="{DB755309-07D9-40CB-AB53-EAE409164477}"/>
-    <dgm:cxn modelId="{0EB9E472-F868-40F4-910D-151C7F202D20}" srcId="{03F87A64-5089-452D-BFC5-09BE3A3CFA03}" destId="{5D724A45-8416-403A-846A-67D222F64FEB}" srcOrd="0" destOrd="0" parTransId="{B39615C1-2B88-4466-B377-ADF26F695F87}" sibTransId="{4F287419-68BB-4951-B09B-0722AE704E8C}"/>
-    <dgm:cxn modelId="{2A0F0106-CD2A-48E6-A064-1F8FC3D8E5EE}" type="presOf" srcId="{71C4292B-DED4-46A5-8A85-FFE464DD7BEB}" destId="{FE5BCD6D-0222-490A-95AD-1A751FABD263}" srcOrd="1" destOrd="0" presId="urn:microsoft.com/office/officeart/2005/8/layout/orgChart1"/>
-    <dgm:cxn modelId="{9577061B-0B76-4D90-812B-5F3D38C3920B}" srcId="{FDB73E2E-8229-4B81-84F7-4EAEDD7BC039}" destId="{71C4292B-DED4-46A5-8A85-FFE464DD7BEB}" srcOrd="1" destOrd="0" parTransId="{BDE7C457-3173-4C27-A90E-D80C63101430}" sibTransId="{FC5609C8-C23A-4EEA-9FD6-5B6A38AFEF2E}"/>
-    <dgm:cxn modelId="{D335E25E-D306-4448-9D0B-45C59CFDC663}" srcId="{97AE52A0-4672-49BD-BBDB-5FB857A273F3}" destId="{7E50C87A-0B3E-4760-93B4-8A48B5576445}" srcOrd="0" destOrd="0" parTransId="{9BA585B9-31F4-4728-88CA-02CAA4B9E515}" sibTransId="{D1A794A6-0A9D-461D-BABF-ECB32696E163}"/>
-    <dgm:cxn modelId="{81C7E3B3-CCA9-4F0E-9F8E-E09C35F3A110}" srcId="{945C1132-7D97-4BD8-88F7-13903564E474}" destId="{4FA66C56-8BF5-4271-94E8-5894A7CFB0DD}" srcOrd="3" destOrd="0" parTransId="{DBE716D2-725F-4A64-908C-12C4E31747F6}" sibTransId="{3F5CADA7-0C81-42C9-8C95-B9E87A86F94C}"/>
-    <dgm:cxn modelId="{7971093B-049F-4B70-B26F-EA92ABBE9932}" type="presOf" srcId="{10DFD1AE-B84E-4BC3-AB3C-ED109122078B}" destId="{B0B0C68B-DA16-4B12-8F97-FE7853EDA1DE}" srcOrd="0" destOrd="0" presId="urn:microsoft.com/office/officeart/2005/8/layout/orgChart1"/>
-    <dgm:cxn modelId="{044655BE-0068-49C1-85B6-344F87F0722A}" type="presOf" srcId="{BDE7C457-3173-4C27-A90E-D80C63101430}" destId="{78B49EE1-A953-4CA9-91A6-0ACF8DC7C457}" srcOrd="0" destOrd="0" presId="urn:microsoft.com/office/officeart/2005/8/layout/orgChart1"/>
-    <dgm:cxn modelId="{67E955AD-9BF2-409D-B5AF-2094A37927C8}" type="presOf" srcId="{19F8CE35-A75F-4126-91A3-B6BBEE117D20}" destId="{B5FFA68C-A420-4E2D-81A6-B3BCF4097854}" srcOrd="1" destOrd="0" presId="urn:microsoft.com/office/officeart/2005/8/layout/orgChart1"/>
-    <dgm:cxn modelId="{EC2C8016-9B60-4664-AB26-C0540BECF9B2}" type="presOf" srcId="{FDB73E2E-8229-4B81-84F7-4EAEDD7BC039}" destId="{346FFFED-8797-4654-89BD-D482C3E3A1E2}" srcOrd="1" destOrd="0" presId="urn:microsoft.com/office/officeart/2005/8/layout/orgChart1"/>
-    <dgm:cxn modelId="{A2AFF393-4BBE-48B7-AD60-0DCBDB4011F4}" type="presOf" srcId="{97AE52A0-4672-49BD-BBDB-5FB857A273F3}" destId="{0FBA4F10-6B3C-4B5C-BB8E-AC2FAD34D08F}" srcOrd="0" destOrd="0" presId="urn:microsoft.com/office/officeart/2005/8/layout/orgChart1"/>
-    <dgm:cxn modelId="{793A7BE9-F598-4E03-8052-C56513D99401}" type="presOf" srcId="{1425B758-DEA2-4F01-AC4D-636715D3C9B5}" destId="{183BE953-B502-4590-B966-D8AD95E3805F}" srcOrd="0" destOrd="0" presId="urn:microsoft.com/office/officeart/2005/8/layout/orgChart1"/>
-    <dgm:cxn modelId="{25F36C93-4080-4079-AA34-44E572F05F02}" type="presOf" srcId="{03F87A64-5089-452D-BFC5-09BE3A3CFA03}" destId="{712DE049-E793-480B-AD3F-183528C8DBB0}" srcOrd="0" destOrd="0" presId="urn:microsoft.com/office/officeart/2005/8/layout/orgChart1"/>
-    <dgm:cxn modelId="{9B84C661-3AD6-4390-895C-64FD8928B980}" type="presOf" srcId="{2B118BBB-D843-42E0-8A72-800EB8E57854}" destId="{9A1BDE6D-F63E-44A9-B546-F6FB566021D3}" srcOrd="0" destOrd="0" presId="urn:microsoft.com/office/officeart/2005/8/layout/orgChart1"/>
-    <dgm:cxn modelId="{A2E3F116-88F1-4206-804F-16F1E90B976D}" type="presOf" srcId="{C0BC0CAA-3853-48F1-90DA-4864E6D1BFA8}" destId="{151CCD83-50F0-4110-9497-26115DDCA3B9}" srcOrd="0" destOrd="0" presId="urn:microsoft.com/office/officeart/2005/8/layout/orgChart1"/>
-    <dgm:cxn modelId="{00216865-4A71-46E7-A473-9E310D3AE8CF}" type="presOf" srcId="{5D724A45-8416-403A-846A-67D222F64FEB}" destId="{79A27C9B-0766-48A2-B767-FFCFA6355F3D}" srcOrd="0" destOrd="0" presId="urn:microsoft.com/office/officeart/2005/8/layout/orgChart1"/>
     <dgm:cxn modelId="{920D16B8-1525-4E82-87DB-3252B95F65AC}" type="presParOf" srcId="{0FBA4F10-6B3C-4B5C-BB8E-AC2FAD34D08F}" destId="{F2FD308B-F5DA-46E0-9474-B4E03BAB118E}" srcOrd="0" destOrd="0" presId="urn:microsoft.com/office/officeart/2005/8/layout/orgChart1"/>
     <dgm:cxn modelId="{527FE367-6FFB-4021-A22D-D65950625C6C}" type="presParOf" srcId="{F2FD308B-F5DA-46E0-9474-B4E03BAB118E}" destId="{D606C1EB-6241-493D-9C93-C21BB8DD298E}" srcOrd="0" destOrd="0" presId="urn:microsoft.com/office/officeart/2005/8/layout/orgChart1"/>
     <dgm:cxn modelId="{1C6AB64C-7074-45C3-BCAB-11A9E59949A3}" type="presParOf" srcId="{D606C1EB-6241-493D-9C93-C21BB8DD298E}" destId="{EE2AB050-6235-4992-9EFA-3B2AEC15AC6B}" srcOrd="0" destOrd="0" presId="urn:microsoft.com/office/officeart/2005/8/layout/orgChart1"/>
@@ -3892,12 +3598,12 @@
             </a:spcAft>
           </a:pPr>
           <a:r>
-            <a:rPr lang="es-CL" sz="1000" kern="1200" smtClean="0"/>
+            <a:rPr lang="es-CL" sz="1000" kern="1200" dirty="0" smtClean="0"/>
             <a:t>Proyecto </a:t>
           </a:r>
           <a:r>
-            <a:rPr lang="es-CL" sz="1000" kern="1200" smtClean="0"/>
-            <a:t>BlindSteep</a:t>
+            <a:rPr lang="es-CL" sz="1000" kern="1200" dirty="0" err="1" smtClean="0"/>
+            <a:t>BlindSteps</a:t>
           </a:r>
           <a:endParaRPr lang="es-CL" sz="1000" kern="1200" dirty="0"/>
         </a:p>
@@ -7558,7 +7264,7 @@
           <a:p>
             <a:fld id="{465272A0-D44B-4EFF-9000-FBC503384E79}" type="datetimeFigureOut">
               <a:rPr lang="es-CL" smtClean="0"/>
-              <a:t>28-05-14</a:t>
+              <a:t>23-05-2014</a:t>
             </a:fld>
             <a:endParaRPr lang="es-CL"/>
           </a:p>
@@ -7600,7 +7306,7 @@
           <a:p>
             <a:fld id="{28A6E7A3-04B6-40E8-93B1-AD544A819E12}" type="slidenum">
               <a:rPr lang="es-CL" smtClean="0"/>
-              <a:t>‹Nr.›</a:t>
+              <a:t>‹Nº›</a:t>
             </a:fld>
             <a:endParaRPr lang="es-CL"/>
           </a:p>
@@ -7728,7 +7434,7 @@
           <a:p>
             <a:fld id="{465272A0-D44B-4EFF-9000-FBC503384E79}" type="datetimeFigureOut">
               <a:rPr lang="es-CL" smtClean="0"/>
-              <a:t>28-05-14</a:t>
+              <a:t>23-05-2014</a:t>
             </a:fld>
             <a:endParaRPr lang="es-CL"/>
           </a:p>
@@ -7770,7 +7476,7 @@
           <a:p>
             <a:fld id="{28A6E7A3-04B6-40E8-93B1-AD544A819E12}" type="slidenum">
               <a:rPr lang="es-CL" smtClean="0"/>
-              <a:t>‹Nr.›</a:t>
+              <a:t>‹Nº›</a:t>
             </a:fld>
             <a:endParaRPr lang="es-CL"/>
           </a:p>
@@ -7908,7 +7614,7 @@
           <a:p>
             <a:fld id="{465272A0-D44B-4EFF-9000-FBC503384E79}" type="datetimeFigureOut">
               <a:rPr lang="es-CL" smtClean="0"/>
-              <a:t>28-05-14</a:t>
+              <a:t>23-05-2014</a:t>
             </a:fld>
             <a:endParaRPr lang="es-CL"/>
           </a:p>
@@ -7950,7 +7656,7 @@
           <a:p>
             <a:fld id="{28A6E7A3-04B6-40E8-93B1-AD544A819E12}" type="slidenum">
               <a:rPr lang="es-CL" smtClean="0"/>
-              <a:t>‹Nr.›</a:t>
+              <a:t>‹Nº›</a:t>
             </a:fld>
             <a:endParaRPr lang="es-CL"/>
           </a:p>
@@ -8078,7 +7784,7 @@
           <a:p>
             <a:fld id="{465272A0-D44B-4EFF-9000-FBC503384E79}" type="datetimeFigureOut">
               <a:rPr lang="es-CL" smtClean="0"/>
-              <a:t>28-05-14</a:t>
+              <a:t>23-05-2014</a:t>
             </a:fld>
             <a:endParaRPr lang="es-CL"/>
           </a:p>
@@ -8120,7 +7826,7 @@
           <a:p>
             <a:fld id="{28A6E7A3-04B6-40E8-93B1-AD544A819E12}" type="slidenum">
               <a:rPr lang="es-CL" smtClean="0"/>
-              <a:t>‹Nr.›</a:t>
+              <a:t>‹Nº›</a:t>
             </a:fld>
             <a:endParaRPr lang="es-CL"/>
           </a:p>
@@ -8324,7 +8030,7 @@
           <a:p>
             <a:fld id="{465272A0-D44B-4EFF-9000-FBC503384E79}" type="datetimeFigureOut">
               <a:rPr lang="es-CL" smtClean="0"/>
-              <a:t>28-05-14</a:t>
+              <a:t>23-05-2014</a:t>
             </a:fld>
             <a:endParaRPr lang="es-CL"/>
           </a:p>
@@ -8366,7 +8072,7 @@
           <a:p>
             <a:fld id="{28A6E7A3-04B6-40E8-93B1-AD544A819E12}" type="slidenum">
               <a:rPr lang="es-CL" smtClean="0"/>
-              <a:t>‹Nr.›</a:t>
+              <a:t>‹Nº›</a:t>
             </a:fld>
             <a:endParaRPr lang="es-CL"/>
           </a:p>
@@ -8556,7 +8262,7 @@
           <a:p>
             <a:fld id="{465272A0-D44B-4EFF-9000-FBC503384E79}" type="datetimeFigureOut">
               <a:rPr lang="es-CL" smtClean="0"/>
-              <a:t>28-05-14</a:t>
+              <a:t>23-05-2014</a:t>
             </a:fld>
             <a:endParaRPr lang="es-CL"/>
           </a:p>
@@ -8598,7 +8304,7 @@
           <a:p>
             <a:fld id="{28A6E7A3-04B6-40E8-93B1-AD544A819E12}" type="slidenum">
               <a:rPr lang="es-CL" smtClean="0"/>
-              <a:t>‹Nr.›</a:t>
+              <a:t>‹Nº›</a:t>
             </a:fld>
             <a:endParaRPr lang="es-CL"/>
           </a:p>
@@ -8923,7 +8629,7 @@
           <a:p>
             <a:fld id="{465272A0-D44B-4EFF-9000-FBC503384E79}" type="datetimeFigureOut">
               <a:rPr lang="es-CL" smtClean="0"/>
-              <a:t>28-05-14</a:t>
+              <a:t>23-05-2014</a:t>
             </a:fld>
             <a:endParaRPr lang="es-CL"/>
           </a:p>
@@ -8965,7 +8671,7 @@
           <a:p>
             <a:fld id="{28A6E7A3-04B6-40E8-93B1-AD544A819E12}" type="slidenum">
               <a:rPr lang="es-CL" smtClean="0"/>
-              <a:t>‹Nr.›</a:t>
+              <a:t>‹Nº›</a:t>
             </a:fld>
             <a:endParaRPr lang="es-CL"/>
           </a:p>
@@ -9041,7 +8747,7 @@
           <a:p>
             <a:fld id="{465272A0-D44B-4EFF-9000-FBC503384E79}" type="datetimeFigureOut">
               <a:rPr lang="es-CL" smtClean="0"/>
-              <a:t>28-05-14</a:t>
+              <a:t>23-05-2014</a:t>
             </a:fld>
             <a:endParaRPr lang="es-CL"/>
           </a:p>
@@ -9083,7 +8789,7 @@
           <a:p>
             <a:fld id="{28A6E7A3-04B6-40E8-93B1-AD544A819E12}" type="slidenum">
               <a:rPr lang="es-CL" smtClean="0"/>
-              <a:t>‹Nr.›</a:t>
+              <a:t>‹Nº›</a:t>
             </a:fld>
             <a:endParaRPr lang="es-CL"/>
           </a:p>
@@ -9136,7 +8842,7 @@
           <a:p>
             <a:fld id="{465272A0-D44B-4EFF-9000-FBC503384E79}" type="datetimeFigureOut">
               <a:rPr lang="es-CL" smtClean="0"/>
-              <a:t>28-05-14</a:t>
+              <a:t>23-05-2014</a:t>
             </a:fld>
             <a:endParaRPr lang="es-CL"/>
           </a:p>
@@ -9178,7 +8884,7 @@
           <a:p>
             <a:fld id="{28A6E7A3-04B6-40E8-93B1-AD544A819E12}" type="slidenum">
               <a:rPr lang="es-CL" smtClean="0"/>
-              <a:t>‹Nr.›</a:t>
+              <a:t>‹Nº›</a:t>
             </a:fld>
             <a:endParaRPr lang="es-CL"/>
           </a:p>
@@ -9413,7 +9119,7 @@
           <a:p>
             <a:fld id="{465272A0-D44B-4EFF-9000-FBC503384E79}" type="datetimeFigureOut">
               <a:rPr lang="es-CL" smtClean="0"/>
-              <a:t>28-05-14</a:t>
+              <a:t>23-05-2014</a:t>
             </a:fld>
             <a:endParaRPr lang="es-CL"/>
           </a:p>
@@ -9455,7 +9161,7 @@
           <a:p>
             <a:fld id="{28A6E7A3-04B6-40E8-93B1-AD544A819E12}" type="slidenum">
               <a:rPr lang="es-CL" smtClean="0"/>
-              <a:t>‹Nr.›</a:t>
+              <a:t>‹Nº›</a:t>
             </a:fld>
             <a:endParaRPr lang="es-CL"/>
           </a:p>
@@ -9666,7 +9372,7 @@
           <a:p>
             <a:fld id="{465272A0-D44B-4EFF-9000-FBC503384E79}" type="datetimeFigureOut">
               <a:rPr lang="es-CL" smtClean="0"/>
-              <a:t>28-05-14</a:t>
+              <a:t>23-05-2014</a:t>
             </a:fld>
             <a:endParaRPr lang="es-CL"/>
           </a:p>
@@ -9708,7 +9414,7 @@
           <a:p>
             <a:fld id="{28A6E7A3-04B6-40E8-93B1-AD544A819E12}" type="slidenum">
               <a:rPr lang="es-CL" smtClean="0"/>
-              <a:t>‹Nr.›</a:t>
+              <a:t>‹Nº›</a:t>
             </a:fld>
             <a:endParaRPr lang="es-CL"/>
           </a:p>
@@ -9879,7 +9585,7 @@
           <a:p>
             <a:fld id="{465272A0-D44B-4EFF-9000-FBC503384E79}" type="datetimeFigureOut">
               <a:rPr lang="es-CL" smtClean="0"/>
-              <a:t>28-05-14</a:t>
+              <a:t>23-05-2014</a:t>
             </a:fld>
             <a:endParaRPr lang="es-CL"/>
           </a:p>
@@ -9957,7 +9663,7 @@
           <a:p>
             <a:fld id="{28A6E7A3-04B6-40E8-93B1-AD544A819E12}" type="slidenum">
               <a:rPr lang="es-CL" smtClean="0"/>
-              <a:t>‹Nr.›</a:t>
+              <a:t>‹Nº›</a:t>
             </a:fld>
             <a:endParaRPr lang="es-CL"/>
           </a:p>
@@ -10291,7 +9997,7 @@
           <p:nvPr>
             <p:extLst>
               <p:ext uri="{D42A27DB-BD31-4B8C-83A1-F6EECF244321}">
-                <p14:modId xmlns:p14="http://schemas.microsoft.com/office/powerpoint/2010/main" val="2730163247"/>
+                <p14:modId xmlns:p14="http://schemas.microsoft.com/office/powerpoint/2010/main" val="1845738543"/>
               </p:ext>
             </p:extLst>
           </p:nvPr>
@@ -10362,7 +10068,7 @@
     </a:clrScheme>
     <a:fontScheme name="Office">
       <a:majorFont>
-        <a:latin typeface="Calibri Light"/>
+        <a:latin typeface="Calibri Light" panose="020F0302020204030204"/>
         <a:ea typeface=""/>
         <a:cs typeface=""/>
         <a:font script="Jpan" typeface="ＭＳ Ｐゴシック"/>
@@ -10397,7 +10103,7 @@
         <a:font script="Geor" typeface="Sylfaen"/>
       </a:majorFont>
       <a:minorFont>
-        <a:latin typeface="Calibri"/>
+        <a:latin typeface="Calibri" panose="020F0502020204030204"/>
         <a:ea typeface=""/>
         <a:cs typeface=""/>
         <a:font script="Jpan" typeface="ＭＳ Ｐゴシック"/>
@@ -10574,7 +10280,7 @@
   <a:extraClrSchemeLst/>
   <a:extLst>
     <a:ext uri="{05A4C25C-085E-4340-85A3-A5531E510DB2}">
-      <thm15:themeFamily xmlns:thm15="http://schemas.microsoft.com/office/thememl/2012/main" xmlns="" name="Office Theme" id="{62F939B6-93AF-4DB8-9C6B-D6C7DFDC589F}" vid="{4A3C46E8-61CC-4603-A589-7422A47A8E4A}"/>
+      <thm15:themeFamily xmlns:thm15="http://schemas.microsoft.com/office/thememl/2012/main" name="Office Theme" id="{62F939B6-93AF-4DB8-9C6B-D6C7DFDC589F}" vid="{4A3C46E8-61CC-4603-A589-7422A47A8E4A}"/>
     </a:ext>
   </a:extLst>
 </a:theme>
